--- a/lectures/09-17-CUDA-Introduction-1-of-2.pptx
+++ b/lectures/09-17-CUDA-Introduction-1-of-2.pptx
@@ -5,10 +5,10 @@
     <p:sldMasterId id="2147483653" r:id="rId1"/>
   </p:sldMasterIdLst>
   <p:notesMasterIdLst>
-    <p:notesMasterId r:id="rId63"/>
+    <p:notesMasterId r:id="rId60"/>
   </p:notesMasterIdLst>
   <p:handoutMasterIdLst>
-    <p:handoutMasterId r:id="rId64"/>
+    <p:handoutMasterId r:id="rId61"/>
   </p:handoutMasterIdLst>
   <p:sldIdLst>
     <p:sldId id="259" r:id="rId2"/>
@@ -35,43 +35,40 @@
     <p:sldId id="341" r:id="rId23"/>
     <p:sldId id="342" r:id="rId24"/>
     <p:sldId id="343" r:id="rId25"/>
-    <p:sldId id="344" r:id="rId26"/>
-    <p:sldId id="304" r:id="rId27"/>
-    <p:sldId id="305" r:id="rId28"/>
-    <p:sldId id="306" r:id="rId29"/>
-    <p:sldId id="307" r:id="rId30"/>
-    <p:sldId id="308" r:id="rId31"/>
-    <p:sldId id="309" r:id="rId32"/>
-    <p:sldId id="310" r:id="rId33"/>
-    <p:sldId id="311" r:id="rId34"/>
-    <p:sldId id="312" r:id="rId35"/>
-    <p:sldId id="313" r:id="rId36"/>
-    <p:sldId id="314" r:id="rId37"/>
-    <p:sldId id="315" r:id="rId38"/>
-    <p:sldId id="316" r:id="rId39"/>
-    <p:sldId id="317" r:id="rId40"/>
-    <p:sldId id="367" r:id="rId41"/>
-    <p:sldId id="319" r:id="rId42"/>
-    <p:sldId id="320" r:id="rId43"/>
-    <p:sldId id="330" r:id="rId44"/>
-    <p:sldId id="318" r:id="rId45"/>
-    <p:sldId id="321" r:id="rId46"/>
-    <p:sldId id="322" r:id="rId47"/>
-    <p:sldId id="329" r:id="rId48"/>
-    <p:sldId id="323" r:id="rId49"/>
-    <p:sldId id="324" r:id="rId50"/>
-    <p:sldId id="327" r:id="rId51"/>
-    <p:sldId id="328" r:id="rId52"/>
-    <p:sldId id="326" r:id="rId53"/>
-    <p:sldId id="350" r:id="rId54"/>
-    <p:sldId id="352" r:id="rId55"/>
-    <p:sldId id="357" r:id="rId56"/>
-    <p:sldId id="358" r:id="rId57"/>
-    <p:sldId id="359" r:id="rId58"/>
-    <p:sldId id="354" r:id="rId59"/>
-    <p:sldId id="356" r:id="rId60"/>
-    <p:sldId id="360" r:id="rId61"/>
-    <p:sldId id="355" r:id="rId62"/>
+    <p:sldId id="304" r:id="rId26"/>
+    <p:sldId id="305" r:id="rId27"/>
+    <p:sldId id="306" r:id="rId28"/>
+    <p:sldId id="307" r:id="rId29"/>
+    <p:sldId id="308" r:id="rId30"/>
+    <p:sldId id="310" r:id="rId31"/>
+    <p:sldId id="311" r:id="rId32"/>
+    <p:sldId id="312" r:id="rId33"/>
+    <p:sldId id="313" r:id="rId34"/>
+    <p:sldId id="314" r:id="rId35"/>
+    <p:sldId id="316" r:id="rId36"/>
+    <p:sldId id="317" r:id="rId37"/>
+    <p:sldId id="367" r:id="rId38"/>
+    <p:sldId id="319" r:id="rId39"/>
+    <p:sldId id="320" r:id="rId40"/>
+    <p:sldId id="330" r:id="rId41"/>
+    <p:sldId id="318" r:id="rId42"/>
+    <p:sldId id="321" r:id="rId43"/>
+    <p:sldId id="322" r:id="rId44"/>
+    <p:sldId id="329" r:id="rId45"/>
+    <p:sldId id="323" r:id="rId46"/>
+    <p:sldId id="324" r:id="rId47"/>
+    <p:sldId id="327" r:id="rId48"/>
+    <p:sldId id="328" r:id="rId49"/>
+    <p:sldId id="326" r:id="rId50"/>
+    <p:sldId id="350" r:id="rId51"/>
+    <p:sldId id="352" r:id="rId52"/>
+    <p:sldId id="357" r:id="rId53"/>
+    <p:sldId id="358" r:id="rId54"/>
+    <p:sldId id="359" r:id="rId55"/>
+    <p:sldId id="354" r:id="rId56"/>
+    <p:sldId id="356" r:id="rId57"/>
+    <p:sldId id="360" r:id="rId58"/>
+    <p:sldId id="355" r:id="rId59"/>
   </p:sldIdLst>
   <p:sldSz cx="9144000" cy="6858000" type="screen4x3"/>
   <p:notesSz cx="9601200" cy="7315200"/>
@@ -551,7 +548,7 @@
         <p:nvSpPr>
           <p:cNvPr id="70660" name="Rectangle 4"/>
           <p:cNvSpPr>
-            <a:spLocks noRot="1" noChangeArrowheads="1" noTextEdit="1"/>
+            <a:spLocks noGrp="1" noRot="1" noChangeAspect="1" noChangeArrowheads="1" noTextEdit="1"/>
           </p:cNvSpPr>
           <p:nvPr>
             <p:ph type="sldImg" idx="2"/>
@@ -1334,7 +1331,7 @@
         <p:nvSpPr>
           <p:cNvPr id="75779" name="Rectangle 2"/>
           <p:cNvSpPr>
-            <a:spLocks noRot="1" noChangeArrowheads="1" noTextEdit="1"/>
+            <a:spLocks noGrp="1" noRot="1" noChangeAspect="1" noChangeArrowheads="1" noTextEdit="1"/>
           </p:cNvSpPr>
           <p:nvPr>
             <p:ph type="sldImg"/>
@@ -1560,7 +1557,7 @@
         <p:nvSpPr>
           <p:cNvPr id="76803" name="Rectangle 2"/>
           <p:cNvSpPr>
-            <a:spLocks noRot="1" noChangeArrowheads="1" noTextEdit="1"/>
+            <a:spLocks noGrp="1" noRot="1" noChangeAspect="1" noChangeArrowheads="1" noTextEdit="1"/>
           </p:cNvSpPr>
           <p:nvPr>
             <p:ph type="sldImg"/>
@@ -1783,7 +1780,7 @@
         <p:nvSpPr>
           <p:cNvPr id="77827" name="Rectangle 2"/>
           <p:cNvSpPr>
-            <a:spLocks noRot="1" noChangeArrowheads="1" noTextEdit="1"/>
+            <a:spLocks noGrp="1" noRot="1" noChangeAspect="1" noChangeArrowheads="1" noTextEdit="1"/>
           </p:cNvSpPr>
           <p:nvPr>
             <p:ph type="sldImg"/>
@@ -2006,7 +2003,7 @@
         <p:nvSpPr>
           <p:cNvPr id="78851" name="Rectangle 2"/>
           <p:cNvSpPr>
-            <a:spLocks noRot="1" noChangeArrowheads="1" noTextEdit="1"/>
+            <a:spLocks noGrp="1" noRot="1" noChangeAspect="1" noChangeArrowheads="1" noTextEdit="1"/>
           </p:cNvSpPr>
           <p:nvPr>
             <p:ph type="sldImg"/>
@@ -6515,21 +6512,8 @@
           <a:p>
             <a:r>
               <a:rPr lang="en-US" dirty="0" smtClean="0"/>
-              <a:t>Introduction to CUDA </a:t>
-            </a:r>
-            <a:r>
-              <a:rPr lang="en-US" dirty="0" smtClean="0"/>
-              <a:t>1 </a:t>
-            </a:r>
-            <a:r>
-              <a:rPr lang="en-US" dirty="0" smtClean="0"/>
-              <a:t>of </a:t>
-            </a:r>
-            <a:r>
-              <a:rPr lang="en-US" dirty="0" smtClean="0"/>
-              <a:t>2</a:t>
-            </a:r>
-            <a:endParaRPr lang="en-US" dirty="0" smtClean="0"/>
+              <a:t>Introduction to CUDA 1 of 2</a:t>
+            </a:r>
           </a:p>
         </p:txBody>
       </p:sp>
@@ -6577,15 +6561,7 @@
             </a:pPr>
             <a:r>
               <a:rPr lang="en-US" dirty="0" smtClean="0"/>
-              <a:t>CIS 565 - </a:t>
-            </a:r>
-            <a:r>
-              <a:rPr lang="en-US" dirty="0" smtClean="0"/>
-              <a:t>Fall </a:t>
-            </a:r>
-            <a:r>
-              <a:rPr lang="en-US" dirty="0" smtClean="0"/>
-              <a:t>2012</a:t>
+              <a:t>CIS 565 - Fall 2012</a:t>
             </a:r>
           </a:p>
         </p:txBody>
@@ -12870,13 +12846,8 @@
             </a:pPr>
             <a:r>
               <a:rPr lang="en-US" dirty="0" smtClean="0"/>
-              <a:t>Project 0 due </a:t>
-            </a:r>
-            <a:r>
-              <a:rPr lang="en-US" dirty="0" smtClean="0"/>
-              <a:t>Tues 09/18</a:t>
-            </a:r>
-            <a:endParaRPr lang="en-US" dirty="0" smtClean="0"/>
+              <a:t>Project 0 due Tues 09/18</a:t>
+            </a:r>
           </a:p>
           <a:p>
             <a:pPr eaLnBrk="1" hangingPunct="1">
@@ -14512,334 +14483,6 @@
       </p:grpSpPr>
       <p:sp>
         <p:nvSpPr>
-          <p:cNvPr id="33794" name="Rectangle 2"/>
-          <p:cNvSpPr>
-            <a:spLocks noGrp="1" noChangeArrowheads="1"/>
-          </p:cNvSpPr>
-          <p:nvPr>
-            <p:ph type="title"/>
-          </p:nvPr>
-        </p:nvSpPr>
-        <p:spPr/>
-        <p:txBody>
-          <a:bodyPr/>
-          <a:lstStyle/>
-          <a:p>
-            <a:r>
-              <a:rPr lang="en-US" smtClean="0"/>
-              <a:t>Thread Hierarchies</a:t>
-            </a:r>
-          </a:p>
-        </p:txBody>
-      </p:sp>
-      <p:sp>
-        <p:nvSpPr>
-          <p:cNvPr id="33795" name="Rectangle 3"/>
-          <p:cNvSpPr>
-            <a:spLocks noGrp="1" noChangeArrowheads="1"/>
-          </p:cNvSpPr>
-          <p:nvPr>
-            <p:ph type="body" idx="1"/>
-          </p:nvPr>
-        </p:nvSpPr>
-        <p:spPr/>
-        <p:txBody>
-          <a:bodyPr/>
-          <a:lstStyle/>
-          <a:p>
-            <a:r>
-              <a:rPr lang="en-US" smtClean="0"/>
-              <a:t>Threads in a block</a:t>
-            </a:r>
-          </a:p>
-          <a:p>
-            <a:pPr lvl="1"/>
-            <a:r>
-              <a:rPr lang="en-US" smtClean="0"/>
-              <a:t>Share (limited) low-latency memory</a:t>
-            </a:r>
-          </a:p>
-          <a:p>
-            <a:pPr lvl="1"/>
-            <a:r>
-              <a:rPr lang="en-US" smtClean="0"/>
-              <a:t>Synchronize execution </a:t>
-            </a:r>
-          </a:p>
-          <a:p>
-            <a:pPr lvl="2"/>
-            <a:r>
-              <a:rPr lang="en-US" smtClean="0"/>
-              <a:t>To coordinate memory accesses</a:t>
-            </a:r>
-          </a:p>
-          <a:p>
-            <a:pPr lvl="2"/>
-            <a:r>
-              <a:rPr lang="en-US" smtClean="0">
-                <a:solidFill>
-                  <a:srgbClr val="9933FF"/>
-                </a:solidFill>
-                <a:latin typeface="Courier New" pitchFamily="49" charset="0"/>
-              </a:rPr>
-              <a:t>__syncThreads()</a:t>
-            </a:r>
-          </a:p>
-          <a:p>
-            <a:pPr lvl="3"/>
-            <a:r>
-              <a:rPr lang="en-US" smtClean="0"/>
-              <a:t>Barrier – threads in block wait until all threads reach this</a:t>
-            </a:r>
-          </a:p>
-          <a:p>
-            <a:pPr lvl="3"/>
-            <a:r>
-              <a:rPr lang="en-US" smtClean="0"/>
-              <a:t>Lightweight</a:t>
-            </a:r>
-          </a:p>
-        </p:txBody>
-      </p:sp>
-      <p:sp>
-        <p:nvSpPr>
-          <p:cNvPr id="33796" name="Text Box 5"/>
-          <p:cNvSpPr txBox="1">
-            <a:spLocks noChangeArrowheads="1"/>
-          </p:cNvSpPr>
-          <p:nvPr/>
-        </p:nvSpPr>
-        <p:spPr bwMode="auto">
-          <a:xfrm>
-            <a:off x="0" y="6553200"/>
-            <a:ext cx="9144000" cy="276225"/>
-          </a:xfrm>
-          <a:prstGeom prst="rect">
-            <a:avLst/>
-          </a:prstGeom>
-          <a:noFill/>
-          <a:ln>
-            <a:noFill/>
-          </a:ln>
-          <a:extLst>
-            <a:ext uri="{909E8E84-426E-40DD-AFC4-6F175D3DCCD1}">
-              <a14:hiddenFill xmlns:a14="http://schemas.microsoft.com/office/drawing/2010/main">
-                <a:solidFill>
-                  <a:srgbClr val="FFFFFF"/>
-                </a:solidFill>
-              </a14:hiddenFill>
-            </a:ext>
-            <a:ext uri="{91240B29-F687-4F45-9708-019B960494DF}">
-              <a14:hiddenLine xmlns:a14="http://schemas.microsoft.com/office/drawing/2010/main" w="9525">
-                <a:solidFill>
-                  <a:srgbClr val="000000"/>
-                </a:solidFill>
-                <a:miter lim="800000"/>
-                <a:headEnd/>
-                <a:tailEnd/>
-              </a14:hiddenLine>
-            </a:ext>
-          </a:extLst>
-        </p:spPr>
-        <p:txBody>
-          <a:bodyPr>
-            <a:spAutoFit/>
-          </a:bodyPr>
-          <a:lstStyle>
-            <a:lvl1pPr>
-              <a:defRPr>
-                <a:solidFill>
-                  <a:schemeClr val="tx1"/>
-                </a:solidFill>
-                <a:latin typeface="Arial" charset="0"/>
-              </a:defRPr>
-            </a:lvl1pPr>
-            <a:lvl2pPr marL="742950" indent="-285750">
-              <a:defRPr>
-                <a:solidFill>
-                  <a:schemeClr val="tx1"/>
-                </a:solidFill>
-                <a:latin typeface="Arial" charset="0"/>
-              </a:defRPr>
-            </a:lvl2pPr>
-            <a:lvl3pPr marL="1143000" indent="-228600">
-              <a:defRPr>
-                <a:solidFill>
-                  <a:schemeClr val="tx1"/>
-                </a:solidFill>
-                <a:latin typeface="Arial" charset="0"/>
-              </a:defRPr>
-            </a:lvl3pPr>
-            <a:lvl4pPr marL="1600200" indent="-228600">
-              <a:defRPr>
-                <a:solidFill>
-                  <a:schemeClr val="tx1"/>
-                </a:solidFill>
-                <a:latin typeface="Arial" charset="0"/>
-              </a:defRPr>
-            </a:lvl4pPr>
-            <a:lvl5pPr marL="2057400" indent="-228600">
-              <a:defRPr>
-                <a:solidFill>
-                  <a:schemeClr val="tx1"/>
-                </a:solidFill>
-                <a:latin typeface="Arial" charset="0"/>
-              </a:defRPr>
-            </a:lvl5pPr>
-            <a:lvl6pPr marL="2514600" indent="-228600" eaLnBrk="0" fontAlgn="base" hangingPunct="0">
-              <a:spcBef>
-                <a:spcPct val="0"/>
-              </a:spcBef>
-              <a:spcAft>
-                <a:spcPct val="0"/>
-              </a:spcAft>
-              <a:defRPr>
-                <a:solidFill>
-                  <a:schemeClr val="tx1"/>
-                </a:solidFill>
-                <a:latin typeface="Arial" charset="0"/>
-              </a:defRPr>
-            </a:lvl6pPr>
-            <a:lvl7pPr marL="2971800" indent="-228600" eaLnBrk="0" fontAlgn="base" hangingPunct="0">
-              <a:spcBef>
-                <a:spcPct val="0"/>
-              </a:spcBef>
-              <a:spcAft>
-                <a:spcPct val="0"/>
-              </a:spcAft>
-              <a:defRPr>
-                <a:solidFill>
-                  <a:schemeClr val="tx1"/>
-                </a:solidFill>
-                <a:latin typeface="Arial" charset="0"/>
-              </a:defRPr>
-            </a:lvl7pPr>
-            <a:lvl8pPr marL="3429000" indent="-228600" eaLnBrk="0" fontAlgn="base" hangingPunct="0">
-              <a:spcBef>
-                <a:spcPct val="0"/>
-              </a:spcBef>
-              <a:spcAft>
-                <a:spcPct val="0"/>
-              </a:spcAft>
-              <a:defRPr>
-                <a:solidFill>
-                  <a:schemeClr val="tx1"/>
-                </a:solidFill>
-                <a:latin typeface="Arial" charset="0"/>
-              </a:defRPr>
-            </a:lvl8pPr>
-            <a:lvl9pPr marL="3886200" indent="-228600" eaLnBrk="0" fontAlgn="base" hangingPunct="0">
-              <a:spcBef>
-                <a:spcPct val="0"/>
-              </a:spcBef>
-              <a:spcAft>
-                <a:spcPct val="0"/>
-              </a:spcAft>
-              <a:defRPr>
-                <a:solidFill>
-                  <a:schemeClr val="tx1"/>
-                </a:solidFill>
-                <a:latin typeface="Arial" charset="0"/>
-              </a:defRPr>
-            </a:lvl9pPr>
-          </a:lstStyle>
-          <a:p>
-            <a:pPr algn="r"/>
-            <a:r>
-              <a:rPr lang="en-US" sz="1200"/>
-              <a:t>Image from:  http://courses.engr.illinois.edu/ece498/al/textbook/Chapter2-CudaProgrammingModel.pdf </a:t>
-            </a:r>
-          </a:p>
-        </p:txBody>
-      </p:sp>
-      <p:pic>
-        <p:nvPicPr>
-          <p:cNvPr id="33797" name="Picture 2"/>
-          <p:cNvPicPr>
-            <a:picLocks noChangeAspect="1" noChangeArrowheads="1"/>
-          </p:cNvPicPr>
-          <p:nvPr/>
-        </p:nvPicPr>
-        <p:blipFill>
-          <a:blip r:embed="rId2">
-            <a:extLst>
-              <a:ext uri="{28A0092B-C50C-407E-A947-70E740481C1C}">
-                <a14:useLocalDpi xmlns:a14="http://schemas.microsoft.com/office/drawing/2010/main" val="0"/>
-              </a:ext>
-            </a:extLst>
-          </a:blip>
-          <a:srcRect/>
-          <a:stretch>
-            <a:fillRect/>
-          </a:stretch>
-        </p:blipFill>
-        <p:spPr bwMode="auto">
-          <a:xfrm>
-            <a:off x="7334250" y="1524000"/>
-            <a:ext cx="1733550" cy="2533650"/>
-          </a:xfrm>
-          <a:prstGeom prst="rect">
-            <a:avLst/>
-          </a:prstGeom>
-          <a:noFill/>
-          <a:ln>
-            <a:noFill/>
-          </a:ln>
-          <a:extLst>
-            <a:ext uri="{909E8E84-426E-40DD-AFC4-6F175D3DCCD1}">
-              <a14:hiddenFill xmlns:a14="http://schemas.microsoft.com/office/drawing/2010/main">
-                <a:solidFill>
-                  <a:srgbClr val="FFFFFF"/>
-                </a:solidFill>
-              </a14:hiddenFill>
-            </a:ext>
-            <a:ext uri="{91240B29-F687-4F45-9708-019B960494DF}">
-              <a14:hiddenLine xmlns:a14="http://schemas.microsoft.com/office/drawing/2010/main" w="9525">
-                <a:solidFill>
-                  <a:srgbClr val="000000"/>
-                </a:solidFill>
-                <a:miter lim="800000"/>
-                <a:headEnd/>
-                <a:tailEnd/>
-              </a14:hiddenLine>
-            </a:ext>
-          </a:extLst>
-        </p:spPr>
-      </p:pic>
-    </p:spTree>
-  </p:cSld>
-  <p:clrMapOvr>
-    <a:masterClrMapping/>
-  </p:clrMapOvr>
-  <p:timing>
-    <p:tnLst>
-      <p:par>
-        <p:cTn id="1" dur="indefinite" restart="never" nodeType="tmRoot"/>
-      </p:par>
-    </p:tnLst>
-  </p:timing>
-</p:sld>
-</file>
-
-<file path=ppt/slides/slide26.xml><?xml version="1.0" encoding="utf-8"?>
-<p:sld xmlns:a="http://schemas.openxmlformats.org/drawingml/2006/main" xmlns:r="http://schemas.openxmlformats.org/officeDocument/2006/relationships" xmlns:p="http://schemas.openxmlformats.org/presentationml/2006/main">
-  <p:cSld>
-    <p:spTree>
-      <p:nvGrpSpPr>
-        <p:cNvPr id="1" name=""/>
-        <p:cNvGrpSpPr/>
-        <p:nvPr/>
-      </p:nvGrpSpPr>
-      <p:grpSpPr>
-        <a:xfrm>
-          <a:off x="0" y="0"/>
-          <a:ext cx="0" cy="0"/>
-          <a:chOff x="0" y="0"/>
-          <a:chExt cx="0" cy="0"/>
-        </a:xfrm>
-      </p:grpSpPr>
-      <p:sp>
-        <p:nvSpPr>
           <p:cNvPr id="34818" name="Title 1"/>
           <p:cNvSpPr>
             <a:spLocks noGrp="1"/>
@@ -15080,7 +14723,7 @@
 </p:sld>
 </file>
 
-<file path=ppt/slides/slide27.xml><?xml version="1.0" encoding="utf-8"?>
+<file path=ppt/slides/slide26.xml><?xml version="1.0" encoding="utf-8"?>
 <p:sld xmlns:a="http://schemas.openxmlformats.org/drawingml/2006/main" xmlns:r="http://schemas.openxmlformats.org/officeDocument/2006/relationships" xmlns:p="http://schemas.openxmlformats.org/presentationml/2006/main">
   <p:cSld>
     <p:spTree>
@@ -15505,7 +15148,7 @@
 </p:sld>
 </file>
 
-<file path=ppt/slides/slide28.xml><?xml version="1.0" encoding="utf-8"?>
+<file path=ppt/slides/slide27.xml><?xml version="1.0" encoding="utf-8"?>
 <p:sld xmlns:a="http://schemas.openxmlformats.org/drawingml/2006/main" xmlns:r="http://schemas.openxmlformats.org/officeDocument/2006/relationships" xmlns:p="http://schemas.openxmlformats.org/presentationml/2006/main">
   <p:cSld>
     <p:spTree>
@@ -15865,7 +15508,7 @@
 </p:sld>
 </file>
 
-<file path=ppt/slides/slide29.xml><?xml version="1.0" encoding="utf-8"?>
+<file path=ppt/slides/slide28.xml><?xml version="1.0" encoding="utf-8"?>
 <p:sld xmlns:a="http://schemas.openxmlformats.org/drawingml/2006/main" xmlns:r="http://schemas.openxmlformats.org/officeDocument/2006/relationships" xmlns:p="http://schemas.openxmlformats.org/presentationml/2006/main">
   <p:cSld>
     <p:spTree>
@@ -16109,6 +15752,721 @@
           </a:extLst>
         </p:spPr>
       </p:pic>
+    </p:spTree>
+  </p:cSld>
+  <p:clrMapOvr>
+    <a:masterClrMapping/>
+  </p:clrMapOvr>
+  <p:timing>
+    <p:tnLst>
+      <p:par>
+        <p:cTn id="1" dur="indefinite" restart="never" nodeType="tmRoot"/>
+      </p:par>
+    </p:tnLst>
+  </p:timing>
+</p:sld>
+</file>
+
+<file path=ppt/slides/slide29.xml><?xml version="1.0" encoding="utf-8"?>
+<p:sld xmlns:a="http://schemas.openxmlformats.org/drawingml/2006/main" xmlns:r="http://schemas.openxmlformats.org/officeDocument/2006/relationships" xmlns:p="http://schemas.openxmlformats.org/presentationml/2006/main">
+  <p:cSld>
+    <p:spTree>
+      <p:nvGrpSpPr>
+        <p:cNvPr id="1" name=""/>
+        <p:cNvGrpSpPr/>
+        <p:nvPr/>
+      </p:nvGrpSpPr>
+      <p:grpSpPr>
+        <a:xfrm>
+          <a:off x="0" y="0"/>
+          <a:ext cx="0" cy="0"/>
+          <a:chOff x="0" y="0"/>
+          <a:chExt cx="0" cy="0"/>
+        </a:xfrm>
+      </p:grpSpPr>
+      <p:sp>
+        <p:nvSpPr>
+          <p:cNvPr id="38914" name="Title 1"/>
+          <p:cNvSpPr>
+            <a:spLocks noGrp="1"/>
+          </p:cNvSpPr>
+          <p:nvPr>
+            <p:ph type="title"/>
+          </p:nvPr>
+        </p:nvSpPr>
+        <p:spPr/>
+        <p:txBody>
+          <a:bodyPr/>
+          <a:lstStyle/>
+          <a:p>
+            <a:r>
+              <a:rPr lang="en-US" smtClean="0"/>
+              <a:t>CUDA Memory Transfers</a:t>
+            </a:r>
+          </a:p>
+        </p:txBody>
+      </p:sp>
+      <p:sp>
+        <p:nvSpPr>
+          <p:cNvPr id="38915" name="Text Box 5"/>
+          <p:cNvSpPr txBox="1">
+            <a:spLocks noChangeArrowheads="1"/>
+          </p:cNvSpPr>
+          <p:nvPr/>
+        </p:nvSpPr>
+        <p:spPr bwMode="auto">
+          <a:xfrm>
+            <a:off x="0" y="6553200"/>
+            <a:ext cx="9144000" cy="276225"/>
+          </a:xfrm>
+          <a:prstGeom prst="rect">
+            <a:avLst/>
+          </a:prstGeom>
+          <a:noFill/>
+          <a:ln>
+            <a:noFill/>
+          </a:ln>
+          <a:extLst>
+            <a:ext uri="{909E8E84-426E-40DD-AFC4-6F175D3DCCD1}">
+              <a14:hiddenFill xmlns:a14="http://schemas.microsoft.com/office/drawing/2010/main">
+                <a:solidFill>
+                  <a:srgbClr val="FFFFFF"/>
+                </a:solidFill>
+              </a14:hiddenFill>
+            </a:ext>
+            <a:ext uri="{91240B29-F687-4F45-9708-019B960494DF}">
+              <a14:hiddenLine xmlns:a14="http://schemas.microsoft.com/office/drawing/2010/main" w="9525">
+                <a:solidFill>
+                  <a:srgbClr val="000000"/>
+                </a:solidFill>
+                <a:miter lim="800000"/>
+                <a:headEnd/>
+                <a:tailEnd/>
+              </a14:hiddenLine>
+            </a:ext>
+          </a:extLst>
+        </p:spPr>
+        <p:txBody>
+          <a:bodyPr>
+            <a:spAutoFit/>
+          </a:bodyPr>
+          <a:lstStyle>
+            <a:lvl1pPr>
+              <a:defRPr>
+                <a:solidFill>
+                  <a:schemeClr val="tx1"/>
+                </a:solidFill>
+                <a:latin typeface="Arial" charset="0"/>
+              </a:defRPr>
+            </a:lvl1pPr>
+            <a:lvl2pPr marL="742950" indent="-285750">
+              <a:defRPr>
+                <a:solidFill>
+                  <a:schemeClr val="tx1"/>
+                </a:solidFill>
+                <a:latin typeface="Arial" charset="0"/>
+              </a:defRPr>
+            </a:lvl2pPr>
+            <a:lvl3pPr marL="1143000" indent="-228600">
+              <a:defRPr>
+                <a:solidFill>
+                  <a:schemeClr val="tx1"/>
+                </a:solidFill>
+                <a:latin typeface="Arial" charset="0"/>
+              </a:defRPr>
+            </a:lvl3pPr>
+            <a:lvl4pPr marL="1600200" indent="-228600">
+              <a:defRPr>
+                <a:solidFill>
+                  <a:schemeClr val="tx1"/>
+                </a:solidFill>
+                <a:latin typeface="Arial" charset="0"/>
+              </a:defRPr>
+            </a:lvl4pPr>
+            <a:lvl5pPr marL="2057400" indent="-228600">
+              <a:defRPr>
+                <a:solidFill>
+                  <a:schemeClr val="tx1"/>
+                </a:solidFill>
+                <a:latin typeface="Arial" charset="0"/>
+              </a:defRPr>
+            </a:lvl5pPr>
+            <a:lvl6pPr marL="2514600" indent="-228600" eaLnBrk="0" fontAlgn="base" hangingPunct="0">
+              <a:spcBef>
+                <a:spcPct val="0"/>
+              </a:spcBef>
+              <a:spcAft>
+                <a:spcPct val="0"/>
+              </a:spcAft>
+              <a:defRPr>
+                <a:solidFill>
+                  <a:schemeClr val="tx1"/>
+                </a:solidFill>
+                <a:latin typeface="Arial" charset="0"/>
+              </a:defRPr>
+            </a:lvl6pPr>
+            <a:lvl7pPr marL="2971800" indent="-228600" eaLnBrk="0" fontAlgn="base" hangingPunct="0">
+              <a:spcBef>
+                <a:spcPct val="0"/>
+              </a:spcBef>
+              <a:spcAft>
+                <a:spcPct val="0"/>
+              </a:spcAft>
+              <a:defRPr>
+                <a:solidFill>
+                  <a:schemeClr val="tx1"/>
+                </a:solidFill>
+                <a:latin typeface="Arial" charset="0"/>
+              </a:defRPr>
+            </a:lvl7pPr>
+            <a:lvl8pPr marL="3429000" indent="-228600" eaLnBrk="0" fontAlgn="base" hangingPunct="0">
+              <a:spcBef>
+                <a:spcPct val="0"/>
+              </a:spcBef>
+              <a:spcAft>
+                <a:spcPct val="0"/>
+              </a:spcAft>
+              <a:defRPr>
+                <a:solidFill>
+                  <a:schemeClr val="tx1"/>
+                </a:solidFill>
+                <a:latin typeface="Arial" charset="0"/>
+              </a:defRPr>
+            </a:lvl8pPr>
+            <a:lvl9pPr marL="3886200" indent="-228600" eaLnBrk="0" fontAlgn="base" hangingPunct="0">
+              <a:spcBef>
+                <a:spcPct val="0"/>
+              </a:spcBef>
+              <a:spcAft>
+                <a:spcPct val="0"/>
+              </a:spcAft>
+              <a:defRPr>
+                <a:solidFill>
+                  <a:schemeClr val="tx1"/>
+                </a:solidFill>
+                <a:latin typeface="Arial" charset="0"/>
+              </a:defRPr>
+            </a:lvl9pPr>
+          </a:lstStyle>
+          <a:p>
+            <a:pPr algn="r"/>
+            <a:r>
+              <a:rPr lang="en-US" sz="1200"/>
+              <a:t>Code from:  http://courses.engr.illinois.edu/ece498/al/textbook/Chapter2-CudaProgrammingModel.pdf </a:t>
+            </a:r>
+          </a:p>
+        </p:txBody>
+      </p:sp>
+      <p:pic>
+        <p:nvPicPr>
+          <p:cNvPr id="38916" name="Picture 2"/>
+          <p:cNvPicPr>
+            <a:picLocks noChangeAspect="1" noChangeArrowheads="1"/>
+          </p:cNvPicPr>
+          <p:nvPr/>
+        </p:nvPicPr>
+        <p:blipFill>
+          <a:blip r:embed="rId2">
+            <a:extLst>
+              <a:ext uri="{28A0092B-C50C-407E-A947-70E740481C1C}">
+                <a14:useLocalDpi xmlns:a14="http://schemas.microsoft.com/office/drawing/2010/main" val="0"/>
+              </a:ext>
+            </a:extLst>
+          </a:blip>
+          <a:srcRect/>
+          <a:stretch>
+            <a:fillRect/>
+          </a:stretch>
+        </p:blipFill>
+        <p:spPr bwMode="auto">
+          <a:xfrm>
+            <a:off x="1804988" y="2571750"/>
+            <a:ext cx="5534025" cy="1714500"/>
+          </a:xfrm>
+          <a:prstGeom prst="rect">
+            <a:avLst/>
+          </a:prstGeom>
+          <a:noFill/>
+          <a:ln>
+            <a:noFill/>
+          </a:ln>
+          <a:extLst>
+            <a:ext uri="{909E8E84-426E-40DD-AFC4-6F175D3DCCD1}">
+              <a14:hiddenFill xmlns:a14="http://schemas.microsoft.com/office/drawing/2010/main">
+                <a:solidFill>
+                  <a:srgbClr val="FFFFFF"/>
+                </a:solidFill>
+              </a14:hiddenFill>
+            </a:ext>
+            <a:ext uri="{91240B29-F687-4F45-9708-019B960494DF}">
+              <a14:hiddenLine xmlns:a14="http://schemas.microsoft.com/office/drawing/2010/main" w="9525">
+                <a:solidFill>
+                  <a:srgbClr val="000000"/>
+                </a:solidFill>
+                <a:miter lim="800000"/>
+                <a:headEnd/>
+                <a:tailEnd/>
+              </a14:hiddenLine>
+            </a:ext>
+          </a:extLst>
+        </p:spPr>
+      </p:pic>
+      <p:sp>
+        <p:nvSpPr>
+          <p:cNvPr id="38917" name="Rectangle 5"/>
+          <p:cNvSpPr>
+            <a:spLocks noChangeArrowheads="1"/>
+          </p:cNvSpPr>
+          <p:nvPr/>
+        </p:nvSpPr>
+        <p:spPr bwMode="auto">
+          <a:xfrm>
+            <a:off x="3352800" y="3352800"/>
+            <a:ext cx="1524000" cy="304800"/>
+          </a:xfrm>
+          <a:prstGeom prst="rect">
+            <a:avLst/>
+          </a:prstGeom>
+          <a:solidFill>
+            <a:srgbClr val="FFFF99">
+              <a:alpha val="50195"/>
+            </a:srgbClr>
+          </a:solidFill>
+          <a:ln w="9525">
+            <a:solidFill>
+              <a:schemeClr val="tx1"/>
+            </a:solidFill>
+            <a:miter lim="800000"/>
+            <a:headEnd/>
+            <a:tailEnd/>
+          </a:ln>
+        </p:spPr>
+        <p:txBody>
+          <a:bodyPr wrap="none" anchor="ctr"/>
+          <a:lstStyle/>
+          <a:p>
+            <a:endParaRPr lang="en-US"/>
+          </a:p>
+        </p:txBody>
+      </p:sp>
+      <p:sp>
+        <p:nvSpPr>
+          <p:cNvPr id="38918" name="Text Box 6"/>
+          <p:cNvSpPr txBox="1">
+            <a:spLocks noChangeArrowheads="1"/>
+          </p:cNvSpPr>
+          <p:nvPr/>
+        </p:nvSpPr>
+        <p:spPr bwMode="auto">
+          <a:xfrm>
+            <a:off x="2667000" y="4495800"/>
+            <a:ext cx="2819400" cy="369888"/>
+          </a:xfrm>
+          <a:prstGeom prst="rect">
+            <a:avLst/>
+          </a:prstGeom>
+          <a:noFill/>
+          <a:ln w="9525">
+            <a:solidFill>
+              <a:srgbClr val="CC3300"/>
+            </a:solidFill>
+            <a:miter lim="800000"/>
+            <a:headEnd/>
+            <a:tailEnd/>
+          </a:ln>
+          <a:extLst>
+            <a:ext uri="{909E8E84-426E-40DD-AFC4-6F175D3DCCD1}">
+              <a14:hiddenFill xmlns:a14="http://schemas.microsoft.com/office/drawing/2010/main">
+                <a:solidFill>
+                  <a:srgbClr val="FFFFFF"/>
+                </a:solidFill>
+              </a14:hiddenFill>
+            </a:ext>
+          </a:extLst>
+        </p:spPr>
+        <p:txBody>
+          <a:bodyPr>
+            <a:spAutoFit/>
+          </a:bodyPr>
+          <a:lstStyle>
+            <a:lvl1pPr>
+              <a:defRPr>
+                <a:solidFill>
+                  <a:schemeClr val="tx1"/>
+                </a:solidFill>
+                <a:latin typeface="Arial" charset="0"/>
+              </a:defRPr>
+            </a:lvl1pPr>
+            <a:lvl2pPr marL="742950" indent="-285750">
+              <a:defRPr>
+                <a:solidFill>
+                  <a:schemeClr val="tx1"/>
+                </a:solidFill>
+                <a:latin typeface="Arial" charset="0"/>
+              </a:defRPr>
+            </a:lvl2pPr>
+            <a:lvl3pPr marL="1143000" indent="-228600">
+              <a:defRPr>
+                <a:solidFill>
+                  <a:schemeClr val="tx1"/>
+                </a:solidFill>
+                <a:latin typeface="Arial" charset="0"/>
+              </a:defRPr>
+            </a:lvl3pPr>
+            <a:lvl4pPr marL="1600200" indent="-228600">
+              <a:defRPr>
+                <a:solidFill>
+                  <a:schemeClr val="tx1"/>
+                </a:solidFill>
+                <a:latin typeface="Arial" charset="0"/>
+              </a:defRPr>
+            </a:lvl4pPr>
+            <a:lvl5pPr marL="2057400" indent="-228600">
+              <a:defRPr>
+                <a:solidFill>
+                  <a:schemeClr val="tx1"/>
+                </a:solidFill>
+                <a:latin typeface="Arial" charset="0"/>
+              </a:defRPr>
+            </a:lvl5pPr>
+            <a:lvl6pPr marL="2514600" indent="-228600" eaLnBrk="0" fontAlgn="base" hangingPunct="0">
+              <a:spcBef>
+                <a:spcPct val="0"/>
+              </a:spcBef>
+              <a:spcAft>
+                <a:spcPct val="0"/>
+              </a:spcAft>
+              <a:defRPr>
+                <a:solidFill>
+                  <a:schemeClr val="tx1"/>
+                </a:solidFill>
+                <a:latin typeface="Arial" charset="0"/>
+              </a:defRPr>
+            </a:lvl6pPr>
+            <a:lvl7pPr marL="2971800" indent="-228600" eaLnBrk="0" fontAlgn="base" hangingPunct="0">
+              <a:spcBef>
+                <a:spcPct val="0"/>
+              </a:spcBef>
+              <a:spcAft>
+                <a:spcPct val="0"/>
+              </a:spcAft>
+              <a:defRPr>
+                <a:solidFill>
+                  <a:schemeClr val="tx1"/>
+                </a:solidFill>
+                <a:latin typeface="Arial" charset="0"/>
+              </a:defRPr>
+            </a:lvl7pPr>
+            <a:lvl8pPr marL="3429000" indent="-228600" eaLnBrk="0" fontAlgn="base" hangingPunct="0">
+              <a:spcBef>
+                <a:spcPct val="0"/>
+              </a:spcBef>
+              <a:spcAft>
+                <a:spcPct val="0"/>
+              </a:spcAft>
+              <a:defRPr>
+                <a:solidFill>
+                  <a:schemeClr val="tx1"/>
+                </a:solidFill>
+                <a:latin typeface="Arial" charset="0"/>
+              </a:defRPr>
+            </a:lvl8pPr>
+            <a:lvl9pPr marL="3886200" indent="-228600" eaLnBrk="0" fontAlgn="base" hangingPunct="0">
+              <a:spcBef>
+                <a:spcPct val="0"/>
+              </a:spcBef>
+              <a:spcAft>
+                <a:spcPct val="0"/>
+              </a:spcAft>
+              <a:defRPr>
+                <a:solidFill>
+                  <a:schemeClr val="tx1"/>
+                </a:solidFill>
+                <a:latin typeface="Arial" charset="0"/>
+              </a:defRPr>
+            </a:lvl9pPr>
+          </a:lstStyle>
+          <a:p>
+            <a:r>
+              <a:rPr lang="en-US">
+                <a:solidFill>
+                  <a:srgbClr val="CC3300"/>
+                </a:solidFill>
+              </a:rPr>
+              <a:t>Pointer to device memory</a:t>
+            </a:r>
+          </a:p>
+        </p:txBody>
+      </p:sp>
+      <p:sp>
+        <p:nvSpPr>
+          <p:cNvPr id="38919" name="Line 7"/>
+          <p:cNvSpPr>
+            <a:spLocks noChangeShapeType="1"/>
+          </p:cNvSpPr>
+          <p:nvPr/>
+        </p:nvSpPr>
+        <p:spPr bwMode="auto">
+          <a:xfrm flipH="1" flipV="1">
+            <a:off x="4038600" y="3657600"/>
+            <a:ext cx="0" cy="803275"/>
+          </a:xfrm>
+          <a:prstGeom prst="line">
+            <a:avLst/>
+          </a:prstGeom>
+          <a:noFill/>
+          <a:ln w="9525">
+            <a:solidFill>
+              <a:srgbClr val="CC3300"/>
+            </a:solidFill>
+            <a:round/>
+            <a:headEnd/>
+            <a:tailEnd type="triangle" w="med" len="med"/>
+          </a:ln>
+          <a:extLst>
+            <a:ext uri="{909E8E84-426E-40DD-AFC4-6F175D3DCCD1}">
+              <a14:hiddenFill xmlns:a14="http://schemas.microsoft.com/office/drawing/2010/main">
+                <a:noFill/>
+              </a14:hiddenFill>
+            </a:ext>
+          </a:extLst>
+        </p:spPr>
+        <p:txBody>
+          <a:bodyPr/>
+          <a:lstStyle/>
+          <a:p>
+            <a:endParaRPr lang="en-US"/>
+          </a:p>
+        </p:txBody>
+      </p:sp>
+      <p:sp>
+        <p:nvSpPr>
+          <p:cNvPr id="8" name="Rectangle 5"/>
+          <p:cNvSpPr>
+            <a:spLocks noChangeArrowheads="1"/>
+          </p:cNvSpPr>
+          <p:nvPr/>
+        </p:nvSpPr>
+        <p:spPr bwMode="auto">
+          <a:xfrm>
+            <a:off x="5029200" y="3352800"/>
+            <a:ext cx="533400" cy="304800"/>
+          </a:xfrm>
+          <a:prstGeom prst="rect">
+            <a:avLst/>
+          </a:prstGeom>
+          <a:solidFill>
+            <a:srgbClr val="FFFF99">
+              <a:alpha val="50195"/>
+            </a:srgbClr>
+          </a:solidFill>
+          <a:ln w="9525">
+            <a:solidFill>
+              <a:schemeClr val="tx1"/>
+            </a:solidFill>
+            <a:miter lim="800000"/>
+            <a:headEnd/>
+            <a:tailEnd/>
+          </a:ln>
+        </p:spPr>
+        <p:txBody>
+          <a:bodyPr wrap="none" anchor="ctr"/>
+          <a:lstStyle/>
+          <a:p>
+            <a:endParaRPr lang="en-US"/>
+          </a:p>
+        </p:txBody>
+      </p:sp>
+      <p:sp>
+        <p:nvSpPr>
+          <p:cNvPr id="9" name="Text Box 6"/>
+          <p:cNvSpPr txBox="1">
+            <a:spLocks noChangeArrowheads="1"/>
+          </p:cNvSpPr>
+          <p:nvPr/>
+        </p:nvSpPr>
+        <p:spPr bwMode="auto">
+          <a:xfrm>
+            <a:off x="4495800" y="3962400"/>
+            <a:ext cx="1524000" cy="369888"/>
+          </a:xfrm>
+          <a:prstGeom prst="rect">
+            <a:avLst/>
+          </a:prstGeom>
+          <a:noFill/>
+          <a:ln w="9525">
+            <a:solidFill>
+              <a:srgbClr val="CC3300"/>
+            </a:solidFill>
+            <a:miter lim="800000"/>
+            <a:headEnd/>
+            <a:tailEnd/>
+          </a:ln>
+          <a:extLst>
+            <a:ext uri="{909E8E84-426E-40DD-AFC4-6F175D3DCCD1}">
+              <a14:hiddenFill xmlns:a14="http://schemas.microsoft.com/office/drawing/2010/main">
+                <a:solidFill>
+                  <a:srgbClr val="FFFFFF"/>
+                </a:solidFill>
+              </a14:hiddenFill>
+            </a:ext>
+          </a:extLst>
+        </p:spPr>
+        <p:txBody>
+          <a:bodyPr>
+            <a:spAutoFit/>
+          </a:bodyPr>
+          <a:lstStyle>
+            <a:lvl1pPr>
+              <a:defRPr>
+                <a:solidFill>
+                  <a:schemeClr val="tx1"/>
+                </a:solidFill>
+                <a:latin typeface="Arial" charset="0"/>
+              </a:defRPr>
+            </a:lvl1pPr>
+            <a:lvl2pPr marL="742950" indent="-285750">
+              <a:defRPr>
+                <a:solidFill>
+                  <a:schemeClr val="tx1"/>
+                </a:solidFill>
+                <a:latin typeface="Arial" charset="0"/>
+              </a:defRPr>
+            </a:lvl2pPr>
+            <a:lvl3pPr marL="1143000" indent="-228600">
+              <a:defRPr>
+                <a:solidFill>
+                  <a:schemeClr val="tx1"/>
+                </a:solidFill>
+                <a:latin typeface="Arial" charset="0"/>
+              </a:defRPr>
+            </a:lvl3pPr>
+            <a:lvl4pPr marL="1600200" indent="-228600">
+              <a:defRPr>
+                <a:solidFill>
+                  <a:schemeClr val="tx1"/>
+                </a:solidFill>
+                <a:latin typeface="Arial" charset="0"/>
+              </a:defRPr>
+            </a:lvl4pPr>
+            <a:lvl5pPr marL="2057400" indent="-228600">
+              <a:defRPr>
+                <a:solidFill>
+                  <a:schemeClr val="tx1"/>
+                </a:solidFill>
+                <a:latin typeface="Arial" charset="0"/>
+              </a:defRPr>
+            </a:lvl5pPr>
+            <a:lvl6pPr marL="2514600" indent="-228600" eaLnBrk="0" fontAlgn="base" hangingPunct="0">
+              <a:spcBef>
+                <a:spcPct val="0"/>
+              </a:spcBef>
+              <a:spcAft>
+                <a:spcPct val="0"/>
+              </a:spcAft>
+              <a:defRPr>
+                <a:solidFill>
+                  <a:schemeClr val="tx1"/>
+                </a:solidFill>
+                <a:latin typeface="Arial" charset="0"/>
+              </a:defRPr>
+            </a:lvl6pPr>
+            <a:lvl7pPr marL="2971800" indent="-228600" eaLnBrk="0" fontAlgn="base" hangingPunct="0">
+              <a:spcBef>
+                <a:spcPct val="0"/>
+              </a:spcBef>
+              <a:spcAft>
+                <a:spcPct val="0"/>
+              </a:spcAft>
+              <a:defRPr>
+                <a:solidFill>
+                  <a:schemeClr val="tx1"/>
+                </a:solidFill>
+                <a:latin typeface="Arial" charset="0"/>
+              </a:defRPr>
+            </a:lvl7pPr>
+            <a:lvl8pPr marL="3429000" indent="-228600" eaLnBrk="0" fontAlgn="base" hangingPunct="0">
+              <a:spcBef>
+                <a:spcPct val="0"/>
+              </a:spcBef>
+              <a:spcAft>
+                <a:spcPct val="0"/>
+              </a:spcAft>
+              <a:defRPr>
+                <a:solidFill>
+                  <a:schemeClr val="tx1"/>
+                </a:solidFill>
+                <a:latin typeface="Arial" charset="0"/>
+              </a:defRPr>
+            </a:lvl8pPr>
+            <a:lvl9pPr marL="3886200" indent="-228600" eaLnBrk="0" fontAlgn="base" hangingPunct="0">
+              <a:spcBef>
+                <a:spcPct val="0"/>
+              </a:spcBef>
+              <a:spcAft>
+                <a:spcPct val="0"/>
+              </a:spcAft>
+              <a:defRPr>
+                <a:solidFill>
+                  <a:schemeClr val="tx1"/>
+                </a:solidFill>
+                <a:latin typeface="Arial" charset="0"/>
+              </a:defRPr>
+            </a:lvl9pPr>
+          </a:lstStyle>
+          <a:p>
+            <a:r>
+              <a:rPr lang="en-US">
+                <a:solidFill>
+                  <a:srgbClr val="CC3300"/>
+                </a:solidFill>
+              </a:rPr>
+              <a:t>Size in bytes</a:t>
+            </a:r>
+          </a:p>
+        </p:txBody>
+      </p:sp>
+      <p:sp>
+        <p:nvSpPr>
+          <p:cNvPr id="10" name="Line 7"/>
+          <p:cNvSpPr>
+            <a:spLocks noChangeShapeType="1"/>
+          </p:cNvSpPr>
+          <p:nvPr/>
+        </p:nvSpPr>
+        <p:spPr bwMode="auto">
+          <a:xfrm flipH="1" flipV="1">
+            <a:off x="5257800" y="3657600"/>
+            <a:ext cx="0" cy="304800"/>
+          </a:xfrm>
+          <a:prstGeom prst="line">
+            <a:avLst/>
+          </a:prstGeom>
+          <a:noFill/>
+          <a:ln w="9525">
+            <a:solidFill>
+              <a:srgbClr val="CC3300"/>
+            </a:solidFill>
+            <a:round/>
+            <a:headEnd/>
+            <a:tailEnd type="triangle" w="med" len="med"/>
+          </a:ln>
+          <a:extLst>
+            <a:ext uri="{909E8E84-426E-40DD-AFC4-6F175D3DCCD1}">
+              <a14:hiddenFill xmlns:a14="http://schemas.microsoft.com/office/drawing/2010/main">
+                <a:noFill/>
+              </a14:hiddenFill>
+            </a:ext>
+          </a:extLst>
+        </p:spPr>
+        <p:txBody>
+          <a:bodyPr/>
+          <a:lstStyle/>
+          <a:p>
+            <a:endParaRPr lang="en-US"/>
+          </a:p>
+        </p:txBody>
+      </p:sp>
     </p:spTree>
   </p:cSld>
   <p:clrMapOvr>
@@ -16251,980 +16609,6 @@
       </p:grpSpPr>
       <p:sp>
         <p:nvSpPr>
-          <p:cNvPr id="38914" name="Title 1"/>
-          <p:cNvSpPr>
-            <a:spLocks noGrp="1"/>
-          </p:cNvSpPr>
-          <p:nvPr>
-            <p:ph type="title"/>
-          </p:nvPr>
-        </p:nvSpPr>
-        <p:spPr/>
-        <p:txBody>
-          <a:bodyPr/>
-          <a:lstStyle/>
-          <a:p>
-            <a:r>
-              <a:rPr lang="en-US" smtClean="0"/>
-              <a:t>CUDA Memory Transfers</a:t>
-            </a:r>
-          </a:p>
-        </p:txBody>
-      </p:sp>
-      <p:sp>
-        <p:nvSpPr>
-          <p:cNvPr id="38915" name="Text Box 5"/>
-          <p:cNvSpPr txBox="1">
-            <a:spLocks noChangeArrowheads="1"/>
-          </p:cNvSpPr>
-          <p:nvPr/>
-        </p:nvSpPr>
-        <p:spPr bwMode="auto">
-          <a:xfrm>
-            <a:off x="0" y="6553200"/>
-            <a:ext cx="9144000" cy="276225"/>
-          </a:xfrm>
-          <a:prstGeom prst="rect">
-            <a:avLst/>
-          </a:prstGeom>
-          <a:noFill/>
-          <a:ln>
-            <a:noFill/>
-          </a:ln>
-          <a:extLst>
-            <a:ext uri="{909E8E84-426E-40DD-AFC4-6F175D3DCCD1}">
-              <a14:hiddenFill xmlns:a14="http://schemas.microsoft.com/office/drawing/2010/main">
-                <a:solidFill>
-                  <a:srgbClr val="FFFFFF"/>
-                </a:solidFill>
-              </a14:hiddenFill>
-            </a:ext>
-            <a:ext uri="{91240B29-F687-4F45-9708-019B960494DF}">
-              <a14:hiddenLine xmlns:a14="http://schemas.microsoft.com/office/drawing/2010/main" w="9525">
-                <a:solidFill>
-                  <a:srgbClr val="000000"/>
-                </a:solidFill>
-                <a:miter lim="800000"/>
-                <a:headEnd/>
-                <a:tailEnd/>
-              </a14:hiddenLine>
-            </a:ext>
-          </a:extLst>
-        </p:spPr>
-        <p:txBody>
-          <a:bodyPr>
-            <a:spAutoFit/>
-          </a:bodyPr>
-          <a:lstStyle>
-            <a:lvl1pPr>
-              <a:defRPr>
-                <a:solidFill>
-                  <a:schemeClr val="tx1"/>
-                </a:solidFill>
-                <a:latin typeface="Arial" charset="0"/>
-              </a:defRPr>
-            </a:lvl1pPr>
-            <a:lvl2pPr marL="742950" indent="-285750">
-              <a:defRPr>
-                <a:solidFill>
-                  <a:schemeClr val="tx1"/>
-                </a:solidFill>
-                <a:latin typeface="Arial" charset="0"/>
-              </a:defRPr>
-            </a:lvl2pPr>
-            <a:lvl3pPr marL="1143000" indent="-228600">
-              <a:defRPr>
-                <a:solidFill>
-                  <a:schemeClr val="tx1"/>
-                </a:solidFill>
-                <a:latin typeface="Arial" charset="0"/>
-              </a:defRPr>
-            </a:lvl3pPr>
-            <a:lvl4pPr marL="1600200" indent="-228600">
-              <a:defRPr>
-                <a:solidFill>
-                  <a:schemeClr val="tx1"/>
-                </a:solidFill>
-                <a:latin typeface="Arial" charset="0"/>
-              </a:defRPr>
-            </a:lvl4pPr>
-            <a:lvl5pPr marL="2057400" indent="-228600">
-              <a:defRPr>
-                <a:solidFill>
-                  <a:schemeClr val="tx1"/>
-                </a:solidFill>
-                <a:latin typeface="Arial" charset="0"/>
-              </a:defRPr>
-            </a:lvl5pPr>
-            <a:lvl6pPr marL="2514600" indent="-228600" eaLnBrk="0" fontAlgn="base" hangingPunct="0">
-              <a:spcBef>
-                <a:spcPct val="0"/>
-              </a:spcBef>
-              <a:spcAft>
-                <a:spcPct val="0"/>
-              </a:spcAft>
-              <a:defRPr>
-                <a:solidFill>
-                  <a:schemeClr val="tx1"/>
-                </a:solidFill>
-                <a:latin typeface="Arial" charset="0"/>
-              </a:defRPr>
-            </a:lvl6pPr>
-            <a:lvl7pPr marL="2971800" indent="-228600" eaLnBrk="0" fontAlgn="base" hangingPunct="0">
-              <a:spcBef>
-                <a:spcPct val="0"/>
-              </a:spcBef>
-              <a:spcAft>
-                <a:spcPct val="0"/>
-              </a:spcAft>
-              <a:defRPr>
-                <a:solidFill>
-                  <a:schemeClr val="tx1"/>
-                </a:solidFill>
-                <a:latin typeface="Arial" charset="0"/>
-              </a:defRPr>
-            </a:lvl7pPr>
-            <a:lvl8pPr marL="3429000" indent="-228600" eaLnBrk="0" fontAlgn="base" hangingPunct="0">
-              <a:spcBef>
-                <a:spcPct val="0"/>
-              </a:spcBef>
-              <a:spcAft>
-                <a:spcPct val="0"/>
-              </a:spcAft>
-              <a:defRPr>
-                <a:solidFill>
-                  <a:schemeClr val="tx1"/>
-                </a:solidFill>
-                <a:latin typeface="Arial" charset="0"/>
-              </a:defRPr>
-            </a:lvl8pPr>
-            <a:lvl9pPr marL="3886200" indent="-228600" eaLnBrk="0" fontAlgn="base" hangingPunct="0">
-              <a:spcBef>
-                <a:spcPct val="0"/>
-              </a:spcBef>
-              <a:spcAft>
-                <a:spcPct val="0"/>
-              </a:spcAft>
-              <a:defRPr>
-                <a:solidFill>
-                  <a:schemeClr val="tx1"/>
-                </a:solidFill>
-                <a:latin typeface="Arial" charset="0"/>
-              </a:defRPr>
-            </a:lvl9pPr>
-          </a:lstStyle>
-          <a:p>
-            <a:pPr algn="r"/>
-            <a:r>
-              <a:rPr lang="en-US" sz="1200"/>
-              <a:t>Code from:  http://courses.engr.illinois.edu/ece498/al/textbook/Chapter2-CudaProgrammingModel.pdf </a:t>
-            </a:r>
-          </a:p>
-        </p:txBody>
-      </p:sp>
-      <p:pic>
-        <p:nvPicPr>
-          <p:cNvPr id="38916" name="Picture 2"/>
-          <p:cNvPicPr>
-            <a:picLocks noChangeAspect="1" noChangeArrowheads="1"/>
-          </p:cNvPicPr>
-          <p:nvPr/>
-        </p:nvPicPr>
-        <p:blipFill>
-          <a:blip r:embed="rId2">
-            <a:extLst>
-              <a:ext uri="{28A0092B-C50C-407E-A947-70E740481C1C}">
-                <a14:useLocalDpi xmlns:a14="http://schemas.microsoft.com/office/drawing/2010/main" val="0"/>
-              </a:ext>
-            </a:extLst>
-          </a:blip>
-          <a:srcRect/>
-          <a:stretch>
-            <a:fillRect/>
-          </a:stretch>
-        </p:blipFill>
-        <p:spPr bwMode="auto">
-          <a:xfrm>
-            <a:off x="1804988" y="2571750"/>
-            <a:ext cx="5534025" cy="1714500"/>
-          </a:xfrm>
-          <a:prstGeom prst="rect">
-            <a:avLst/>
-          </a:prstGeom>
-          <a:noFill/>
-          <a:ln>
-            <a:noFill/>
-          </a:ln>
-          <a:extLst>
-            <a:ext uri="{909E8E84-426E-40DD-AFC4-6F175D3DCCD1}">
-              <a14:hiddenFill xmlns:a14="http://schemas.microsoft.com/office/drawing/2010/main">
-                <a:solidFill>
-                  <a:srgbClr val="FFFFFF"/>
-                </a:solidFill>
-              </a14:hiddenFill>
-            </a:ext>
-            <a:ext uri="{91240B29-F687-4F45-9708-019B960494DF}">
-              <a14:hiddenLine xmlns:a14="http://schemas.microsoft.com/office/drawing/2010/main" w="9525">
-                <a:solidFill>
-                  <a:srgbClr val="000000"/>
-                </a:solidFill>
-                <a:miter lim="800000"/>
-                <a:headEnd/>
-                <a:tailEnd/>
-              </a14:hiddenLine>
-            </a:ext>
-          </a:extLst>
-        </p:spPr>
-      </p:pic>
-      <p:sp>
-        <p:nvSpPr>
-          <p:cNvPr id="38917" name="Rectangle 5"/>
-          <p:cNvSpPr>
-            <a:spLocks noChangeArrowheads="1"/>
-          </p:cNvSpPr>
-          <p:nvPr/>
-        </p:nvSpPr>
-        <p:spPr bwMode="auto">
-          <a:xfrm>
-            <a:off x="3352800" y="3352800"/>
-            <a:ext cx="1524000" cy="304800"/>
-          </a:xfrm>
-          <a:prstGeom prst="rect">
-            <a:avLst/>
-          </a:prstGeom>
-          <a:solidFill>
-            <a:srgbClr val="FFFF99">
-              <a:alpha val="50195"/>
-            </a:srgbClr>
-          </a:solidFill>
-          <a:ln w="9525">
-            <a:solidFill>
-              <a:schemeClr val="tx1"/>
-            </a:solidFill>
-            <a:miter lim="800000"/>
-            <a:headEnd/>
-            <a:tailEnd/>
-          </a:ln>
-        </p:spPr>
-        <p:txBody>
-          <a:bodyPr wrap="none" anchor="ctr"/>
-          <a:lstStyle/>
-          <a:p>
-            <a:endParaRPr lang="en-US"/>
-          </a:p>
-        </p:txBody>
-      </p:sp>
-      <p:sp>
-        <p:nvSpPr>
-          <p:cNvPr id="38918" name="Text Box 6"/>
-          <p:cNvSpPr txBox="1">
-            <a:spLocks noChangeArrowheads="1"/>
-          </p:cNvSpPr>
-          <p:nvPr/>
-        </p:nvSpPr>
-        <p:spPr bwMode="auto">
-          <a:xfrm>
-            <a:off x="2667000" y="4495800"/>
-            <a:ext cx="2819400" cy="369888"/>
-          </a:xfrm>
-          <a:prstGeom prst="rect">
-            <a:avLst/>
-          </a:prstGeom>
-          <a:noFill/>
-          <a:ln w="9525">
-            <a:solidFill>
-              <a:srgbClr val="CC3300"/>
-            </a:solidFill>
-            <a:miter lim="800000"/>
-            <a:headEnd/>
-            <a:tailEnd/>
-          </a:ln>
-          <a:extLst>
-            <a:ext uri="{909E8E84-426E-40DD-AFC4-6F175D3DCCD1}">
-              <a14:hiddenFill xmlns:a14="http://schemas.microsoft.com/office/drawing/2010/main">
-                <a:solidFill>
-                  <a:srgbClr val="FFFFFF"/>
-                </a:solidFill>
-              </a14:hiddenFill>
-            </a:ext>
-          </a:extLst>
-        </p:spPr>
-        <p:txBody>
-          <a:bodyPr>
-            <a:spAutoFit/>
-          </a:bodyPr>
-          <a:lstStyle>
-            <a:lvl1pPr>
-              <a:defRPr>
-                <a:solidFill>
-                  <a:schemeClr val="tx1"/>
-                </a:solidFill>
-                <a:latin typeface="Arial" charset="0"/>
-              </a:defRPr>
-            </a:lvl1pPr>
-            <a:lvl2pPr marL="742950" indent="-285750">
-              <a:defRPr>
-                <a:solidFill>
-                  <a:schemeClr val="tx1"/>
-                </a:solidFill>
-                <a:latin typeface="Arial" charset="0"/>
-              </a:defRPr>
-            </a:lvl2pPr>
-            <a:lvl3pPr marL="1143000" indent="-228600">
-              <a:defRPr>
-                <a:solidFill>
-                  <a:schemeClr val="tx1"/>
-                </a:solidFill>
-                <a:latin typeface="Arial" charset="0"/>
-              </a:defRPr>
-            </a:lvl3pPr>
-            <a:lvl4pPr marL="1600200" indent="-228600">
-              <a:defRPr>
-                <a:solidFill>
-                  <a:schemeClr val="tx1"/>
-                </a:solidFill>
-                <a:latin typeface="Arial" charset="0"/>
-              </a:defRPr>
-            </a:lvl4pPr>
-            <a:lvl5pPr marL="2057400" indent="-228600">
-              <a:defRPr>
-                <a:solidFill>
-                  <a:schemeClr val="tx1"/>
-                </a:solidFill>
-                <a:latin typeface="Arial" charset="0"/>
-              </a:defRPr>
-            </a:lvl5pPr>
-            <a:lvl6pPr marL="2514600" indent="-228600" eaLnBrk="0" fontAlgn="base" hangingPunct="0">
-              <a:spcBef>
-                <a:spcPct val="0"/>
-              </a:spcBef>
-              <a:spcAft>
-                <a:spcPct val="0"/>
-              </a:spcAft>
-              <a:defRPr>
-                <a:solidFill>
-                  <a:schemeClr val="tx1"/>
-                </a:solidFill>
-                <a:latin typeface="Arial" charset="0"/>
-              </a:defRPr>
-            </a:lvl6pPr>
-            <a:lvl7pPr marL="2971800" indent="-228600" eaLnBrk="0" fontAlgn="base" hangingPunct="0">
-              <a:spcBef>
-                <a:spcPct val="0"/>
-              </a:spcBef>
-              <a:spcAft>
-                <a:spcPct val="0"/>
-              </a:spcAft>
-              <a:defRPr>
-                <a:solidFill>
-                  <a:schemeClr val="tx1"/>
-                </a:solidFill>
-                <a:latin typeface="Arial" charset="0"/>
-              </a:defRPr>
-            </a:lvl7pPr>
-            <a:lvl8pPr marL="3429000" indent="-228600" eaLnBrk="0" fontAlgn="base" hangingPunct="0">
-              <a:spcBef>
-                <a:spcPct val="0"/>
-              </a:spcBef>
-              <a:spcAft>
-                <a:spcPct val="0"/>
-              </a:spcAft>
-              <a:defRPr>
-                <a:solidFill>
-                  <a:schemeClr val="tx1"/>
-                </a:solidFill>
-                <a:latin typeface="Arial" charset="0"/>
-              </a:defRPr>
-            </a:lvl8pPr>
-            <a:lvl9pPr marL="3886200" indent="-228600" eaLnBrk="0" fontAlgn="base" hangingPunct="0">
-              <a:spcBef>
-                <a:spcPct val="0"/>
-              </a:spcBef>
-              <a:spcAft>
-                <a:spcPct val="0"/>
-              </a:spcAft>
-              <a:defRPr>
-                <a:solidFill>
-                  <a:schemeClr val="tx1"/>
-                </a:solidFill>
-                <a:latin typeface="Arial" charset="0"/>
-              </a:defRPr>
-            </a:lvl9pPr>
-          </a:lstStyle>
-          <a:p>
-            <a:r>
-              <a:rPr lang="en-US">
-                <a:solidFill>
-                  <a:srgbClr val="CC3300"/>
-                </a:solidFill>
-              </a:rPr>
-              <a:t>Pointer to device memory</a:t>
-            </a:r>
-          </a:p>
-        </p:txBody>
-      </p:sp>
-      <p:sp>
-        <p:nvSpPr>
-          <p:cNvPr id="38919" name="Line 7"/>
-          <p:cNvSpPr>
-            <a:spLocks noChangeShapeType="1"/>
-          </p:cNvSpPr>
-          <p:nvPr/>
-        </p:nvSpPr>
-        <p:spPr bwMode="auto">
-          <a:xfrm flipH="1" flipV="1">
-            <a:off x="4038600" y="3657600"/>
-            <a:ext cx="0" cy="803275"/>
-          </a:xfrm>
-          <a:prstGeom prst="line">
-            <a:avLst/>
-          </a:prstGeom>
-          <a:noFill/>
-          <a:ln w="9525">
-            <a:solidFill>
-              <a:srgbClr val="CC3300"/>
-            </a:solidFill>
-            <a:round/>
-            <a:headEnd/>
-            <a:tailEnd type="triangle" w="med" len="med"/>
-          </a:ln>
-          <a:extLst>
-            <a:ext uri="{909E8E84-426E-40DD-AFC4-6F175D3DCCD1}">
-              <a14:hiddenFill xmlns:a14="http://schemas.microsoft.com/office/drawing/2010/main">
-                <a:noFill/>
-              </a14:hiddenFill>
-            </a:ext>
-          </a:extLst>
-        </p:spPr>
-        <p:txBody>
-          <a:bodyPr/>
-          <a:lstStyle/>
-          <a:p>
-            <a:endParaRPr lang="en-US"/>
-          </a:p>
-        </p:txBody>
-      </p:sp>
-    </p:spTree>
-  </p:cSld>
-  <p:clrMapOvr>
-    <a:masterClrMapping/>
-  </p:clrMapOvr>
-  <p:timing>
-    <p:tnLst>
-      <p:par>
-        <p:cTn id="1" dur="indefinite" restart="never" nodeType="tmRoot"/>
-      </p:par>
-    </p:tnLst>
-  </p:timing>
-</p:sld>
-</file>
-
-<file path=ppt/slides/slide31.xml><?xml version="1.0" encoding="utf-8"?>
-<p:sld xmlns:a="http://schemas.openxmlformats.org/drawingml/2006/main" xmlns:r="http://schemas.openxmlformats.org/officeDocument/2006/relationships" xmlns:p="http://schemas.openxmlformats.org/presentationml/2006/main">
-  <p:cSld>
-    <p:spTree>
-      <p:nvGrpSpPr>
-        <p:cNvPr id="1" name=""/>
-        <p:cNvGrpSpPr/>
-        <p:nvPr/>
-      </p:nvGrpSpPr>
-      <p:grpSpPr>
-        <a:xfrm>
-          <a:off x="0" y="0"/>
-          <a:ext cx="0" cy="0"/>
-          <a:chOff x="0" y="0"/>
-          <a:chExt cx="0" cy="0"/>
-        </a:xfrm>
-      </p:grpSpPr>
-      <p:sp>
-        <p:nvSpPr>
-          <p:cNvPr id="39938" name="Title 1"/>
-          <p:cNvSpPr>
-            <a:spLocks noGrp="1"/>
-          </p:cNvSpPr>
-          <p:nvPr>
-            <p:ph type="title"/>
-          </p:nvPr>
-        </p:nvSpPr>
-        <p:spPr/>
-        <p:txBody>
-          <a:bodyPr/>
-          <a:lstStyle/>
-          <a:p>
-            <a:r>
-              <a:rPr lang="en-US" smtClean="0"/>
-              <a:t>CUDA Memory Transfers</a:t>
-            </a:r>
-          </a:p>
-        </p:txBody>
-      </p:sp>
-      <p:sp>
-        <p:nvSpPr>
-          <p:cNvPr id="39939" name="Text Box 5"/>
-          <p:cNvSpPr txBox="1">
-            <a:spLocks noChangeArrowheads="1"/>
-          </p:cNvSpPr>
-          <p:nvPr/>
-        </p:nvSpPr>
-        <p:spPr bwMode="auto">
-          <a:xfrm>
-            <a:off x="0" y="6553200"/>
-            <a:ext cx="9144000" cy="276225"/>
-          </a:xfrm>
-          <a:prstGeom prst="rect">
-            <a:avLst/>
-          </a:prstGeom>
-          <a:noFill/>
-          <a:ln>
-            <a:noFill/>
-          </a:ln>
-          <a:extLst>
-            <a:ext uri="{909E8E84-426E-40DD-AFC4-6F175D3DCCD1}">
-              <a14:hiddenFill xmlns:a14="http://schemas.microsoft.com/office/drawing/2010/main">
-                <a:solidFill>
-                  <a:srgbClr val="FFFFFF"/>
-                </a:solidFill>
-              </a14:hiddenFill>
-            </a:ext>
-            <a:ext uri="{91240B29-F687-4F45-9708-019B960494DF}">
-              <a14:hiddenLine xmlns:a14="http://schemas.microsoft.com/office/drawing/2010/main" w="9525">
-                <a:solidFill>
-                  <a:srgbClr val="000000"/>
-                </a:solidFill>
-                <a:miter lim="800000"/>
-                <a:headEnd/>
-                <a:tailEnd/>
-              </a14:hiddenLine>
-            </a:ext>
-          </a:extLst>
-        </p:spPr>
-        <p:txBody>
-          <a:bodyPr>
-            <a:spAutoFit/>
-          </a:bodyPr>
-          <a:lstStyle>
-            <a:lvl1pPr>
-              <a:defRPr>
-                <a:solidFill>
-                  <a:schemeClr val="tx1"/>
-                </a:solidFill>
-                <a:latin typeface="Arial" charset="0"/>
-              </a:defRPr>
-            </a:lvl1pPr>
-            <a:lvl2pPr marL="742950" indent="-285750">
-              <a:defRPr>
-                <a:solidFill>
-                  <a:schemeClr val="tx1"/>
-                </a:solidFill>
-                <a:latin typeface="Arial" charset="0"/>
-              </a:defRPr>
-            </a:lvl2pPr>
-            <a:lvl3pPr marL="1143000" indent="-228600">
-              <a:defRPr>
-                <a:solidFill>
-                  <a:schemeClr val="tx1"/>
-                </a:solidFill>
-                <a:latin typeface="Arial" charset="0"/>
-              </a:defRPr>
-            </a:lvl3pPr>
-            <a:lvl4pPr marL="1600200" indent="-228600">
-              <a:defRPr>
-                <a:solidFill>
-                  <a:schemeClr val="tx1"/>
-                </a:solidFill>
-                <a:latin typeface="Arial" charset="0"/>
-              </a:defRPr>
-            </a:lvl4pPr>
-            <a:lvl5pPr marL="2057400" indent="-228600">
-              <a:defRPr>
-                <a:solidFill>
-                  <a:schemeClr val="tx1"/>
-                </a:solidFill>
-                <a:latin typeface="Arial" charset="0"/>
-              </a:defRPr>
-            </a:lvl5pPr>
-            <a:lvl6pPr marL="2514600" indent="-228600" eaLnBrk="0" fontAlgn="base" hangingPunct="0">
-              <a:spcBef>
-                <a:spcPct val="0"/>
-              </a:spcBef>
-              <a:spcAft>
-                <a:spcPct val="0"/>
-              </a:spcAft>
-              <a:defRPr>
-                <a:solidFill>
-                  <a:schemeClr val="tx1"/>
-                </a:solidFill>
-                <a:latin typeface="Arial" charset="0"/>
-              </a:defRPr>
-            </a:lvl6pPr>
-            <a:lvl7pPr marL="2971800" indent="-228600" eaLnBrk="0" fontAlgn="base" hangingPunct="0">
-              <a:spcBef>
-                <a:spcPct val="0"/>
-              </a:spcBef>
-              <a:spcAft>
-                <a:spcPct val="0"/>
-              </a:spcAft>
-              <a:defRPr>
-                <a:solidFill>
-                  <a:schemeClr val="tx1"/>
-                </a:solidFill>
-                <a:latin typeface="Arial" charset="0"/>
-              </a:defRPr>
-            </a:lvl7pPr>
-            <a:lvl8pPr marL="3429000" indent="-228600" eaLnBrk="0" fontAlgn="base" hangingPunct="0">
-              <a:spcBef>
-                <a:spcPct val="0"/>
-              </a:spcBef>
-              <a:spcAft>
-                <a:spcPct val="0"/>
-              </a:spcAft>
-              <a:defRPr>
-                <a:solidFill>
-                  <a:schemeClr val="tx1"/>
-                </a:solidFill>
-                <a:latin typeface="Arial" charset="0"/>
-              </a:defRPr>
-            </a:lvl8pPr>
-            <a:lvl9pPr marL="3886200" indent="-228600" eaLnBrk="0" fontAlgn="base" hangingPunct="0">
-              <a:spcBef>
-                <a:spcPct val="0"/>
-              </a:spcBef>
-              <a:spcAft>
-                <a:spcPct val="0"/>
-              </a:spcAft>
-              <a:defRPr>
-                <a:solidFill>
-                  <a:schemeClr val="tx1"/>
-                </a:solidFill>
-                <a:latin typeface="Arial" charset="0"/>
-              </a:defRPr>
-            </a:lvl9pPr>
-          </a:lstStyle>
-          <a:p>
-            <a:pPr algn="r"/>
-            <a:r>
-              <a:rPr lang="en-US" sz="1200"/>
-              <a:t>Code from:  http://courses.engr.illinois.edu/ece498/al/textbook/Chapter2-CudaProgrammingModel.pdf </a:t>
-            </a:r>
-          </a:p>
-        </p:txBody>
-      </p:sp>
-      <p:pic>
-        <p:nvPicPr>
-          <p:cNvPr id="39940" name="Picture 2"/>
-          <p:cNvPicPr>
-            <a:picLocks noChangeAspect="1" noChangeArrowheads="1"/>
-          </p:cNvPicPr>
-          <p:nvPr/>
-        </p:nvPicPr>
-        <p:blipFill>
-          <a:blip r:embed="rId2">
-            <a:extLst>
-              <a:ext uri="{28A0092B-C50C-407E-A947-70E740481C1C}">
-                <a14:useLocalDpi xmlns:a14="http://schemas.microsoft.com/office/drawing/2010/main" val="0"/>
-              </a:ext>
-            </a:extLst>
-          </a:blip>
-          <a:srcRect/>
-          <a:stretch>
-            <a:fillRect/>
-          </a:stretch>
-        </p:blipFill>
-        <p:spPr bwMode="auto">
-          <a:xfrm>
-            <a:off x="1804988" y="2571750"/>
-            <a:ext cx="5534025" cy="1714500"/>
-          </a:xfrm>
-          <a:prstGeom prst="rect">
-            <a:avLst/>
-          </a:prstGeom>
-          <a:noFill/>
-          <a:ln>
-            <a:noFill/>
-          </a:ln>
-          <a:extLst>
-            <a:ext uri="{909E8E84-426E-40DD-AFC4-6F175D3DCCD1}">
-              <a14:hiddenFill xmlns:a14="http://schemas.microsoft.com/office/drawing/2010/main">
-                <a:solidFill>
-                  <a:srgbClr val="FFFFFF"/>
-                </a:solidFill>
-              </a14:hiddenFill>
-            </a:ext>
-            <a:ext uri="{91240B29-F687-4F45-9708-019B960494DF}">
-              <a14:hiddenLine xmlns:a14="http://schemas.microsoft.com/office/drawing/2010/main" w="9525">
-                <a:solidFill>
-                  <a:srgbClr val="000000"/>
-                </a:solidFill>
-                <a:miter lim="800000"/>
-                <a:headEnd/>
-                <a:tailEnd/>
-              </a14:hiddenLine>
-            </a:ext>
-          </a:extLst>
-        </p:spPr>
-      </p:pic>
-      <p:sp>
-        <p:nvSpPr>
-          <p:cNvPr id="39941" name="Rectangle 5"/>
-          <p:cNvSpPr>
-            <a:spLocks noChangeArrowheads="1"/>
-          </p:cNvSpPr>
-          <p:nvPr/>
-        </p:nvSpPr>
-        <p:spPr bwMode="auto">
-          <a:xfrm>
-            <a:off x="5029200" y="3352800"/>
-            <a:ext cx="533400" cy="304800"/>
-          </a:xfrm>
-          <a:prstGeom prst="rect">
-            <a:avLst/>
-          </a:prstGeom>
-          <a:solidFill>
-            <a:srgbClr val="FFFF99">
-              <a:alpha val="50195"/>
-            </a:srgbClr>
-          </a:solidFill>
-          <a:ln w="9525">
-            <a:solidFill>
-              <a:schemeClr val="tx1"/>
-            </a:solidFill>
-            <a:miter lim="800000"/>
-            <a:headEnd/>
-            <a:tailEnd/>
-          </a:ln>
-        </p:spPr>
-        <p:txBody>
-          <a:bodyPr wrap="none" anchor="ctr"/>
-          <a:lstStyle/>
-          <a:p>
-            <a:endParaRPr lang="en-US"/>
-          </a:p>
-        </p:txBody>
-      </p:sp>
-      <p:sp>
-        <p:nvSpPr>
-          <p:cNvPr id="39942" name="Text Box 6"/>
-          <p:cNvSpPr txBox="1">
-            <a:spLocks noChangeArrowheads="1"/>
-          </p:cNvSpPr>
-          <p:nvPr/>
-        </p:nvSpPr>
-        <p:spPr bwMode="auto">
-          <a:xfrm>
-            <a:off x="4495800" y="4495800"/>
-            <a:ext cx="1524000" cy="369888"/>
-          </a:xfrm>
-          <a:prstGeom prst="rect">
-            <a:avLst/>
-          </a:prstGeom>
-          <a:noFill/>
-          <a:ln w="9525">
-            <a:solidFill>
-              <a:srgbClr val="CC3300"/>
-            </a:solidFill>
-            <a:miter lim="800000"/>
-            <a:headEnd/>
-            <a:tailEnd/>
-          </a:ln>
-          <a:extLst>
-            <a:ext uri="{909E8E84-426E-40DD-AFC4-6F175D3DCCD1}">
-              <a14:hiddenFill xmlns:a14="http://schemas.microsoft.com/office/drawing/2010/main">
-                <a:solidFill>
-                  <a:srgbClr val="FFFFFF"/>
-                </a:solidFill>
-              </a14:hiddenFill>
-            </a:ext>
-          </a:extLst>
-        </p:spPr>
-        <p:txBody>
-          <a:bodyPr>
-            <a:spAutoFit/>
-          </a:bodyPr>
-          <a:lstStyle>
-            <a:lvl1pPr>
-              <a:defRPr>
-                <a:solidFill>
-                  <a:schemeClr val="tx1"/>
-                </a:solidFill>
-                <a:latin typeface="Arial" charset="0"/>
-              </a:defRPr>
-            </a:lvl1pPr>
-            <a:lvl2pPr marL="742950" indent="-285750">
-              <a:defRPr>
-                <a:solidFill>
-                  <a:schemeClr val="tx1"/>
-                </a:solidFill>
-                <a:latin typeface="Arial" charset="0"/>
-              </a:defRPr>
-            </a:lvl2pPr>
-            <a:lvl3pPr marL="1143000" indent="-228600">
-              <a:defRPr>
-                <a:solidFill>
-                  <a:schemeClr val="tx1"/>
-                </a:solidFill>
-                <a:latin typeface="Arial" charset="0"/>
-              </a:defRPr>
-            </a:lvl3pPr>
-            <a:lvl4pPr marL="1600200" indent="-228600">
-              <a:defRPr>
-                <a:solidFill>
-                  <a:schemeClr val="tx1"/>
-                </a:solidFill>
-                <a:latin typeface="Arial" charset="0"/>
-              </a:defRPr>
-            </a:lvl4pPr>
-            <a:lvl5pPr marL="2057400" indent="-228600">
-              <a:defRPr>
-                <a:solidFill>
-                  <a:schemeClr val="tx1"/>
-                </a:solidFill>
-                <a:latin typeface="Arial" charset="0"/>
-              </a:defRPr>
-            </a:lvl5pPr>
-            <a:lvl6pPr marL="2514600" indent="-228600" eaLnBrk="0" fontAlgn="base" hangingPunct="0">
-              <a:spcBef>
-                <a:spcPct val="0"/>
-              </a:spcBef>
-              <a:spcAft>
-                <a:spcPct val="0"/>
-              </a:spcAft>
-              <a:defRPr>
-                <a:solidFill>
-                  <a:schemeClr val="tx1"/>
-                </a:solidFill>
-                <a:latin typeface="Arial" charset="0"/>
-              </a:defRPr>
-            </a:lvl6pPr>
-            <a:lvl7pPr marL="2971800" indent="-228600" eaLnBrk="0" fontAlgn="base" hangingPunct="0">
-              <a:spcBef>
-                <a:spcPct val="0"/>
-              </a:spcBef>
-              <a:spcAft>
-                <a:spcPct val="0"/>
-              </a:spcAft>
-              <a:defRPr>
-                <a:solidFill>
-                  <a:schemeClr val="tx1"/>
-                </a:solidFill>
-                <a:latin typeface="Arial" charset="0"/>
-              </a:defRPr>
-            </a:lvl7pPr>
-            <a:lvl8pPr marL="3429000" indent="-228600" eaLnBrk="0" fontAlgn="base" hangingPunct="0">
-              <a:spcBef>
-                <a:spcPct val="0"/>
-              </a:spcBef>
-              <a:spcAft>
-                <a:spcPct val="0"/>
-              </a:spcAft>
-              <a:defRPr>
-                <a:solidFill>
-                  <a:schemeClr val="tx1"/>
-                </a:solidFill>
-                <a:latin typeface="Arial" charset="0"/>
-              </a:defRPr>
-            </a:lvl8pPr>
-            <a:lvl9pPr marL="3886200" indent="-228600" eaLnBrk="0" fontAlgn="base" hangingPunct="0">
-              <a:spcBef>
-                <a:spcPct val="0"/>
-              </a:spcBef>
-              <a:spcAft>
-                <a:spcPct val="0"/>
-              </a:spcAft>
-              <a:defRPr>
-                <a:solidFill>
-                  <a:schemeClr val="tx1"/>
-                </a:solidFill>
-                <a:latin typeface="Arial" charset="0"/>
-              </a:defRPr>
-            </a:lvl9pPr>
-          </a:lstStyle>
-          <a:p>
-            <a:r>
-              <a:rPr lang="en-US">
-                <a:solidFill>
-                  <a:srgbClr val="CC3300"/>
-                </a:solidFill>
-              </a:rPr>
-              <a:t>Size in bytes</a:t>
-            </a:r>
-          </a:p>
-        </p:txBody>
-      </p:sp>
-      <p:sp>
-        <p:nvSpPr>
-          <p:cNvPr id="39943" name="Line 7"/>
-          <p:cNvSpPr>
-            <a:spLocks noChangeShapeType="1"/>
-          </p:cNvSpPr>
-          <p:nvPr/>
-        </p:nvSpPr>
-        <p:spPr bwMode="auto">
-          <a:xfrm flipH="1" flipV="1">
-            <a:off x="5257800" y="3657600"/>
-            <a:ext cx="0" cy="803275"/>
-          </a:xfrm>
-          <a:prstGeom prst="line">
-            <a:avLst/>
-          </a:prstGeom>
-          <a:noFill/>
-          <a:ln w="9525">
-            <a:solidFill>
-              <a:srgbClr val="CC3300"/>
-            </a:solidFill>
-            <a:round/>
-            <a:headEnd/>
-            <a:tailEnd type="triangle" w="med" len="med"/>
-          </a:ln>
-          <a:extLst>
-            <a:ext uri="{909E8E84-426E-40DD-AFC4-6F175D3DCCD1}">
-              <a14:hiddenFill xmlns:a14="http://schemas.microsoft.com/office/drawing/2010/main">
-                <a:noFill/>
-              </a14:hiddenFill>
-            </a:ext>
-          </a:extLst>
-        </p:spPr>
-        <p:txBody>
-          <a:bodyPr/>
-          <a:lstStyle/>
-          <a:p>
-            <a:endParaRPr lang="en-US"/>
-          </a:p>
-        </p:txBody>
-      </p:sp>
-    </p:spTree>
-  </p:cSld>
-  <p:clrMapOvr>
-    <a:masterClrMapping/>
-  </p:clrMapOvr>
-  <p:timing>
-    <p:tnLst>
-      <p:par>
-        <p:cTn id="1" dur="indefinite" restart="never" nodeType="tmRoot"/>
-      </p:par>
-    </p:tnLst>
-  </p:timing>
-</p:sld>
-</file>
-
-<file path=ppt/slides/slide32.xml><?xml version="1.0" encoding="utf-8"?>
-<p:sld xmlns:a="http://schemas.openxmlformats.org/drawingml/2006/main" xmlns:r="http://schemas.openxmlformats.org/officeDocument/2006/relationships" xmlns:p="http://schemas.openxmlformats.org/presentationml/2006/main">
-  <p:cSld>
-    <p:spTree>
-      <p:nvGrpSpPr>
-        <p:cNvPr id="1" name=""/>
-        <p:cNvGrpSpPr/>
-        <p:nvPr/>
-      </p:nvGrpSpPr>
-      <p:grpSpPr>
-        <a:xfrm>
-          <a:off x="0" y="0"/>
-          <a:ext cx="0" cy="0"/>
-          <a:chOff x="0" y="0"/>
-          <a:chExt cx="0" cy="0"/>
-        </a:xfrm>
-      </p:grpSpPr>
-      <p:sp>
-        <p:nvSpPr>
           <p:cNvPr id="40962" name="Title 1"/>
           <p:cNvSpPr>
             <a:spLocks noGrp="1"/>
@@ -17586,88 +16970,6 @@
           </a:p>
         </p:txBody>
       </p:sp>
-      <p:sp>
-        <p:nvSpPr>
-          <p:cNvPr id="14" name="Content Placeholder 2"/>
-          <p:cNvSpPr txBox="1">
-            <a:spLocks/>
-          </p:cNvSpPr>
-          <p:nvPr/>
-        </p:nvSpPr>
-        <p:spPr bwMode="auto">
-          <a:xfrm>
-            <a:off x="533400" y="6172200"/>
-            <a:ext cx="8610600" cy="685800"/>
-          </a:xfrm>
-          <a:prstGeom prst="rect">
-            <a:avLst/>
-          </a:prstGeom>
-          <a:noFill/>
-          <a:ln w="9525">
-            <a:noFill/>
-            <a:miter lim="800000"/>
-            <a:headEnd/>
-            <a:tailEnd/>
-          </a:ln>
-        </p:spPr>
-        <p:txBody>
-          <a:bodyPr/>
-          <a:lstStyle/>
-          <a:p>
-            <a:pPr marL="342900" indent="-342900">
-              <a:spcBef>
-                <a:spcPct val="20000"/>
-              </a:spcBef>
-              <a:buClr>
-                <a:schemeClr val="bg2"/>
-              </a:buClr>
-              <a:buSzPct val="75000"/>
-              <a:buFont typeface="Wingdings" pitchFamily="2" charset="2"/>
-              <a:buChar char="n"/>
-              <a:defRPr/>
-            </a:pPr>
-            <a:r>
-              <a:rPr lang="en-US" sz="3200" kern="0" dirty="0">
-                <a:latin typeface="+mn-lt"/>
-              </a:rPr>
-              <a:t>Similar to </a:t>
-            </a:r>
-            <a:r>
-              <a:rPr lang="en-US" sz="3200" i="1" kern="0" dirty="0">
-                <a:solidFill>
-                  <a:srgbClr val="FF0000"/>
-                </a:solidFill>
-                <a:latin typeface="+mn-lt"/>
-              </a:rPr>
-              <a:t>buffer objects</a:t>
-            </a:r>
-            <a:r>
-              <a:rPr lang="en-US" sz="3200" kern="0" dirty="0">
-                <a:latin typeface="+mn-lt"/>
-              </a:rPr>
-              <a:t> </a:t>
-            </a:r>
-            <a:r>
-              <a:rPr lang="en-US" sz="3200" kern="0" dirty="0">
-                <a:latin typeface="+mn-lt"/>
-              </a:rPr>
-              <a:t>in </a:t>
-            </a:r>
-            <a:r>
-              <a:rPr lang="en-US" sz="3200" kern="0" dirty="0">
-                <a:latin typeface="+mn-lt"/>
-              </a:rPr>
-              <a:t>OpenGL</a:t>
-            </a:r>
-            <a:endParaRPr lang="en-US" sz="2800" i="1" kern="0" dirty="0">
-              <a:solidFill>
-                <a:srgbClr val="FF0000"/>
-              </a:solidFill>
-              <a:latin typeface="+mn-lt"/>
-            </a:endParaRPr>
-          </a:p>
-        </p:txBody>
-      </p:sp>
     </p:spTree>
   </p:cSld>
   <p:clrMapOvr>
@@ -17683,7 +16985,7 @@
 </p:sld>
 </file>
 
-<file path=ppt/slides/slide33.xml><?xml version="1.0" encoding="utf-8"?>
+<file path=ppt/slides/slide31.xml><?xml version="1.0" encoding="utf-8"?>
 <p:sld xmlns:a="http://schemas.openxmlformats.org/drawingml/2006/main" xmlns:r="http://schemas.openxmlformats.org/officeDocument/2006/relationships" xmlns:p="http://schemas.openxmlformats.org/presentationml/2006/main">
   <p:cSld>
     <p:spTree>
@@ -18155,7 +17457,7 @@
 </p:sld>
 </file>
 
-<file path=ppt/slides/slide34.xml><?xml version="1.0" encoding="utf-8"?>
+<file path=ppt/slides/slide32.xml><?xml version="1.0" encoding="utf-8"?>
 <p:sld xmlns:a="http://schemas.openxmlformats.org/drawingml/2006/main" xmlns:r="http://schemas.openxmlformats.org/officeDocument/2006/relationships" xmlns:p="http://schemas.openxmlformats.org/presentationml/2006/main">
   <p:cSld>
     <p:spTree>
@@ -18624,7 +17926,7 @@
 </p:sld>
 </file>
 
-<file path=ppt/slides/slide35.xml><?xml version="1.0" encoding="utf-8"?>
+<file path=ppt/slides/slide33.xml><?xml version="1.0" encoding="utf-8"?>
 <p:sld xmlns:a="http://schemas.openxmlformats.org/drawingml/2006/main" xmlns:r="http://schemas.openxmlformats.org/officeDocument/2006/relationships" xmlns:p="http://schemas.openxmlformats.org/presentationml/2006/main">
   <p:cSld>
     <p:spTree>
@@ -19093,7 +18395,7 @@
 </p:sld>
 </file>
 
-<file path=ppt/slides/slide36.xml><?xml version="1.0" encoding="utf-8"?>
+<file path=ppt/slides/slide34.xml><?xml version="1.0" encoding="utf-8"?>
 <p:sld xmlns:a="http://schemas.openxmlformats.org/drawingml/2006/main" xmlns:r="http://schemas.openxmlformats.org/officeDocument/2006/relationships" xmlns:p="http://schemas.openxmlformats.org/presentationml/2006/main">
   <p:cSld>
     <p:spTree>
@@ -19565,791 +18867,7 @@
 </p:sld>
 </file>
 
-<file path=ppt/slides/slide37.xml><?xml version="1.0" encoding="utf-8"?>
-<p:sld xmlns:a="http://schemas.openxmlformats.org/drawingml/2006/main" xmlns:r="http://schemas.openxmlformats.org/officeDocument/2006/relationships" xmlns:p="http://schemas.openxmlformats.org/presentationml/2006/main">
-  <p:cSld>
-    <p:spTree>
-      <p:nvGrpSpPr>
-        <p:cNvPr id="1" name=""/>
-        <p:cNvGrpSpPr/>
-        <p:nvPr/>
-      </p:nvGrpSpPr>
-      <p:grpSpPr>
-        <a:xfrm>
-          <a:off x="0" y="0"/>
-          <a:ext cx="0" cy="0"/>
-          <a:chOff x="0" y="0"/>
-          <a:chExt cx="0" cy="0"/>
-        </a:xfrm>
-      </p:grpSpPr>
-      <p:pic>
-        <p:nvPicPr>
-          <p:cNvPr id="46082" name="Picture 2"/>
-          <p:cNvPicPr>
-            <a:picLocks noChangeAspect="1" noChangeArrowheads="1"/>
-          </p:cNvPicPr>
-          <p:nvPr/>
-        </p:nvPicPr>
-        <p:blipFill>
-          <a:blip r:embed="rId2">
-            <a:extLst>
-              <a:ext uri="{28A0092B-C50C-407E-A947-70E740481C1C}">
-                <a14:useLocalDpi xmlns:a14="http://schemas.microsoft.com/office/drawing/2010/main" val="0"/>
-              </a:ext>
-            </a:extLst>
-          </a:blip>
-          <a:srcRect/>
-          <a:stretch>
-            <a:fillRect/>
-          </a:stretch>
-        </p:blipFill>
-        <p:spPr bwMode="auto">
-          <a:xfrm>
-            <a:off x="1266825" y="2895600"/>
-            <a:ext cx="6610350" cy="1066800"/>
-          </a:xfrm>
-          <a:prstGeom prst="rect">
-            <a:avLst/>
-          </a:prstGeom>
-          <a:noFill/>
-          <a:ln>
-            <a:noFill/>
-          </a:ln>
-          <a:extLst>
-            <a:ext uri="{909E8E84-426E-40DD-AFC4-6F175D3DCCD1}">
-              <a14:hiddenFill xmlns:a14="http://schemas.microsoft.com/office/drawing/2010/main">
-                <a:solidFill>
-                  <a:srgbClr val="FFFFFF"/>
-                </a:solidFill>
-              </a14:hiddenFill>
-            </a:ext>
-            <a:ext uri="{91240B29-F687-4F45-9708-019B960494DF}">
-              <a14:hiddenLine xmlns:a14="http://schemas.microsoft.com/office/drawing/2010/main" w="9525">
-                <a:solidFill>
-                  <a:srgbClr val="000000"/>
-                </a:solidFill>
-                <a:miter lim="800000"/>
-                <a:headEnd/>
-                <a:tailEnd/>
-              </a14:hiddenLine>
-            </a:ext>
-          </a:extLst>
-        </p:spPr>
-      </p:pic>
-      <p:sp>
-        <p:nvSpPr>
-          <p:cNvPr id="46083" name="Title 1"/>
-          <p:cNvSpPr>
-            <a:spLocks noGrp="1"/>
-          </p:cNvSpPr>
-          <p:nvPr>
-            <p:ph type="title"/>
-          </p:nvPr>
-        </p:nvSpPr>
-        <p:spPr/>
-        <p:txBody>
-          <a:bodyPr/>
-          <a:lstStyle/>
-          <a:p>
-            <a:r>
-              <a:rPr lang="en-US" smtClean="0"/>
-              <a:t>CUDA Memory Transfers</a:t>
-            </a:r>
-          </a:p>
-        </p:txBody>
-      </p:sp>
-      <p:sp>
-        <p:nvSpPr>
-          <p:cNvPr id="46084" name="Text Box 5"/>
-          <p:cNvSpPr txBox="1">
-            <a:spLocks noChangeArrowheads="1"/>
-          </p:cNvSpPr>
-          <p:nvPr/>
-        </p:nvSpPr>
-        <p:spPr bwMode="auto">
-          <a:xfrm>
-            <a:off x="0" y="6553200"/>
-            <a:ext cx="9144000" cy="276225"/>
-          </a:xfrm>
-          <a:prstGeom prst="rect">
-            <a:avLst/>
-          </a:prstGeom>
-          <a:noFill/>
-          <a:ln>
-            <a:noFill/>
-          </a:ln>
-          <a:extLst>
-            <a:ext uri="{909E8E84-426E-40DD-AFC4-6F175D3DCCD1}">
-              <a14:hiddenFill xmlns:a14="http://schemas.microsoft.com/office/drawing/2010/main">
-                <a:solidFill>
-                  <a:srgbClr val="FFFFFF"/>
-                </a:solidFill>
-              </a14:hiddenFill>
-            </a:ext>
-            <a:ext uri="{91240B29-F687-4F45-9708-019B960494DF}">
-              <a14:hiddenLine xmlns:a14="http://schemas.microsoft.com/office/drawing/2010/main" w="9525">
-                <a:solidFill>
-                  <a:srgbClr val="000000"/>
-                </a:solidFill>
-                <a:miter lim="800000"/>
-                <a:headEnd/>
-                <a:tailEnd/>
-              </a14:hiddenLine>
-            </a:ext>
-          </a:extLst>
-        </p:spPr>
-        <p:txBody>
-          <a:bodyPr>
-            <a:spAutoFit/>
-          </a:bodyPr>
-          <a:lstStyle>
-            <a:lvl1pPr>
-              <a:defRPr>
-                <a:solidFill>
-                  <a:schemeClr val="tx1"/>
-                </a:solidFill>
-                <a:latin typeface="Arial" charset="0"/>
-              </a:defRPr>
-            </a:lvl1pPr>
-            <a:lvl2pPr marL="742950" indent="-285750">
-              <a:defRPr>
-                <a:solidFill>
-                  <a:schemeClr val="tx1"/>
-                </a:solidFill>
-                <a:latin typeface="Arial" charset="0"/>
-              </a:defRPr>
-            </a:lvl2pPr>
-            <a:lvl3pPr marL="1143000" indent="-228600">
-              <a:defRPr>
-                <a:solidFill>
-                  <a:schemeClr val="tx1"/>
-                </a:solidFill>
-                <a:latin typeface="Arial" charset="0"/>
-              </a:defRPr>
-            </a:lvl3pPr>
-            <a:lvl4pPr marL="1600200" indent="-228600">
-              <a:defRPr>
-                <a:solidFill>
-                  <a:schemeClr val="tx1"/>
-                </a:solidFill>
-                <a:latin typeface="Arial" charset="0"/>
-              </a:defRPr>
-            </a:lvl4pPr>
-            <a:lvl5pPr marL="2057400" indent="-228600">
-              <a:defRPr>
-                <a:solidFill>
-                  <a:schemeClr val="tx1"/>
-                </a:solidFill>
-                <a:latin typeface="Arial" charset="0"/>
-              </a:defRPr>
-            </a:lvl5pPr>
-            <a:lvl6pPr marL="2514600" indent="-228600" eaLnBrk="0" fontAlgn="base" hangingPunct="0">
-              <a:spcBef>
-                <a:spcPct val="0"/>
-              </a:spcBef>
-              <a:spcAft>
-                <a:spcPct val="0"/>
-              </a:spcAft>
-              <a:defRPr>
-                <a:solidFill>
-                  <a:schemeClr val="tx1"/>
-                </a:solidFill>
-                <a:latin typeface="Arial" charset="0"/>
-              </a:defRPr>
-            </a:lvl6pPr>
-            <a:lvl7pPr marL="2971800" indent="-228600" eaLnBrk="0" fontAlgn="base" hangingPunct="0">
-              <a:spcBef>
-                <a:spcPct val="0"/>
-              </a:spcBef>
-              <a:spcAft>
-                <a:spcPct val="0"/>
-              </a:spcAft>
-              <a:defRPr>
-                <a:solidFill>
-                  <a:schemeClr val="tx1"/>
-                </a:solidFill>
-                <a:latin typeface="Arial" charset="0"/>
-              </a:defRPr>
-            </a:lvl7pPr>
-            <a:lvl8pPr marL="3429000" indent="-228600" eaLnBrk="0" fontAlgn="base" hangingPunct="0">
-              <a:spcBef>
-                <a:spcPct val="0"/>
-              </a:spcBef>
-              <a:spcAft>
-                <a:spcPct val="0"/>
-              </a:spcAft>
-              <a:defRPr>
-                <a:solidFill>
-                  <a:schemeClr val="tx1"/>
-                </a:solidFill>
-                <a:latin typeface="Arial" charset="0"/>
-              </a:defRPr>
-            </a:lvl8pPr>
-            <a:lvl9pPr marL="3886200" indent="-228600" eaLnBrk="0" fontAlgn="base" hangingPunct="0">
-              <a:spcBef>
-                <a:spcPct val="0"/>
-              </a:spcBef>
-              <a:spcAft>
-                <a:spcPct val="0"/>
-              </a:spcAft>
-              <a:defRPr>
-                <a:solidFill>
-                  <a:schemeClr val="tx1"/>
-                </a:solidFill>
-                <a:latin typeface="Arial" charset="0"/>
-              </a:defRPr>
-            </a:lvl9pPr>
-          </a:lstStyle>
-          <a:p>
-            <a:pPr algn="r"/>
-            <a:r>
-              <a:rPr lang="en-US" sz="1200"/>
-              <a:t>Code from:  http://courses.engr.illinois.edu/ece498/al/textbook/Chapter2-CudaProgrammingModel.pdf </a:t>
-            </a:r>
-          </a:p>
-        </p:txBody>
-      </p:sp>
-      <p:sp>
-        <p:nvSpPr>
-          <p:cNvPr id="46085" name="Rectangle 5"/>
-          <p:cNvSpPr>
-            <a:spLocks noChangeArrowheads="1"/>
-          </p:cNvSpPr>
-          <p:nvPr/>
-        </p:nvSpPr>
-        <p:spPr bwMode="auto">
-          <a:xfrm>
-            <a:off x="4572000" y="2971800"/>
-            <a:ext cx="2895600" cy="381000"/>
-          </a:xfrm>
-          <a:prstGeom prst="rect">
-            <a:avLst/>
-          </a:prstGeom>
-          <a:solidFill>
-            <a:srgbClr val="FFFF99">
-              <a:alpha val="50195"/>
-            </a:srgbClr>
-          </a:solidFill>
-          <a:ln w="9525">
-            <a:solidFill>
-              <a:schemeClr val="tx1"/>
-            </a:solidFill>
-            <a:miter lim="800000"/>
-            <a:headEnd/>
-            <a:tailEnd/>
-          </a:ln>
-        </p:spPr>
-        <p:txBody>
-          <a:bodyPr wrap="none" anchor="ctr"/>
-          <a:lstStyle/>
-          <a:p>
-            <a:endParaRPr lang="en-US"/>
-          </a:p>
-        </p:txBody>
-      </p:sp>
-      <p:sp>
-        <p:nvSpPr>
-          <p:cNvPr id="9" name="TextBox 8"/>
-          <p:cNvSpPr txBox="1"/>
-          <p:nvPr/>
-        </p:nvSpPr>
-        <p:spPr>
-          <a:xfrm>
-            <a:off x="5029200" y="4953000"/>
-            <a:ext cx="658813" cy="1200150"/>
-          </a:xfrm>
-          <a:prstGeom prst="rect">
-            <a:avLst/>
-          </a:prstGeom>
-          <a:solidFill>
-            <a:schemeClr val="bg2">
-              <a:lumMod val="20000"/>
-              <a:lumOff val="80000"/>
-            </a:schemeClr>
-          </a:solidFill>
-          <a:ln>
-            <a:solidFill>
-              <a:schemeClr val="tx1"/>
-            </a:solidFill>
-          </a:ln>
-        </p:spPr>
-        <p:txBody>
-          <a:bodyPr>
-            <a:spAutoFit/>
-          </a:bodyPr>
-          <a:lstStyle/>
-          <a:p>
-            <a:pPr>
-              <a:defRPr/>
-            </a:pPr>
-            <a:r>
-              <a:rPr lang="en-US" dirty="0"/>
-              <a:t>Host</a:t>
-            </a:r>
-          </a:p>
-          <a:p>
-            <a:pPr>
-              <a:defRPr/>
-            </a:pPr>
-            <a:endParaRPr lang="en-US" dirty="0"/>
-          </a:p>
-          <a:p>
-            <a:pPr>
-              <a:defRPr/>
-            </a:pPr>
-            <a:endParaRPr lang="en-US" dirty="0"/>
-          </a:p>
-          <a:p>
-            <a:pPr>
-              <a:defRPr/>
-            </a:pPr>
-            <a:endParaRPr lang="en-US" dirty="0"/>
-          </a:p>
-        </p:txBody>
-      </p:sp>
-      <p:sp>
-        <p:nvSpPr>
-          <p:cNvPr id="10" name="TextBox 9"/>
-          <p:cNvSpPr txBox="1"/>
-          <p:nvPr/>
-        </p:nvSpPr>
-        <p:spPr>
-          <a:xfrm>
-            <a:off x="6248400" y="4953000"/>
-            <a:ext cx="2514600" cy="1200150"/>
-          </a:xfrm>
-          <a:prstGeom prst="rect">
-            <a:avLst/>
-          </a:prstGeom>
-          <a:solidFill>
-            <a:schemeClr val="bg2">
-              <a:lumMod val="20000"/>
-              <a:lumOff val="80000"/>
-            </a:schemeClr>
-          </a:solidFill>
-          <a:ln>
-            <a:solidFill>
-              <a:schemeClr val="tx1"/>
-            </a:solidFill>
-          </a:ln>
-        </p:spPr>
-        <p:txBody>
-          <a:bodyPr>
-            <a:spAutoFit/>
-          </a:bodyPr>
-          <a:lstStyle/>
-          <a:p>
-            <a:pPr>
-              <a:defRPr/>
-            </a:pPr>
-            <a:r>
-              <a:rPr lang="en-US" dirty="0"/>
-              <a:t>Device</a:t>
-            </a:r>
-          </a:p>
-          <a:p>
-            <a:pPr>
-              <a:defRPr/>
-            </a:pPr>
-            <a:endParaRPr lang="en-US" dirty="0"/>
-          </a:p>
-          <a:p>
-            <a:pPr>
-              <a:defRPr/>
-            </a:pPr>
-            <a:endParaRPr lang="en-US" dirty="0"/>
-          </a:p>
-          <a:p>
-            <a:pPr>
-              <a:defRPr/>
-            </a:pPr>
-            <a:endParaRPr lang="en-US" dirty="0"/>
-          </a:p>
-        </p:txBody>
-      </p:sp>
-      <p:sp>
-        <p:nvSpPr>
-          <p:cNvPr id="46088" name="TextBox 10"/>
-          <p:cNvSpPr txBox="1">
-            <a:spLocks noChangeArrowheads="1"/>
-          </p:cNvSpPr>
-          <p:nvPr/>
-        </p:nvSpPr>
-        <p:spPr bwMode="auto">
-          <a:xfrm>
-            <a:off x="6324600" y="5334000"/>
-            <a:ext cx="2362200" cy="646113"/>
-          </a:xfrm>
-          <a:prstGeom prst="rect">
-            <a:avLst/>
-          </a:prstGeom>
-          <a:solidFill>
-            <a:srgbClr val="FF9933"/>
-          </a:solidFill>
-          <a:ln w="9525">
-            <a:solidFill>
-              <a:schemeClr val="tx1"/>
-            </a:solidFill>
-            <a:miter lim="800000"/>
-            <a:headEnd/>
-            <a:tailEnd/>
-          </a:ln>
-        </p:spPr>
-        <p:txBody>
-          <a:bodyPr>
-            <a:spAutoFit/>
-          </a:bodyPr>
-          <a:lstStyle>
-            <a:lvl1pPr>
-              <a:defRPr>
-                <a:solidFill>
-                  <a:schemeClr val="tx1"/>
-                </a:solidFill>
-                <a:latin typeface="Arial" charset="0"/>
-              </a:defRPr>
-            </a:lvl1pPr>
-            <a:lvl2pPr marL="742950" indent="-285750">
-              <a:defRPr>
-                <a:solidFill>
-                  <a:schemeClr val="tx1"/>
-                </a:solidFill>
-                <a:latin typeface="Arial" charset="0"/>
-              </a:defRPr>
-            </a:lvl2pPr>
-            <a:lvl3pPr marL="1143000" indent="-228600">
-              <a:defRPr>
-                <a:solidFill>
-                  <a:schemeClr val="tx1"/>
-                </a:solidFill>
-                <a:latin typeface="Arial" charset="0"/>
-              </a:defRPr>
-            </a:lvl3pPr>
-            <a:lvl4pPr marL="1600200" indent="-228600">
-              <a:defRPr>
-                <a:solidFill>
-                  <a:schemeClr val="tx1"/>
-                </a:solidFill>
-                <a:latin typeface="Arial" charset="0"/>
-              </a:defRPr>
-            </a:lvl4pPr>
-            <a:lvl5pPr marL="2057400" indent="-228600">
-              <a:defRPr>
-                <a:solidFill>
-                  <a:schemeClr val="tx1"/>
-                </a:solidFill>
-                <a:latin typeface="Arial" charset="0"/>
-              </a:defRPr>
-            </a:lvl5pPr>
-            <a:lvl6pPr marL="2514600" indent="-228600" eaLnBrk="0" fontAlgn="base" hangingPunct="0">
-              <a:spcBef>
-                <a:spcPct val="0"/>
-              </a:spcBef>
-              <a:spcAft>
-                <a:spcPct val="0"/>
-              </a:spcAft>
-              <a:defRPr>
-                <a:solidFill>
-                  <a:schemeClr val="tx1"/>
-                </a:solidFill>
-                <a:latin typeface="Arial" charset="0"/>
-              </a:defRPr>
-            </a:lvl6pPr>
-            <a:lvl7pPr marL="2971800" indent="-228600" eaLnBrk="0" fontAlgn="base" hangingPunct="0">
-              <a:spcBef>
-                <a:spcPct val="0"/>
-              </a:spcBef>
-              <a:spcAft>
-                <a:spcPct val="0"/>
-              </a:spcAft>
-              <a:defRPr>
-                <a:solidFill>
-                  <a:schemeClr val="tx1"/>
-                </a:solidFill>
-                <a:latin typeface="Arial" charset="0"/>
-              </a:defRPr>
-            </a:lvl7pPr>
-            <a:lvl8pPr marL="3429000" indent="-228600" eaLnBrk="0" fontAlgn="base" hangingPunct="0">
-              <a:spcBef>
-                <a:spcPct val="0"/>
-              </a:spcBef>
-              <a:spcAft>
-                <a:spcPct val="0"/>
-              </a:spcAft>
-              <a:defRPr>
-                <a:solidFill>
-                  <a:schemeClr val="tx1"/>
-                </a:solidFill>
-                <a:latin typeface="Arial" charset="0"/>
-              </a:defRPr>
-            </a:lvl8pPr>
-            <a:lvl9pPr marL="3886200" indent="-228600" eaLnBrk="0" fontAlgn="base" hangingPunct="0">
-              <a:spcBef>
-                <a:spcPct val="0"/>
-              </a:spcBef>
-              <a:spcAft>
-                <a:spcPct val="0"/>
-              </a:spcAft>
-              <a:defRPr>
-                <a:solidFill>
-                  <a:schemeClr val="tx1"/>
-                </a:solidFill>
-                <a:latin typeface="Arial" charset="0"/>
-              </a:defRPr>
-            </a:lvl9pPr>
-          </a:lstStyle>
-          <a:p>
-            <a:r>
-              <a:rPr lang="en-US"/>
-              <a:t>Global Memory</a:t>
-            </a:r>
-          </a:p>
-          <a:p>
-            <a:endParaRPr lang="en-US"/>
-          </a:p>
-        </p:txBody>
-      </p:sp>
-      <p:cxnSp>
-        <p:nvCxnSpPr>
-          <p:cNvPr id="46089" name="Straight Arrow Connector 11"/>
-          <p:cNvCxnSpPr>
-            <a:cxnSpLocks noChangeShapeType="1"/>
-            <a:stCxn id="9" idx="3"/>
-            <a:endCxn id="10" idx="1"/>
-          </p:cNvCxnSpPr>
-          <p:nvPr/>
-        </p:nvCxnSpPr>
-        <p:spPr bwMode="auto">
-          <a:xfrm>
-            <a:off x="5688013" y="5553075"/>
-            <a:ext cx="560387" cy="1588"/>
-          </a:xfrm>
-          <a:prstGeom prst="straightConnector1">
-            <a:avLst/>
-          </a:prstGeom>
-          <a:noFill/>
-          <a:ln w="9525" algn="ctr">
-            <a:solidFill>
-              <a:schemeClr val="tx1"/>
-            </a:solidFill>
-            <a:round/>
-            <a:headEnd/>
-            <a:tailEnd type="arrow" w="med" len="med"/>
-          </a:ln>
-          <a:extLst>
-            <a:ext uri="{909E8E84-426E-40DD-AFC4-6F175D3DCCD1}">
-              <a14:hiddenFill xmlns:a14="http://schemas.microsoft.com/office/drawing/2010/main">
-                <a:noFill/>
-              </a14:hiddenFill>
-            </a:ext>
-          </a:extLst>
-        </p:spPr>
-      </p:cxnSp>
-      <p:sp>
-        <p:nvSpPr>
-          <p:cNvPr id="46090" name="Text Box 6"/>
-          <p:cNvSpPr txBox="1">
-            <a:spLocks noChangeArrowheads="1"/>
-          </p:cNvSpPr>
-          <p:nvPr/>
-        </p:nvSpPr>
-        <p:spPr bwMode="auto">
-          <a:xfrm>
-            <a:off x="5181600" y="1905000"/>
-            <a:ext cx="1752600" cy="369888"/>
-          </a:xfrm>
-          <a:prstGeom prst="rect">
-            <a:avLst/>
-          </a:prstGeom>
-          <a:noFill/>
-          <a:ln w="9525">
-            <a:solidFill>
-              <a:srgbClr val="CC3300"/>
-            </a:solidFill>
-            <a:miter lim="800000"/>
-            <a:headEnd/>
-            <a:tailEnd/>
-          </a:ln>
-          <a:extLst>
-            <a:ext uri="{909E8E84-426E-40DD-AFC4-6F175D3DCCD1}">
-              <a14:hiddenFill xmlns:a14="http://schemas.microsoft.com/office/drawing/2010/main">
-                <a:solidFill>
-                  <a:srgbClr val="FFFFFF"/>
-                </a:solidFill>
-              </a14:hiddenFill>
-            </a:ext>
-          </a:extLst>
-        </p:spPr>
-        <p:txBody>
-          <a:bodyPr>
-            <a:spAutoFit/>
-          </a:bodyPr>
-          <a:lstStyle>
-            <a:lvl1pPr>
-              <a:defRPr>
-                <a:solidFill>
-                  <a:schemeClr val="tx1"/>
-                </a:solidFill>
-                <a:latin typeface="Arial" charset="0"/>
-              </a:defRPr>
-            </a:lvl1pPr>
-            <a:lvl2pPr marL="742950" indent="-285750">
-              <a:defRPr>
-                <a:solidFill>
-                  <a:schemeClr val="tx1"/>
-                </a:solidFill>
-                <a:latin typeface="Arial" charset="0"/>
-              </a:defRPr>
-            </a:lvl2pPr>
-            <a:lvl3pPr marL="1143000" indent="-228600">
-              <a:defRPr>
-                <a:solidFill>
-                  <a:schemeClr val="tx1"/>
-                </a:solidFill>
-                <a:latin typeface="Arial" charset="0"/>
-              </a:defRPr>
-            </a:lvl3pPr>
-            <a:lvl4pPr marL="1600200" indent="-228600">
-              <a:defRPr>
-                <a:solidFill>
-                  <a:schemeClr val="tx1"/>
-                </a:solidFill>
-                <a:latin typeface="Arial" charset="0"/>
-              </a:defRPr>
-            </a:lvl4pPr>
-            <a:lvl5pPr marL="2057400" indent="-228600">
-              <a:defRPr>
-                <a:solidFill>
-                  <a:schemeClr val="tx1"/>
-                </a:solidFill>
-                <a:latin typeface="Arial" charset="0"/>
-              </a:defRPr>
-            </a:lvl5pPr>
-            <a:lvl6pPr marL="2514600" indent="-228600" eaLnBrk="0" fontAlgn="base" hangingPunct="0">
-              <a:spcBef>
-                <a:spcPct val="0"/>
-              </a:spcBef>
-              <a:spcAft>
-                <a:spcPct val="0"/>
-              </a:spcAft>
-              <a:defRPr>
-                <a:solidFill>
-                  <a:schemeClr val="tx1"/>
-                </a:solidFill>
-                <a:latin typeface="Arial" charset="0"/>
-              </a:defRPr>
-            </a:lvl6pPr>
-            <a:lvl7pPr marL="2971800" indent="-228600" eaLnBrk="0" fontAlgn="base" hangingPunct="0">
-              <a:spcBef>
-                <a:spcPct val="0"/>
-              </a:spcBef>
-              <a:spcAft>
-                <a:spcPct val="0"/>
-              </a:spcAft>
-              <a:defRPr>
-                <a:solidFill>
-                  <a:schemeClr val="tx1"/>
-                </a:solidFill>
-                <a:latin typeface="Arial" charset="0"/>
-              </a:defRPr>
-            </a:lvl7pPr>
-            <a:lvl8pPr marL="3429000" indent="-228600" eaLnBrk="0" fontAlgn="base" hangingPunct="0">
-              <a:spcBef>
-                <a:spcPct val="0"/>
-              </a:spcBef>
-              <a:spcAft>
-                <a:spcPct val="0"/>
-              </a:spcAft>
-              <a:defRPr>
-                <a:solidFill>
-                  <a:schemeClr val="tx1"/>
-                </a:solidFill>
-                <a:latin typeface="Arial" charset="0"/>
-              </a:defRPr>
-            </a:lvl8pPr>
-            <a:lvl9pPr marL="3886200" indent="-228600" eaLnBrk="0" fontAlgn="base" hangingPunct="0">
-              <a:spcBef>
-                <a:spcPct val="0"/>
-              </a:spcBef>
-              <a:spcAft>
-                <a:spcPct val="0"/>
-              </a:spcAft>
-              <a:defRPr>
-                <a:solidFill>
-                  <a:schemeClr val="tx1"/>
-                </a:solidFill>
-                <a:latin typeface="Arial" charset="0"/>
-              </a:defRPr>
-            </a:lvl9pPr>
-          </a:lstStyle>
-          <a:p>
-            <a:r>
-              <a:rPr lang="en-US">
-                <a:solidFill>
-                  <a:srgbClr val="CC3300"/>
-                </a:solidFill>
-              </a:rPr>
-              <a:t>Host to device</a:t>
-            </a:r>
-          </a:p>
-        </p:txBody>
-      </p:sp>
-      <p:sp>
-        <p:nvSpPr>
-          <p:cNvPr id="46091" name="Line 7"/>
-          <p:cNvSpPr>
-            <a:spLocks noChangeShapeType="1"/>
-          </p:cNvSpPr>
-          <p:nvPr/>
-        </p:nvSpPr>
-        <p:spPr bwMode="auto">
-          <a:xfrm flipH="1">
-            <a:off x="5943600" y="2286000"/>
-            <a:ext cx="0" cy="644525"/>
-          </a:xfrm>
-          <a:prstGeom prst="line">
-            <a:avLst/>
-          </a:prstGeom>
-          <a:noFill/>
-          <a:ln w="9525">
-            <a:solidFill>
-              <a:srgbClr val="CC3300"/>
-            </a:solidFill>
-            <a:round/>
-            <a:headEnd/>
-            <a:tailEnd type="triangle" w="med" len="med"/>
-          </a:ln>
-          <a:extLst>
-            <a:ext uri="{909E8E84-426E-40DD-AFC4-6F175D3DCCD1}">
-              <a14:hiddenFill xmlns:a14="http://schemas.microsoft.com/office/drawing/2010/main">
-                <a:noFill/>
-              </a14:hiddenFill>
-            </a:ext>
-          </a:extLst>
-        </p:spPr>
-        <p:txBody>
-          <a:bodyPr/>
-          <a:lstStyle/>
-          <a:p>
-            <a:endParaRPr lang="en-US"/>
-          </a:p>
-        </p:txBody>
-      </p:sp>
-    </p:spTree>
-  </p:cSld>
-  <p:clrMapOvr>
-    <a:masterClrMapping/>
-  </p:clrMapOvr>
-  <p:timing>
-    <p:tnLst>
-      <p:par>
-        <p:cTn id="1" dur="indefinite" restart="never" nodeType="tmRoot"/>
-      </p:par>
-    </p:tnLst>
-  </p:timing>
-</p:sld>
-</file>
-
-<file path=ppt/slides/slide38.xml><?xml version="1.0" encoding="utf-8"?>
+<file path=ppt/slides/slide35.xml><?xml version="1.0" encoding="utf-8"?>
 <p:sld xmlns:a="http://schemas.openxmlformats.org/drawingml/2006/main" xmlns:r="http://schemas.openxmlformats.org/officeDocument/2006/relationships" xmlns:p="http://schemas.openxmlformats.org/presentationml/2006/main">
   <p:cSld>
     <p:spTree>
@@ -21346,6 +19864,234 @@
           </a:p>
         </p:txBody>
       </p:sp>
+      <p:sp>
+        <p:nvSpPr>
+          <p:cNvPr id="15" name="Rectangle 5"/>
+          <p:cNvSpPr>
+            <a:spLocks noChangeArrowheads="1"/>
+          </p:cNvSpPr>
+          <p:nvPr/>
+        </p:nvSpPr>
+        <p:spPr bwMode="auto">
+          <a:xfrm>
+            <a:off x="4572000" y="2971800"/>
+            <a:ext cx="2895600" cy="381000"/>
+          </a:xfrm>
+          <a:prstGeom prst="rect">
+            <a:avLst/>
+          </a:prstGeom>
+          <a:solidFill>
+            <a:srgbClr val="FFFF99">
+              <a:alpha val="50195"/>
+            </a:srgbClr>
+          </a:solidFill>
+          <a:ln w="9525">
+            <a:solidFill>
+              <a:schemeClr val="tx1"/>
+            </a:solidFill>
+            <a:miter lim="800000"/>
+            <a:headEnd/>
+            <a:tailEnd/>
+          </a:ln>
+        </p:spPr>
+        <p:txBody>
+          <a:bodyPr wrap="none" anchor="ctr"/>
+          <a:lstStyle/>
+          <a:p>
+            <a:endParaRPr lang="en-US"/>
+          </a:p>
+        </p:txBody>
+      </p:sp>
+      <p:sp>
+        <p:nvSpPr>
+          <p:cNvPr id="16" name="Text Box 6"/>
+          <p:cNvSpPr txBox="1">
+            <a:spLocks noChangeArrowheads="1"/>
+          </p:cNvSpPr>
+          <p:nvPr/>
+        </p:nvSpPr>
+        <p:spPr bwMode="auto">
+          <a:xfrm>
+            <a:off x="5486400" y="1905000"/>
+            <a:ext cx="1752600" cy="369888"/>
+          </a:xfrm>
+          <a:prstGeom prst="rect">
+            <a:avLst/>
+          </a:prstGeom>
+          <a:noFill/>
+          <a:ln w="9525">
+            <a:solidFill>
+              <a:srgbClr val="CC3300"/>
+            </a:solidFill>
+            <a:miter lim="800000"/>
+            <a:headEnd/>
+            <a:tailEnd/>
+          </a:ln>
+          <a:extLst>
+            <a:ext uri="{909E8E84-426E-40DD-AFC4-6F175D3DCCD1}">
+              <a14:hiddenFill xmlns:a14="http://schemas.microsoft.com/office/drawing/2010/main">
+                <a:solidFill>
+                  <a:srgbClr val="FFFFFF"/>
+                </a:solidFill>
+              </a14:hiddenFill>
+            </a:ext>
+          </a:extLst>
+        </p:spPr>
+        <p:txBody>
+          <a:bodyPr>
+            <a:spAutoFit/>
+          </a:bodyPr>
+          <a:lstStyle>
+            <a:lvl1pPr>
+              <a:defRPr>
+                <a:solidFill>
+                  <a:schemeClr val="tx1"/>
+                </a:solidFill>
+                <a:latin typeface="Arial" charset="0"/>
+              </a:defRPr>
+            </a:lvl1pPr>
+            <a:lvl2pPr marL="742950" indent="-285750">
+              <a:defRPr>
+                <a:solidFill>
+                  <a:schemeClr val="tx1"/>
+                </a:solidFill>
+                <a:latin typeface="Arial" charset="0"/>
+              </a:defRPr>
+            </a:lvl2pPr>
+            <a:lvl3pPr marL="1143000" indent="-228600">
+              <a:defRPr>
+                <a:solidFill>
+                  <a:schemeClr val="tx1"/>
+                </a:solidFill>
+                <a:latin typeface="Arial" charset="0"/>
+              </a:defRPr>
+            </a:lvl3pPr>
+            <a:lvl4pPr marL="1600200" indent="-228600">
+              <a:defRPr>
+                <a:solidFill>
+                  <a:schemeClr val="tx1"/>
+                </a:solidFill>
+                <a:latin typeface="Arial" charset="0"/>
+              </a:defRPr>
+            </a:lvl4pPr>
+            <a:lvl5pPr marL="2057400" indent="-228600">
+              <a:defRPr>
+                <a:solidFill>
+                  <a:schemeClr val="tx1"/>
+                </a:solidFill>
+                <a:latin typeface="Arial" charset="0"/>
+              </a:defRPr>
+            </a:lvl5pPr>
+            <a:lvl6pPr marL="2514600" indent="-228600" eaLnBrk="0" fontAlgn="base" hangingPunct="0">
+              <a:spcBef>
+                <a:spcPct val="0"/>
+              </a:spcBef>
+              <a:spcAft>
+                <a:spcPct val="0"/>
+              </a:spcAft>
+              <a:defRPr>
+                <a:solidFill>
+                  <a:schemeClr val="tx1"/>
+                </a:solidFill>
+                <a:latin typeface="Arial" charset="0"/>
+              </a:defRPr>
+            </a:lvl6pPr>
+            <a:lvl7pPr marL="2971800" indent="-228600" eaLnBrk="0" fontAlgn="base" hangingPunct="0">
+              <a:spcBef>
+                <a:spcPct val="0"/>
+              </a:spcBef>
+              <a:spcAft>
+                <a:spcPct val="0"/>
+              </a:spcAft>
+              <a:defRPr>
+                <a:solidFill>
+                  <a:schemeClr val="tx1"/>
+                </a:solidFill>
+                <a:latin typeface="Arial" charset="0"/>
+              </a:defRPr>
+            </a:lvl7pPr>
+            <a:lvl8pPr marL="3429000" indent="-228600" eaLnBrk="0" fontAlgn="base" hangingPunct="0">
+              <a:spcBef>
+                <a:spcPct val="0"/>
+              </a:spcBef>
+              <a:spcAft>
+                <a:spcPct val="0"/>
+              </a:spcAft>
+              <a:defRPr>
+                <a:solidFill>
+                  <a:schemeClr val="tx1"/>
+                </a:solidFill>
+                <a:latin typeface="Arial" charset="0"/>
+              </a:defRPr>
+            </a:lvl8pPr>
+            <a:lvl9pPr marL="3886200" indent="-228600" eaLnBrk="0" fontAlgn="base" hangingPunct="0">
+              <a:spcBef>
+                <a:spcPct val="0"/>
+              </a:spcBef>
+              <a:spcAft>
+                <a:spcPct val="0"/>
+              </a:spcAft>
+              <a:defRPr>
+                <a:solidFill>
+                  <a:schemeClr val="tx1"/>
+                </a:solidFill>
+                <a:latin typeface="Arial" charset="0"/>
+              </a:defRPr>
+            </a:lvl9pPr>
+          </a:lstStyle>
+          <a:p>
+            <a:r>
+              <a:rPr lang="en-US" dirty="0">
+                <a:solidFill>
+                  <a:srgbClr val="CC3300"/>
+                </a:solidFill>
+              </a:rPr>
+              <a:t>Host to device</a:t>
+            </a:r>
+          </a:p>
+        </p:txBody>
+      </p:sp>
+      <p:sp>
+        <p:nvSpPr>
+          <p:cNvPr id="17" name="Line 7"/>
+          <p:cNvSpPr>
+            <a:spLocks noChangeShapeType="1"/>
+          </p:cNvSpPr>
+          <p:nvPr/>
+        </p:nvSpPr>
+        <p:spPr bwMode="auto">
+          <a:xfrm flipH="1">
+            <a:off x="6248400" y="2286000"/>
+            <a:ext cx="0" cy="644525"/>
+          </a:xfrm>
+          <a:prstGeom prst="line">
+            <a:avLst/>
+          </a:prstGeom>
+          <a:noFill/>
+          <a:ln w="9525">
+            <a:solidFill>
+              <a:srgbClr val="CC3300"/>
+            </a:solidFill>
+            <a:round/>
+            <a:headEnd/>
+            <a:tailEnd type="triangle" w="med" len="med"/>
+          </a:ln>
+          <a:extLst>
+            <a:ext uri="{909E8E84-426E-40DD-AFC4-6F175D3DCCD1}">
+              <a14:hiddenFill xmlns:a14="http://schemas.microsoft.com/office/drawing/2010/main">
+                <a:noFill/>
+              </a14:hiddenFill>
+            </a:ext>
+          </a:extLst>
+        </p:spPr>
+        <p:txBody>
+          <a:bodyPr/>
+          <a:lstStyle/>
+          <a:p>
+            <a:endParaRPr lang="en-US"/>
+          </a:p>
+        </p:txBody>
+      </p:sp>
     </p:spTree>
   </p:cSld>
   <p:clrMapOvr>
@@ -21361,7 +20107,7 @@
 </p:sld>
 </file>
 
-<file path=ppt/slides/slide39.xml><?xml version="1.0" encoding="utf-8"?>
+<file path=ppt/slides/slide36.xml><?xml version="1.0" encoding="utf-8"?>
 <p:sld xmlns:a="http://schemas.openxmlformats.org/drawingml/2006/main" xmlns:r="http://schemas.openxmlformats.org/officeDocument/2006/relationships" xmlns:p="http://schemas.openxmlformats.org/presentationml/2006/main">
   <p:cSld>
     <p:spTree>
@@ -21955,136 +20701,7 @@
 </p:sld>
 </file>
 
-<file path=ppt/slides/slide4.xml><?xml version="1.0" encoding="utf-8"?>
-<p:sld xmlns:a="http://schemas.openxmlformats.org/drawingml/2006/main" xmlns:r="http://schemas.openxmlformats.org/officeDocument/2006/relationships" xmlns:p="http://schemas.openxmlformats.org/presentationml/2006/main">
-  <p:cSld>
-    <p:spTree>
-      <p:nvGrpSpPr>
-        <p:cNvPr id="1" name=""/>
-        <p:cNvGrpSpPr/>
-        <p:nvPr/>
-      </p:nvGrpSpPr>
-      <p:grpSpPr>
-        <a:xfrm>
-          <a:off x="0" y="0"/>
-          <a:ext cx="0" cy="0"/>
-          <a:chOff x="0" y="0"/>
-          <a:chExt cx="0" cy="0"/>
-        </a:xfrm>
-      </p:grpSpPr>
-      <p:sp>
-        <p:nvSpPr>
-          <p:cNvPr id="12290" name="Rectangle 2"/>
-          <p:cNvSpPr>
-            <a:spLocks noGrp="1" noChangeArrowheads="1"/>
-          </p:cNvSpPr>
-          <p:nvPr>
-            <p:ph type="title"/>
-          </p:nvPr>
-        </p:nvSpPr>
-        <p:spPr/>
-        <p:txBody>
-          <a:bodyPr/>
-          <a:lstStyle/>
-          <a:p>
-            <a:r>
-              <a:rPr lang="en-US" smtClean="0"/>
-              <a:t>GPU Architecture Review</a:t>
-            </a:r>
-          </a:p>
-        </p:txBody>
-      </p:sp>
-      <p:sp>
-        <p:nvSpPr>
-          <p:cNvPr id="12291" name="Rectangle 3"/>
-          <p:cNvSpPr>
-            <a:spLocks noGrp="1" noChangeArrowheads="1"/>
-          </p:cNvSpPr>
-          <p:nvPr>
-            <p:ph type="body" idx="1"/>
-          </p:nvPr>
-        </p:nvSpPr>
-        <p:spPr>
-          <a:xfrm>
-            <a:off x="457200" y="1981200"/>
-            <a:ext cx="8382000" cy="4572000"/>
-          </a:xfrm>
-        </p:spPr>
-        <p:txBody>
-          <a:bodyPr/>
-          <a:lstStyle/>
-          <a:p>
-            <a:r>
-              <a:rPr lang="en-US" smtClean="0"/>
-              <a:t>GPUs are specialized for</a:t>
-            </a:r>
-          </a:p>
-          <a:p>
-            <a:pPr lvl="1"/>
-            <a:r>
-              <a:rPr lang="en-US" smtClean="0"/>
-              <a:t>Compute-intensive, highly parallel computation</a:t>
-            </a:r>
-          </a:p>
-          <a:p>
-            <a:pPr lvl="1"/>
-            <a:r>
-              <a:rPr lang="en-US" smtClean="0"/>
-              <a:t>Graphics!</a:t>
-            </a:r>
-          </a:p>
-          <a:p>
-            <a:r>
-              <a:rPr lang="en-US" smtClean="0"/>
-              <a:t>Transistors are devoted to:</a:t>
-            </a:r>
-          </a:p>
-          <a:p>
-            <a:pPr lvl="1"/>
-            <a:r>
-              <a:rPr lang="en-US" smtClean="0"/>
-              <a:t>Processing</a:t>
-            </a:r>
-          </a:p>
-          <a:p>
-            <a:pPr lvl="1"/>
-            <a:r>
-              <a:rPr lang="en-US" smtClean="0"/>
-              <a:t>Not:</a:t>
-            </a:r>
-          </a:p>
-          <a:p>
-            <a:pPr lvl="2"/>
-            <a:r>
-              <a:rPr lang="en-US" smtClean="0"/>
-              <a:t>Data caching</a:t>
-            </a:r>
-          </a:p>
-          <a:p>
-            <a:pPr lvl="2"/>
-            <a:r>
-              <a:rPr lang="en-US" smtClean="0"/>
-              <a:t>Flow control</a:t>
-            </a:r>
-          </a:p>
-        </p:txBody>
-      </p:sp>
-    </p:spTree>
-  </p:cSld>
-  <p:clrMapOvr>
-    <a:masterClrMapping/>
-  </p:clrMapOvr>
-  <p:timing>
-    <p:tnLst>
-      <p:par>
-        <p:cTn id="1" dur="indefinite" restart="never" nodeType="tmRoot"/>
-      </p:par>
-    </p:tnLst>
-  </p:timing>
-</p:sld>
-</file>
-
-<file path=ppt/slides/slide40.xml><?xml version="1.0" encoding="utf-8"?>
+<file path=ppt/slides/slide37.xml><?xml version="1.0" encoding="utf-8"?>
 <p:sld xmlns:a="http://schemas.openxmlformats.org/drawingml/2006/main" xmlns:r="http://schemas.openxmlformats.org/officeDocument/2006/relationships" xmlns:p="http://schemas.openxmlformats.org/presentationml/2006/main">
   <p:cSld>
     <p:spTree>
@@ -22176,7 +20793,7 @@
 </p:sld>
 </file>
 
-<file path=ppt/slides/slide41.xml><?xml version="1.0" encoding="utf-8"?>
+<file path=ppt/slides/slide38.xml><?xml version="1.0" encoding="utf-8"?>
 <p:sld xmlns:a="http://schemas.openxmlformats.org/drawingml/2006/main" xmlns:r="http://schemas.openxmlformats.org/officeDocument/2006/relationships" xmlns:p="http://schemas.openxmlformats.org/presentationml/2006/main">
   <p:cSld>
     <p:spTree>
@@ -22482,13 +21099,8 @@
             </a:pPr>
             <a:r>
               <a:rPr lang="en-US" sz="2600" kern="0" dirty="0"/>
-              <a:t>Assume M and N are square for </a:t>
-            </a:r>
-            <a:r>
-              <a:rPr lang="en-US" sz="2600" kern="0" dirty="0"/>
-              <a:t>simplicity</a:t>
-            </a:r>
-            <a:endParaRPr lang="en-US" sz="2600" kern="0" dirty="0"/>
+              <a:t>Assume M and N are square for simplicity</a:t>
+            </a:r>
           </a:p>
         </p:txBody>
       </p:sp>
@@ -22507,7 +21119,7 @@
 </p:sld>
 </file>
 
-<file path=ppt/slides/slide42.xml><?xml version="1.0" encoding="utf-8"?>
+<file path=ppt/slides/slide39.xml><?xml version="1.0" encoding="utf-8"?>
 <p:sld xmlns:a="http://schemas.openxmlformats.org/drawingml/2006/main" xmlns:r="http://schemas.openxmlformats.org/officeDocument/2006/relationships" xmlns:p="http://schemas.openxmlformats.org/presentationml/2006/main">
   <p:cSld>
     <p:spTree>
@@ -22788,7 +21400,136 @@
 </p:sld>
 </file>
 
-<file path=ppt/slides/slide43.xml><?xml version="1.0" encoding="utf-8"?>
+<file path=ppt/slides/slide4.xml><?xml version="1.0" encoding="utf-8"?>
+<p:sld xmlns:a="http://schemas.openxmlformats.org/drawingml/2006/main" xmlns:r="http://schemas.openxmlformats.org/officeDocument/2006/relationships" xmlns:p="http://schemas.openxmlformats.org/presentationml/2006/main">
+  <p:cSld>
+    <p:spTree>
+      <p:nvGrpSpPr>
+        <p:cNvPr id="1" name=""/>
+        <p:cNvGrpSpPr/>
+        <p:nvPr/>
+      </p:nvGrpSpPr>
+      <p:grpSpPr>
+        <a:xfrm>
+          <a:off x="0" y="0"/>
+          <a:ext cx="0" cy="0"/>
+          <a:chOff x="0" y="0"/>
+          <a:chExt cx="0" cy="0"/>
+        </a:xfrm>
+      </p:grpSpPr>
+      <p:sp>
+        <p:nvSpPr>
+          <p:cNvPr id="12290" name="Rectangle 2"/>
+          <p:cNvSpPr>
+            <a:spLocks noGrp="1" noChangeArrowheads="1"/>
+          </p:cNvSpPr>
+          <p:nvPr>
+            <p:ph type="title"/>
+          </p:nvPr>
+        </p:nvSpPr>
+        <p:spPr/>
+        <p:txBody>
+          <a:bodyPr/>
+          <a:lstStyle/>
+          <a:p>
+            <a:r>
+              <a:rPr lang="en-US" smtClean="0"/>
+              <a:t>GPU Architecture Review</a:t>
+            </a:r>
+          </a:p>
+        </p:txBody>
+      </p:sp>
+      <p:sp>
+        <p:nvSpPr>
+          <p:cNvPr id="12291" name="Rectangle 3"/>
+          <p:cNvSpPr>
+            <a:spLocks noGrp="1" noChangeArrowheads="1"/>
+          </p:cNvSpPr>
+          <p:nvPr>
+            <p:ph type="body" idx="1"/>
+          </p:nvPr>
+        </p:nvSpPr>
+        <p:spPr>
+          <a:xfrm>
+            <a:off x="457200" y="1981200"/>
+            <a:ext cx="8382000" cy="4572000"/>
+          </a:xfrm>
+        </p:spPr>
+        <p:txBody>
+          <a:bodyPr/>
+          <a:lstStyle/>
+          <a:p>
+            <a:r>
+              <a:rPr lang="en-US" smtClean="0"/>
+              <a:t>GPUs are specialized for</a:t>
+            </a:r>
+          </a:p>
+          <a:p>
+            <a:pPr lvl="1"/>
+            <a:r>
+              <a:rPr lang="en-US" smtClean="0"/>
+              <a:t>Compute-intensive, highly parallel computation</a:t>
+            </a:r>
+          </a:p>
+          <a:p>
+            <a:pPr lvl="1"/>
+            <a:r>
+              <a:rPr lang="en-US" smtClean="0"/>
+              <a:t>Graphics!</a:t>
+            </a:r>
+          </a:p>
+          <a:p>
+            <a:r>
+              <a:rPr lang="en-US" smtClean="0"/>
+              <a:t>Transistors are devoted to:</a:t>
+            </a:r>
+          </a:p>
+          <a:p>
+            <a:pPr lvl="1"/>
+            <a:r>
+              <a:rPr lang="en-US" smtClean="0"/>
+              <a:t>Processing</a:t>
+            </a:r>
+          </a:p>
+          <a:p>
+            <a:pPr lvl="1"/>
+            <a:r>
+              <a:rPr lang="en-US" smtClean="0"/>
+              <a:t>Not:</a:t>
+            </a:r>
+          </a:p>
+          <a:p>
+            <a:pPr lvl="2"/>
+            <a:r>
+              <a:rPr lang="en-US" smtClean="0"/>
+              <a:t>Data caching</a:t>
+            </a:r>
+          </a:p>
+          <a:p>
+            <a:pPr lvl="2"/>
+            <a:r>
+              <a:rPr lang="en-US" smtClean="0"/>
+              <a:t>Flow control</a:t>
+            </a:r>
+          </a:p>
+        </p:txBody>
+      </p:sp>
+    </p:spTree>
+  </p:cSld>
+  <p:clrMapOvr>
+    <a:masterClrMapping/>
+  </p:clrMapOvr>
+  <p:timing>
+    <p:tnLst>
+      <p:par>
+        <p:cTn id="1" dur="indefinite" restart="never" nodeType="tmRoot"/>
+      </p:par>
+    </p:tnLst>
+  </p:timing>
+</p:sld>
+</file>
+
+<file path=ppt/slides/slide40.xml><?xml version="1.0" encoding="utf-8"?>
 <p:sld xmlns:a="http://schemas.openxmlformats.org/drawingml/2006/main" xmlns:r="http://schemas.openxmlformats.org/officeDocument/2006/relationships" xmlns:p="http://schemas.openxmlformats.org/presentationml/2006/main">
   <p:cSld>
     <p:spTree>
@@ -24001,7 +22742,7 @@
 </p:sld>
 </file>
 
-<file path=ppt/slides/slide44.xml><?xml version="1.0" encoding="utf-8"?>
+<file path=ppt/slides/slide41.xml><?xml version="1.0" encoding="utf-8"?>
 <p:sld xmlns:a="http://schemas.openxmlformats.org/drawingml/2006/main" xmlns:r="http://schemas.openxmlformats.org/officeDocument/2006/relationships" xmlns:p="http://schemas.openxmlformats.org/presentationml/2006/main">
   <p:cSld>
     <p:spTree>
@@ -24298,7 +23039,7 @@
 </p:sld>
 </file>
 
-<file path=ppt/slides/slide45.xml><?xml version="1.0" encoding="utf-8"?>
+<file path=ppt/slides/slide42.xml><?xml version="1.0" encoding="utf-8"?>
 <p:sld xmlns:a="http://schemas.openxmlformats.org/drawingml/2006/main" xmlns:r="http://schemas.openxmlformats.org/officeDocument/2006/relationships" xmlns:p="http://schemas.openxmlformats.org/presentationml/2006/main">
   <p:cSld>
     <p:spTree>
@@ -24595,7 +23336,7 @@
 </p:sld>
 </file>
 
-<file path=ppt/slides/slide46.xml><?xml version="1.0" encoding="utf-8"?>
+<file path=ppt/slides/slide43.xml><?xml version="1.0" encoding="utf-8"?>
 <p:sld xmlns:a="http://schemas.openxmlformats.org/drawingml/2006/main" xmlns:r="http://schemas.openxmlformats.org/officeDocument/2006/relationships" xmlns:p="http://schemas.openxmlformats.org/presentationml/2006/main">
   <p:cSld>
     <p:spTree>
@@ -24892,7 +23633,7 @@
 </p:sld>
 </file>
 
-<file path=ppt/slides/slide47.xml><?xml version="1.0" encoding="utf-8"?>
+<file path=ppt/slides/slide44.xml><?xml version="1.0" encoding="utf-8"?>
 <p:sld xmlns:a="http://schemas.openxmlformats.org/drawingml/2006/main" xmlns:r="http://schemas.openxmlformats.org/officeDocument/2006/relationships" xmlns:p="http://schemas.openxmlformats.org/presentationml/2006/main">
   <p:cSld>
     <p:spTree>
@@ -24996,7 +23737,7 @@
 </p:sld>
 </file>
 
-<file path=ppt/slides/slide48.xml><?xml version="1.0" encoding="utf-8"?>
+<file path=ppt/slides/slide45.xml><?xml version="1.0" encoding="utf-8"?>
 <p:sld xmlns:a="http://schemas.openxmlformats.org/drawingml/2006/main" xmlns:r="http://schemas.openxmlformats.org/officeDocument/2006/relationships" xmlns:p="http://schemas.openxmlformats.org/presentationml/2006/main">
   <p:cSld>
     <p:spTree>
@@ -25483,7 +24224,7 @@
 </p:sld>
 </file>
 
-<file path=ppt/slides/slide49.xml><?xml version="1.0" encoding="utf-8"?>
+<file path=ppt/slides/slide46.xml><?xml version="1.0" encoding="utf-8"?>
 <p:sld xmlns:a="http://schemas.openxmlformats.org/drawingml/2006/main" xmlns:r="http://schemas.openxmlformats.org/officeDocument/2006/relationships" xmlns:p="http://schemas.openxmlformats.org/presentationml/2006/main">
   <p:cSld>
     <p:spTree>
@@ -25952,6 +24693,1104 @@
           <a:lstStyle/>
           <a:p>
             <a:endParaRPr lang="en-US"/>
+          </a:p>
+        </p:txBody>
+      </p:sp>
+    </p:spTree>
+  </p:cSld>
+  <p:clrMapOvr>
+    <a:masterClrMapping/>
+  </p:clrMapOvr>
+  <p:timing>
+    <p:tnLst>
+      <p:par>
+        <p:cTn id="1" dur="indefinite" restart="never" nodeType="tmRoot"/>
+      </p:par>
+    </p:tnLst>
+  </p:timing>
+</p:sld>
+</file>
+
+<file path=ppt/slides/slide47.xml><?xml version="1.0" encoding="utf-8"?>
+<p:sld xmlns:a="http://schemas.openxmlformats.org/drawingml/2006/main" xmlns:r="http://schemas.openxmlformats.org/officeDocument/2006/relationships" xmlns:p="http://schemas.openxmlformats.org/presentationml/2006/main">
+  <p:cSld>
+    <p:spTree>
+      <p:nvGrpSpPr>
+        <p:cNvPr id="1" name=""/>
+        <p:cNvGrpSpPr/>
+        <p:nvPr/>
+      </p:nvGrpSpPr>
+      <p:grpSpPr>
+        <a:xfrm>
+          <a:off x="0" y="0"/>
+          <a:ext cx="0" cy="0"/>
+          <a:chOff x="0" y="0"/>
+          <a:chExt cx="0" cy="0"/>
+        </a:xfrm>
+      </p:grpSpPr>
+      <p:sp>
+        <p:nvSpPr>
+          <p:cNvPr id="58370" name="Title 1"/>
+          <p:cNvSpPr>
+            <a:spLocks noGrp="1"/>
+          </p:cNvSpPr>
+          <p:nvPr>
+            <p:ph type="title"/>
+          </p:nvPr>
+        </p:nvSpPr>
+        <p:spPr/>
+        <p:txBody>
+          <a:bodyPr/>
+          <a:lstStyle/>
+          <a:p>
+            <a:r>
+              <a:rPr lang="en-US" smtClean="0"/>
+              <a:t>Matrix Multiply:  Data Transfer</a:t>
+            </a:r>
+          </a:p>
+        </p:txBody>
+      </p:sp>
+      <p:sp>
+        <p:nvSpPr>
+          <p:cNvPr id="58371" name="Text Box 5"/>
+          <p:cNvSpPr txBox="1">
+            <a:spLocks noChangeArrowheads="1"/>
+          </p:cNvSpPr>
+          <p:nvPr/>
+        </p:nvSpPr>
+        <p:spPr bwMode="auto">
+          <a:xfrm>
+            <a:off x="0" y="6553200"/>
+            <a:ext cx="9144000" cy="276225"/>
+          </a:xfrm>
+          <a:prstGeom prst="rect">
+            <a:avLst/>
+          </a:prstGeom>
+          <a:noFill/>
+          <a:ln>
+            <a:noFill/>
+          </a:ln>
+          <a:extLst>
+            <a:ext uri="{909E8E84-426E-40DD-AFC4-6F175D3DCCD1}">
+              <a14:hiddenFill xmlns:a14="http://schemas.microsoft.com/office/drawing/2010/main">
+                <a:solidFill>
+                  <a:srgbClr val="FFFFFF"/>
+                </a:solidFill>
+              </a14:hiddenFill>
+            </a:ext>
+            <a:ext uri="{91240B29-F687-4F45-9708-019B960494DF}">
+              <a14:hiddenLine xmlns:a14="http://schemas.microsoft.com/office/drawing/2010/main" w="9525">
+                <a:solidFill>
+                  <a:srgbClr val="000000"/>
+                </a:solidFill>
+                <a:miter lim="800000"/>
+                <a:headEnd/>
+                <a:tailEnd/>
+              </a14:hiddenLine>
+            </a:ext>
+          </a:extLst>
+        </p:spPr>
+        <p:txBody>
+          <a:bodyPr>
+            <a:spAutoFit/>
+          </a:bodyPr>
+          <a:lstStyle>
+            <a:lvl1pPr>
+              <a:defRPr>
+                <a:solidFill>
+                  <a:schemeClr val="tx1"/>
+                </a:solidFill>
+                <a:latin typeface="Arial" charset="0"/>
+              </a:defRPr>
+            </a:lvl1pPr>
+            <a:lvl2pPr marL="742950" indent="-285750">
+              <a:defRPr>
+                <a:solidFill>
+                  <a:schemeClr val="tx1"/>
+                </a:solidFill>
+                <a:latin typeface="Arial" charset="0"/>
+              </a:defRPr>
+            </a:lvl2pPr>
+            <a:lvl3pPr marL="1143000" indent="-228600">
+              <a:defRPr>
+                <a:solidFill>
+                  <a:schemeClr val="tx1"/>
+                </a:solidFill>
+                <a:latin typeface="Arial" charset="0"/>
+              </a:defRPr>
+            </a:lvl3pPr>
+            <a:lvl4pPr marL="1600200" indent="-228600">
+              <a:defRPr>
+                <a:solidFill>
+                  <a:schemeClr val="tx1"/>
+                </a:solidFill>
+                <a:latin typeface="Arial" charset="0"/>
+              </a:defRPr>
+            </a:lvl4pPr>
+            <a:lvl5pPr marL="2057400" indent="-228600">
+              <a:defRPr>
+                <a:solidFill>
+                  <a:schemeClr val="tx1"/>
+                </a:solidFill>
+                <a:latin typeface="Arial" charset="0"/>
+              </a:defRPr>
+            </a:lvl5pPr>
+            <a:lvl6pPr marL="2514600" indent="-228600" eaLnBrk="0" fontAlgn="base" hangingPunct="0">
+              <a:spcBef>
+                <a:spcPct val="0"/>
+              </a:spcBef>
+              <a:spcAft>
+                <a:spcPct val="0"/>
+              </a:spcAft>
+              <a:defRPr>
+                <a:solidFill>
+                  <a:schemeClr val="tx1"/>
+                </a:solidFill>
+                <a:latin typeface="Arial" charset="0"/>
+              </a:defRPr>
+            </a:lvl6pPr>
+            <a:lvl7pPr marL="2971800" indent="-228600" eaLnBrk="0" fontAlgn="base" hangingPunct="0">
+              <a:spcBef>
+                <a:spcPct val="0"/>
+              </a:spcBef>
+              <a:spcAft>
+                <a:spcPct val="0"/>
+              </a:spcAft>
+              <a:defRPr>
+                <a:solidFill>
+                  <a:schemeClr val="tx1"/>
+                </a:solidFill>
+                <a:latin typeface="Arial" charset="0"/>
+              </a:defRPr>
+            </a:lvl7pPr>
+            <a:lvl8pPr marL="3429000" indent="-228600" eaLnBrk="0" fontAlgn="base" hangingPunct="0">
+              <a:spcBef>
+                <a:spcPct val="0"/>
+              </a:spcBef>
+              <a:spcAft>
+                <a:spcPct val="0"/>
+              </a:spcAft>
+              <a:defRPr>
+                <a:solidFill>
+                  <a:schemeClr val="tx1"/>
+                </a:solidFill>
+                <a:latin typeface="Arial" charset="0"/>
+              </a:defRPr>
+            </a:lvl8pPr>
+            <a:lvl9pPr marL="3886200" indent="-228600" eaLnBrk="0" fontAlgn="base" hangingPunct="0">
+              <a:spcBef>
+                <a:spcPct val="0"/>
+              </a:spcBef>
+              <a:spcAft>
+                <a:spcPct val="0"/>
+              </a:spcAft>
+              <a:defRPr>
+                <a:solidFill>
+                  <a:schemeClr val="tx1"/>
+                </a:solidFill>
+                <a:latin typeface="Arial" charset="0"/>
+              </a:defRPr>
+            </a:lvl9pPr>
+          </a:lstStyle>
+          <a:p>
+            <a:pPr algn="r"/>
+            <a:r>
+              <a:rPr lang="en-US" sz="1200"/>
+              <a:t>Code from:  http://courses.engr.illinois.edu/ece498/al/textbook/Chapter2-CudaProgrammingModel.pdf </a:t>
+            </a:r>
+          </a:p>
+        </p:txBody>
+      </p:sp>
+      <p:pic>
+        <p:nvPicPr>
+          <p:cNvPr id="58372" name="Picture 2"/>
+          <p:cNvPicPr>
+            <a:picLocks noChangeAspect="1" noChangeArrowheads="1"/>
+          </p:cNvPicPr>
+          <p:nvPr/>
+        </p:nvPicPr>
+        <p:blipFill>
+          <a:blip r:embed="rId2">
+            <a:extLst>
+              <a:ext uri="{28A0092B-C50C-407E-A947-70E740481C1C}">
+                <a14:useLocalDpi xmlns:a14="http://schemas.microsoft.com/office/drawing/2010/main" val="0"/>
+              </a:ext>
+            </a:extLst>
+          </a:blip>
+          <a:srcRect/>
+          <a:stretch>
+            <a:fillRect/>
+          </a:stretch>
+        </p:blipFill>
+        <p:spPr bwMode="auto">
+          <a:xfrm>
+            <a:off x="1757363" y="1500188"/>
+            <a:ext cx="5629275" cy="5053012"/>
+          </a:xfrm>
+          <a:prstGeom prst="rect">
+            <a:avLst/>
+          </a:prstGeom>
+          <a:noFill/>
+          <a:ln>
+            <a:noFill/>
+          </a:ln>
+          <a:extLst>
+            <a:ext uri="{909E8E84-426E-40DD-AFC4-6F175D3DCCD1}">
+              <a14:hiddenFill xmlns:a14="http://schemas.microsoft.com/office/drawing/2010/main">
+                <a:solidFill>
+                  <a:srgbClr val="FFFFFF"/>
+                </a:solidFill>
+              </a14:hiddenFill>
+            </a:ext>
+            <a:ext uri="{91240B29-F687-4F45-9708-019B960494DF}">
+              <a14:hiddenLine xmlns:a14="http://schemas.microsoft.com/office/drawing/2010/main" w="9525">
+                <a:solidFill>
+                  <a:srgbClr val="000000"/>
+                </a:solidFill>
+                <a:miter lim="800000"/>
+                <a:headEnd/>
+                <a:tailEnd/>
+              </a14:hiddenLine>
+            </a:ext>
+          </a:extLst>
+        </p:spPr>
+      </p:pic>
+      <p:sp>
+        <p:nvSpPr>
+          <p:cNvPr id="58373" name="Rectangle 5"/>
+          <p:cNvSpPr>
+            <a:spLocks noChangeArrowheads="1"/>
+          </p:cNvSpPr>
+          <p:nvPr/>
+        </p:nvSpPr>
+        <p:spPr bwMode="auto">
+          <a:xfrm>
+            <a:off x="1828800" y="4648200"/>
+            <a:ext cx="4419600" cy="381000"/>
+          </a:xfrm>
+          <a:prstGeom prst="rect">
+            <a:avLst/>
+          </a:prstGeom>
+          <a:solidFill>
+            <a:srgbClr val="FFFF99">
+              <a:alpha val="50195"/>
+            </a:srgbClr>
+          </a:solidFill>
+          <a:ln w="9525">
+            <a:solidFill>
+              <a:schemeClr val="tx1"/>
+            </a:solidFill>
+            <a:miter lim="800000"/>
+            <a:headEnd/>
+            <a:tailEnd/>
+          </a:ln>
+        </p:spPr>
+        <p:txBody>
+          <a:bodyPr wrap="none" anchor="ctr"/>
+          <a:lstStyle/>
+          <a:p>
+            <a:endParaRPr lang="en-US"/>
+          </a:p>
+        </p:txBody>
+      </p:sp>
+    </p:spTree>
+  </p:cSld>
+  <p:clrMapOvr>
+    <a:masterClrMapping/>
+  </p:clrMapOvr>
+  <p:timing>
+    <p:tnLst>
+      <p:par>
+        <p:cTn id="1" dur="indefinite" restart="never" nodeType="tmRoot"/>
+      </p:par>
+    </p:tnLst>
+  </p:timing>
+</p:sld>
+</file>
+
+<file path=ppt/slides/slide48.xml><?xml version="1.0" encoding="utf-8"?>
+<p:sld xmlns:a="http://schemas.openxmlformats.org/drawingml/2006/main" xmlns:r="http://schemas.openxmlformats.org/officeDocument/2006/relationships" xmlns:p="http://schemas.openxmlformats.org/presentationml/2006/main">
+  <p:cSld>
+    <p:spTree>
+      <p:nvGrpSpPr>
+        <p:cNvPr id="1" name=""/>
+        <p:cNvGrpSpPr/>
+        <p:nvPr/>
+      </p:nvGrpSpPr>
+      <p:grpSpPr>
+        <a:xfrm>
+          <a:off x="0" y="0"/>
+          <a:ext cx="0" cy="0"/>
+          <a:chOff x="0" y="0"/>
+          <a:chExt cx="0" cy="0"/>
+        </a:xfrm>
+      </p:grpSpPr>
+      <p:sp>
+        <p:nvSpPr>
+          <p:cNvPr id="59394" name="Title 1"/>
+          <p:cNvSpPr>
+            <a:spLocks noGrp="1"/>
+          </p:cNvSpPr>
+          <p:nvPr>
+            <p:ph type="title"/>
+          </p:nvPr>
+        </p:nvSpPr>
+        <p:spPr/>
+        <p:txBody>
+          <a:bodyPr/>
+          <a:lstStyle/>
+          <a:p>
+            <a:r>
+              <a:rPr lang="en-US" smtClean="0"/>
+              <a:t>Matrix Multiply:  Data Transfer</a:t>
+            </a:r>
+          </a:p>
+        </p:txBody>
+      </p:sp>
+      <p:sp>
+        <p:nvSpPr>
+          <p:cNvPr id="59395" name="Text Box 5"/>
+          <p:cNvSpPr txBox="1">
+            <a:spLocks noChangeArrowheads="1"/>
+          </p:cNvSpPr>
+          <p:nvPr/>
+        </p:nvSpPr>
+        <p:spPr bwMode="auto">
+          <a:xfrm>
+            <a:off x="0" y="6553200"/>
+            <a:ext cx="9144000" cy="276225"/>
+          </a:xfrm>
+          <a:prstGeom prst="rect">
+            <a:avLst/>
+          </a:prstGeom>
+          <a:noFill/>
+          <a:ln>
+            <a:noFill/>
+          </a:ln>
+          <a:extLst>
+            <a:ext uri="{909E8E84-426E-40DD-AFC4-6F175D3DCCD1}">
+              <a14:hiddenFill xmlns:a14="http://schemas.microsoft.com/office/drawing/2010/main">
+                <a:solidFill>
+                  <a:srgbClr val="FFFFFF"/>
+                </a:solidFill>
+              </a14:hiddenFill>
+            </a:ext>
+            <a:ext uri="{91240B29-F687-4F45-9708-019B960494DF}">
+              <a14:hiddenLine xmlns:a14="http://schemas.microsoft.com/office/drawing/2010/main" w="9525">
+                <a:solidFill>
+                  <a:srgbClr val="000000"/>
+                </a:solidFill>
+                <a:miter lim="800000"/>
+                <a:headEnd/>
+                <a:tailEnd/>
+              </a14:hiddenLine>
+            </a:ext>
+          </a:extLst>
+        </p:spPr>
+        <p:txBody>
+          <a:bodyPr>
+            <a:spAutoFit/>
+          </a:bodyPr>
+          <a:lstStyle>
+            <a:lvl1pPr>
+              <a:defRPr>
+                <a:solidFill>
+                  <a:schemeClr val="tx1"/>
+                </a:solidFill>
+                <a:latin typeface="Arial" charset="0"/>
+              </a:defRPr>
+            </a:lvl1pPr>
+            <a:lvl2pPr marL="742950" indent="-285750">
+              <a:defRPr>
+                <a:solidFill>
+                  <a:schemeClr val="tx1"/>
+                </a:solidFill>
+                <a:latin typeface="Arial" charset="0"/>
+              </a:defRPr>
+            </a:lvl2pPr>
+            <a:lvl3pPr marL="1143000" indent="-228600">
+              <a:defRPr>
+                <a:solidFill>
+                  <a:schemeClr val="tx1"/>
+                </a:solidFill>
+                <a:latin typeface="Arial" charset="0"/>
+              </a:defRPr>
+            </a:lvl3pPr>
+            <a:lvl4pPr marL="1600200" indent="-228600">
+              <a:defRPr>
+                <a:solidFill>
+                  <a:schemeClr val="tx1"/>
+                </a:solidFill>
+                <a:latin typeface="Arial" charset="0"/>
+              </a:defRPr>
+            </a:lvl4pPr>
+            <a:lvl5pPr marL="2057400" indent="-228600">
+              <a:defRPr>
+                <a:solidFill>
+                  <a:schemeClr val="tx1"/>
+                </a:solidFill>
+                <a:latin typeface="Arial" charset="0"/>
+              </a:defRPr>
+            </a:lvl5pPr>
+            <a:lvl6pPr marL="2514600" indent="-228600" eaLnBrk="0" fontAlgn="base" hangingPunct="0">
+              <a:spcBef>
+                <a:spcPct val="0"/>
+              </a:spcBef>
+              <a:spcAft>
+                <a:spcPct val="0"/>
+              </a:spcAft>
+              <a:defRPr>
+                <a:solidFill>
+                  <a:schemeClr val="tx1"/>
+                </a:solidFill>
+                <a:latin typeface="Arial" charset="0"/>
+              </a:defRPr>
+            </a:lvl6pPr>
+            <a:lvl7pPr marL="2971800" indent="-228600" eaLnBrk="0" fontAlgn="base" hangingPunct="0">
+              <a:spcBef>
+                <a:spcPct val="0"/>
+              </a:spcBef>
+              <a:spcAft>
+                <a:spcPct val="0"/>
+              </a:spcAft>
+              <a:defRPr>
+                <a:solidFill>
+                  <a:schemeClr val="tx1"/>
+                </a:solidFill>
+                <a:latin typeface="Arial" charset="0"/>
+              </a:defRPr>
+            </a:lvl7pPr>
+            <a:lvl8pPr marL="3429000" indent="-228600" eaLnBrk="0" fontAlgn="base" hangingPunct="0">
+              <a:spcBef>
+                <a:spcPct val="0"/>
+              </a:spcBef>
+              <a:spcAft>
+                <a:spcPct val="0"/>
+              </a:spcAft>
+              <a:defRPr>
+                <a:solidFill>
+                  <a:schemeClr val="tx1"/>
+                </a:solidFill>
+                <a:latin typeface="Arial" charset="0"/>
+              </a:defRPr>
+            </a:lvl8pPr>
+            <a:lvl9pPr marL="3886200" indent="-228600" eaLnBrk="0" fontAlgn="base" hangingPunct="0">
+              <a:spcBef>
+                <a:spcPct val="0"/>
+              </a:spcBef>
+              <a:spcAft>
+                <a:spcPct val="0"/>
+              </a:spcAft>
+              <a:defRPr>
+                <a:solidFill>
+                  <a:schemeClr val="tx1"/>
+                </a:solidFill>
+                <a:latin typeface="Arial" charset="0"/>
+              </a:defRPr>
+            </a:lvl9pPr>
+          </a:lstStyle>
+          <a:p>
+            <a:pPr algn="r"/>
+            <a:r>
+              <a:rPr lang="en-US" sz="1200"/>
+              <a:t>Code from:  http://courses.engr.illinois.edu/ece498/al/textbook/Chapter2-CudaProgrammingModel.pdf </a:t>
+            </a:r>
+          </a:p>
+        </p:txBody>
+      </p:sp>
+      <p:pic>
+        <p:nvPicPr>
+          <p:cNvPr id="59396" name="Picture 2"/>
+          <p:cNvPicPr>
+            <a:picLocks noChangeAspect="1" noChangeArrowheads="1"/>
+          </p:cNvPicPr>
+          <p:nvPr/>
+        </p:nvPicPr>
+        <p:blipFill>
+          <a:blip r:embed="rId2">
+            <a:extLst>
+              <a:ext uri="{28A0092B-C50C-407E-A947-70E740481C1C}">
+                <a14:useLocalDpi xmlns:a14="http://schemas.microsoft.com/office/drawing/2010/main" val="0"/>
+              </a:ext>
+            </a:extLst>
+          </a:blip>
+          <a:srcRect/>
+          <a:stretch>
+            <a:fillRect/>
+          </a:stretch>
+        </p:blipFill>
+        <p:spPr bwMode="auto">
+          <a:xfrm>
+            <a:off x="1757363" y="1500188"/>
+            <a:ext cx="5629275" cy="5053012"/>
+          </a:xfrm>
+          <a:prstGeom prst="rect">
+            <a:avLst/>
+          </a:prstGeom>
+          <a:noFill/>
+          <a:ln>
+            <a:noFill/>
+          </a:ln>
+          <a:extLst>
+            <a:ext uri="{909E8E84-426E-40DD-AFC4-6F175D3DCCD1}">
+              <a14:hiddenFill xmlns:a14="http://schemas.microsoft.com/office/drawing/2010/main">
+                <a:solidFill>
+                  <a:srgbClr val="FFFFFF"/>
+                </a:solidFill>
+              </a14:hiddenFill>
+            </a:ext>
+            <a:ext uri="{91240B29-F687-4F45-9708-019B960494DF}">
+              <a14:hiddenLine xmlns:a14="http://schemas.microsoft.com/office/drawing/2010/main" w="9525">
+                <a:solidFill>
+                  <a:srgbClr val="000000"/>
+                </a:solidFill>
+                <a:miter lim="800000"/>
+                <a:headEnd/>
+                <a:tailEnd/>
+              </a14:hiddenLine>
+            </a:ext>
+          </a:extLst>
+        </p:spPr>
+      </p:pic>
+      <p:sp>
+        <p:nvSpPr>
+          <p:cNvPr id="59397" name="Rectangle 5"/>
+          <p:cNvSpPr>
+            <a:spLocks noChangeArrowheads="1"/>
+          </p:cNvSpPr>
+          <p:nvPr/>
+        </p:nvSpPr>
+        <p:spPr bwMode="auto">
+          <a:xfrm>
+            <a:off x="1905000" y="5105400"/>
+            <a:ext cx="5029200" cy="1066800"/>
+          </a:xfrm>
+          <a:prstGeom prst="rect">
+            <a:avLst/>
+          </a:prstGeom>
+          <a:solidFill>
+            <a:srgbClr val="FFFF99">
+              <a:alpha val="50195"/>
+            </a:srgbClr>
+          </a:solidFill>
+          <a:ln w="9525">
+            <a:solidFill>
+              <a:schemeClr val="tx1"/>
+            </a:solidFill>
+            <a:miter lim="800000"/>
+            <a:headEnd/>
+            <a:tailEnd/>
+          </a:ln>
+        </p:spPr>
+        <p:txBody>
+          <a:bodyPr wrap="none" anchor="ctr"/>
+          <a:lstStyle/>
+          <a:p>
+            <a:endParaRPr lang="en-US"/>
+          </a:p>
+        </p:txBody>
+      </p:sp>
+      <p:sp>
+        <p:nvSpPr>
+          <p:cNvPr id="59398" name="Text Box 6"/>
+          <p:cNvSpPr txBox="1">
+            <a:spLocks noChangeArrowheads="1"/>
+          </p:cNvSpPr>
+          <p:nvPr/>
+        </p:nvSpPr>
+        <p:spPr bwMode="auto">
+          <a:xfrm>
+            <a:off x="7391400" y="5334000"/>
+            <a:ext cx="1447800" cy="646113"/>
+          </a:xfrm>
+          <a:prstGeom prst="rect">
+            <a:avLst/>
+          </a:prstGeom>
+          <a:noFill/>
+          <a:ln w="9525">
+            <a:solidFill>
+              <a:srgbClr val="CC3300"/>
+            </a:solidFill>
+            <a:miter lim="800000"/>
+            <a:headEnd/>
+            <a:tailEnd/>
+          </a:ln>
+          <a:extLst>
+            <a:ext uri="{909E8E84-426E-40DD-AFC4-6F175D3DCCD1}">
+              <a14:hiddenFill xmlns:a14="http://schemas.microsoft.com/office/drawing/2010/main">
+                <a:solidFill>
+                  <a:srgbClr val="FFFFFF"/>
+                </a:solidFill>
+              </a14:hiddenFill>
+            </a:ext>
+          </a:extLst>
+        </p:spPr>
+        <p:txBody>
+          <a:bodyPr>
+            <a:spAutoFit/>
+          </a:bodyPr>
+          <a:lstStyle>
+            <a:lvl1pPr>
+              <a:defRPr>
+                <a:solidFill>
+                  <a:schemeClr val="tx1"/>
+                </a:solidFill>
+                <a:latin typeface="Arial" charset="0"/>
+              </a:defRPr>
+            </a:lvl1pPr>
+            <a:lvl2pPr marL="742950" indent="-285750">
+              <a:defRPr>
+                <a:solidFill>
+                  <a:schemeClr val="tx1"/>
+                </a:solidFill>
+                <a:latin typeface="Arial" charset="0"/>
+              </a:defRPr>
+            </a:lvl2pPr>
+            <a:lvl3pPr marL="1143000" indent="-228600">
+              <a:defRPr>
+                <a:solidFill>
+                  <a:schemeClr val="tx1"/>
+                </a:solidFill>
+                <a:latin typeface="Arial" charset="0"/>
+              </a:defRPr>
+            </a:lvl3pPr>
+            <a:lvl4pPr marL="1600200" indent="-228600">
+              <a:defRPr>
+                <a:solidFill>
+                  <a:schemeClr val="tx1"/>
+                </a:solidFill>
+                <a:latin typeface="Arial" charset="0"/>
+              </a:defRPr>
+            </a:lvl4pPr>
+            <a:lvl5pPr marL="2057400" indent="-228600">
+              <a:defRPr>
+                <a:solidFill>
+                  <a:schemeClr val="tx1"/>
+                </a:solidFill>
+                <a:latin typeface="Arial" charset="0"/>
+              </a:defRPr>
+            </a:lvl5pPr>
+            <a:lvl6pPr marL="2514600" indent="-228600" eaLnBrk="0" fontAlgn="base" hangingPunct="0">
+              <a:spcBef>
+                <a:spcPct val="0"/>
+              </a:spcBef>
+              <a:spcAft>
+                <a:spcPct val="0"/>
+              </a:spcAft>
+              <a:defRPr>
+                <a:solidFill>
+                  <a:schemeClr val="tx1"/>
+                </a:solidFill>
+                <a:latin typeface="Arial" charset="0"/>
+              </a:defRPr>
+            </a:lvl6pPr>
+            <a:lvl7pPr marL="2971800" indent="-228600" eaLnBrk="0" fontAlgn="base" hangingPunct="0">
+              <a:spcBef>
+                <a:spcPct val="0"/>
+              </a:spcBef>
+              <a:spcAft>
+                <a:spcPct val="0"/>
+              </a:spcAft>
+              <a:defRPr>
+                <a:solidFill>
+                  <a:schemeClr val="tx1"/>
+                </a:solidFill>
+                <a:latin typeface="Arial" charset="0"/>
+              </a:defRPr>
+            </a:lvl7pPr>
+            <a:lvl8pPr marL="3429000" indent="-228600" eaLnBrk="0" fontAlgn="base" hangingPunct="0">
+              <a:spcBef>
+                <a:spcPct val="0"/>
+              </a:spcBef>
+              <a:spcAft>
+                <a:spcPct val="0"/>
+              </a:spcAft>
+              <a:defRPr>
+                <a:solidFill>
+                  <a:schemeClr val="tx1"/>
+                </a:solidFill>
+                <a:latin typeface="Arial" charset="0"/>
+              </a:defRPr>
+            </a:lvl8pPr>
+            <a:lvl9pPr marL="3886200" indent="-228600" eaLnBrk="0" fontAlgn="base" hangingPunct="0">
+              <a:spcBef>
+                <a:spcPct val="0"/>
+              </a:spcBef>
+              <a:spcAft>
+                <a:spcPct val="0"/>
+              </a:spcAft>
+              <a:defRPr>
+                <a:solidFill>
+                  <a:schemeClr val="tx1"/>
+                </a:solidFill>
+                <a:latin typeface="Arial" charset="0"/>
+              </a:defRPr>
+            </a:lvl9pPr>
+          </a:lstStyle>
+          <a:p>
+            <a:r>
+              <a:rPr lang="en-US">
+                <a:solidFill>
+                  <a:srgbClr val="CC3300"/>
+                </a:solidFill>
+              </a:rPr>
+              <a:t>Read back from device</a:t>
+            </a:r>
+          </a:p>
+        </p:txBody>
+      </p:sp>
+      <p:sp>
+        <p:nvSpPr>
+          <p:cNvPr id="59399" name="Line 7"/>
+          <p:cNvSpPr>
+            <a:spLocks noChangeShapeType="1"/>
+          </p:cNvSpPr>
+          <p:nvPr/>
+        </p:nvSpPr>
+        <p:spPr bwMode="auto">
+          <a:xfrm flipH="1">
+            <a:off x="6934200" y="5627688"/>
+            <a:ext cx="457200" cy="0"/>
+          </a:xfrm>
+          <a:prstGeom prst="line">
+            <a:avLst/>
+          </a:prstGeom>
+          <a:noFill/>
+          <a:ln w="9525">
+            <a:solidFill>
+              <a:srgbClr val="CC3300"/>
+            </a:solidFill>
+            <a:round/>
+            <a:headEnd/>
+            <a:tailEnd type="triangle" w="med" len="med"/>
+          </a:ln>
+          <a:extLst>
+            <a:ext uri="{909E8E84-426E-40DD-AFC4-6F175D3DCCD1}">
+              <a14:hiddenFill xmlns:a14="http://schemas.microsoft.com/office/drawing/2010/main">
+                <a:noFill/>
+              </a14:hiddenFill>
+            </a:ext>
+          </a:extLst>
+        </p:spPr>
+        <p:txBody>
+          <a:bodyPr/>
+          <a:lstStyle/>
+          <a:p>
+            <a:endParaRPr lang="en-US"/>
+          </a:p>
+        </p:txBody>
+      </p:sp>
+    </p:spTree>
+  </p:cSld>
+  <p:clrMapOvr>
+    <a:masterClrMapping/>
+  </p:clrMapOvr>
+  <p:timing>
+    <p:tnLst>
+      <p:par>
+        <p:cTn id="1" dur="indefinite" restart="never" nodeType="tmRoot"/>
+      </p:par>
+    </p:tnLst>
+  </p:timing>
+</p:sld>
+</file>
+
+<file path=ppt/slides/slide49.xml><?xml version="1.0" encoding="utf-8"?>
+<p:sld xmlns:a="http://schemas.openxmlformats.org/drawingml/2006/main" xmlns:r="http://schemas.openxmlformats.org/officeDocument/2006/relationships" xmlns:p="http://schemas.openxmlformats.org/presentationml/2006/main">
+  <p:cSld>
+    <p:spTree>
+      <p:nvGrpSpPr>
+        <p:cNvPr id="1" name=""/>
+        <p:cNvGrpSpPr/>
+        <p:nvPr/>
+      </p:nvGrpSpPr>
+      <p:grpSpPr>
+        <a:xfrm>
+          <a:off x="0" y="0"/>
+          <a:ext cx="0" cy="0"/>
+          <a:chOff x="0" y="0"/>
+          <a:chExt cx="0" cy="0"/>
+        </a:xfrm>
+      </p:grpSpPr>
+      <p:sp>
+        <p:nvSpPr>
+          <p:cNvPr id="60418" name="Title 1"/>
+          <p:cNvSpPr>
+            <a:spLocks noGrp="1"/>
+          </p:cNvSpPr>
+          <p:nvPr>
+            <p:ph type="title"/>
+          </p:nvPr>
+        </p:nvSpPr>
+        <p:spPr/>
+        <p:txBody>
+          <a:bodyPr/>
+          <a:lstStyle/>
+          <a:p>
+            <a:r>
+              <a:rPr lang="en-US" smtClean="0"/>
+              <a:t>Matrix Multiply:  Data Transfer</a:t>
+            </a:r>
+          </a:p>
+        </p:txBody>
+      </p:sp>
+      <p:sp>
+        <p:nvSpPr>
+          <p:cNvPr id="60419" name="Text Box 5"/>
+          <p:cNvSpPr txBox="1">
+            <a:spLocks noChangeArrowheads="1"/>
+          </p:cNvSpPr>
+          <p:nvPr/>
+        </p:nvSpPr>
+        <p:spPr bwMode="auto">
+          <a:xfrm>
+            <a:off x="0" y="6553200"/>
+            <a:ext cx="9144000" cy="276225"/>
+          </a:xfrm>
+          <a:prstGeom prst="rect">
+            <a:avLst/>
+          </a:prstGeom>
+          <a:noFill/>
+          <a:ln>
+            <a:noFill/>
+          </a:ln>
+          <a:extLst>
+            <a:ext uri="{909E8E84-426E-40DD-AFC4-6F175D3DCCD1}">
+              <a14:hiddenFill xmlns:a14="http://schemas.microsoft.com/office/drawing/2010/main">
+                <a:solidFill>
+                  <a:srgbClr val="FFFFFF"/>
+                </a:solidFill>
+              </a14:hiddenFill>
+            </a:ext>
+            <a:ext uri="{91240B29-F687-4F45-9708-019B960494DF}">
+              <a14:hiddenLine xmlns:a14="http://schemas.microsoft.com/office/drawing/2010/main" w="9525">
+                <a:solidFill>
+                  <a:srgbClr val="000000"/>
+                </a:solidFill>
+                <a:miter lim="800000"/>
+                <a:headEnd/>
+                <a:tailEnd/>
+              </a14:hiddenLine>
+            </a:ext>
+          </a:extLst>
+        </p:spPr>
+        <p:txBody>
+          <a:bodyPr>
+            <a:spAutoFit/>
+          </a:bodyPr>
+          <a:lstStyle>
+            <a:lvl1pPr>
+              <a:defRPr>
+                <a:solidFill>
+                  <a:schemeClr val="tx1"/>
+                </a:solidFill>
+                <a:latin typeface="Arial" charset="0"/>
+              </a:defRPr>
+            </a:lvl1pPr>
+            <a:lvl2pPr marL="742950" indent="-285750">
+              <a:defRPr>
+                <a:solidFill>
+                  <a:schemeClr val="tx1"/>
+                </a:solidFill>
+                <a:latin typeface="Arial" charset="0"/>
+              </a:defRPr>
+            </a:lvl2pPr>
+            <a:lvl3pPr marL="1143000" indent="-228600">
+              <a:defRPr>
+                <a:solidFill>
+                  <a:schemeClr val="tx1"/>
+                </a:solidFill>
+                <a:latin typeface="Arial" charset="0"/>
+              </a:defRPr>
+            </a:lvl3pPr>
+            <a:lvl4pPr marL="1600200" indent="-228600">
+              <a:defRPr>
+                <a:solidFill>
+                  <a:schemeClr val="tx1"/>
+                </a:solidFill>
+                <a:latin typeface="Arial" charset="0"/>
+              </a:defRPr>
+            </a:lvl4pPr>
+            <a:lvl5pPr marL="2057400" indent="-228600">
+              <a:defRPr>
+                <a:solidFill>
+                  <a:schemeClr val="tx1"/>
+                </a:solidFill>
+                <a:latin typeface="Arial" charset="0"/>
+              </a:defRPr>
+            </a:lvl5pPr>
+            <a:lvl6pPr marL="2514600" indent="-228600" eaLnBrk="0" fontAlgn="base" hangingPunct="0">
+              <a:spcBef>
+                <a:spcPct val="0"/>
+              </a:spcBef>
+              <a:spcAft>
+                <a:spcPct val="0"/>
+              </a:spcAft>
+              <a:defRPr>
+                <a:solidFill>
+                  <a:schemeClr val="tx1"/>
+                </a:solidFill>
+                <a:latin typeface="Arial" charset="0"/>
+              </a:defRPr>
+            </a:lvl6pPr>
+            <a:lvl7pPr marL="2971800" indent="-228600" eaLnBrk="0" fontAlgn="base" hangingPunct="0">
+              <a:spcBef>
+                <a:spcPct val="0"/>
+              </a:spcBef>
+              <a:spcAft>
+                <a:spcPct val="0"/>
+              </a:spcAft>
+              <a:defRPr>
+                <a:solidFill>
+                  <a:schemeClr val="tx1"/>
+                </a:solidFill>
+                <a:latin typeface="Arial" charset="0"/>
+              </a:defRPr>
+            </a:lvl7pPr>
+            <a:lvl8pPr marL="3429000" indent="-228600" eaLnBrk="0" fontAlgn="base" hangingPunct="0">
+              <a:spcBef>
+                <a:spcPct val="0"/>
+              </a:spcBef>
+              <a:spcAft>
+                <a:spcPct val="0"/>
+              </a:spcAft>
+              <a:defRPr>
+                <a:solidFill>
+                  <a:schemeClr val="tx1"/>
+                </a:solidFill>
+                <a:latin typeface="Arial" charset="0"/>
+              </a:defRPr>
+            </a:lvl8pPr>
+            <a:lvl9pPr marL="3886200" indent="-228600" eaLnBrk="0" fontAlgn="base" hangingPunct="0">
+              <a:spcBef>
+                <a:spcPct val="0"/>
+              </a:spcBef>
+              <a:spcAft>
+                <a:spcPct val="0"/>
+              </a:spcAft>
+              <a:defRPr>
+                <a:solidFill>
+                  <a:schemeClr val="tx1"/>
+                </a:solidFill>
+                <a:latin typeface="Arial" charset="0"/>
+              </a:defRPr>
+            </a:lvl9pPr>
+          </a:lstStyle>
+          <a:p>
+            <a:pPr algn="r"/>
+            <a:r>
+              <a:rPr lang="en-US" sz="1200"/>
+              <a:t>Code from:  http://courses.engr.illinois.edu/ece498/al/textbook/Chapter2-CudaProgrammingModel.pdf </a:t>
+            </a:r>
+          </a:p>
+        </p:txBody>
+      </p:sp>
+      <p:pic>
+        <p:nvPicPr>
+          <p:cNvPr id="60420" name="Picture 2"/>
+          <p:cNvPicPr>
+            <a:picLocks noChangeAspect="1" noChangeArrowheads="1"/>
+          </p:cNvPicPr>
+          <p:nvPr/>
+        </p:nvPicPr>
+        <p:blipFill>
+          <a:blip r:embed="rId2">
+            <a:extLst>
+              <a:ext uri="{28A0092B-C50C-407E-A947-70E740481C1C}">
+                <a14:useLocalDpi xmlns:a14="http://schemas.microsoft.com/office/drawing/2010/main" val="0"/>
+              </a:ext>
+            </a:extLst>
+          </a:blip>
+          <a:srcRect/>
+          <a:stretch>
+            <a:fillRect/>
+          </a:stretch>
+        </p:blipFill>
+        <p:spPr bwMode="auto">
+          <a:xfrm>
+            <a:off x="2555875" y="1789113"/>
+            <a:ext cx="4033838" cy="3621087"/>
+          </a:xfrm>
+          <a:prstGeom prst="rect">
+            <a:avLst/>
+          </a:prstGeom>
+          <a:noFill/>
+          <a:ln>
+            <a:noFill/>
+          </a:ln>
+          <a:extLst>
+            <a:ext uri="{909E8E84-426E-40DD-AFC4-6F175D3DCCD1}">
+              <a14:hiddenFill xmlns:a14="http://schemas.microsoft.com/office/drawing/2010/main">
+                <a:solidFill>
+                  <a:srgbClr val="FFFFFF"/>
+                </a:solidFill>
+              </a14:hiddenFill>
+            </a:ext>
+            <a:ext uri="{91240B29-F687-4F45-9708-019B960494DF}">
+              <a14:hiddenLine xmlns:a14="http://schemas.microsoft.com/office/drawing/2010/main" w="9525">
+                <a:solidFill>
+                  <a:srgbClr val="000000"/>
+                </a:solidFill>
+                <a:miter lim="800000"/>
+                <a:headEnd/>
+                <a:tailEnd/>
+              </a14:hiddenLine>
+            </a:ext>
+          </a:extLst>
+        </p:spPr>
+      </p:pic>
+      <p:sp>
+        <p:nvSpPr>
+          <p:cNvPr id="9" name="Content Placeholder 2"/>
+          <p:cNvSpPr txBox="1">
+            <a:spLocks/>
+          </p:cNvSpPr>
+          <p:nvPr/>
+        </p:nvSpPr>
+        <p:spPr bwMode="auto">
+          <a:xfrm>
+            <a:off x="381000" y="5715000"/>
+            <a:ext cx="8610600" cy="685800"/>
+          </a:xfrm>
+          <a:prstGeom prst="rect">
+            <a:avLst/>
+          </a:prstGeom>
+          <a:noFill/>
+          <a:ln w="9525">
+            <a:noFill/>
+            <a:miter lim="800000"/>
+            <a:headEnd/>
+            <a:tailEnd/>
+          </a:ln>
+        </p:spPr>
+        <p:txBody>
+          <a:bodyPr/>
+          <a:lstStyle/>
+          <a:p>
+            <a:pPr marL="342900" indent="-342900">
+              <a:spcBef>
+                <a:spcPct val="20000"/>
+              </a:spcBef>
+              <a:buClr>
+                <a:schemeClr val="bg2"/>
+              </a:buClr>
+              <a:buSzPct val="75000"/>
+              <a:buFont typeface="Wingdings" pitchFamily="2" charset="2"/>
+              <a:buChar char="n"/>
+              <a:defRPr/>
+            </a:pPr>
+            <a:r>
+              <a:rPr lang="en-US" sz="3200" kern="0" dirty="0">
+                <a:latin typeface="+mn-lt"/>
+              </a:rPr>
+              <a:t>Similar to GPGPU with GLSL.</a:t>
+            </a:r>
+            <a:endParaRPr lang="en-US" sz="2800" i="1" kern="0" dirty="0">
+              <a:solidFill>
+                <a:srgbClr val="FF0000"/>
+              </a:solidFill>
+              <a:latin typeface="+mn-lt"/>
+            </a:endParaRPr>
           </a:p>
         </p:txBody>
       </p:sp>
@@ -26279,7 +26118,7 @@
       </p:grpSpPr>
       <p:sp>
         <p:nvSpPr>
-          <p:cNvPr id="58370" name="Title 1"/>
+          <p:cNvPr id="61442" name="Title 1"/>
           <p:cNvSpPr>
             <a:spLocks noGrp="1"/>
           </p:cNvSpPr>
@@ -26294,251 +26133,58 @@
           <a:p>
             <a:r>
               <a:rPr lang="en-US" smtClean="0"/>
-              <a:t>Matrix Multiply:  Data Transfer</a:t>
+              <a:t>Matrix Multiply</a:t>
             </a:r>
           </a:p>
         </p:txBody>
       </p:sp>
       <p:sp>
         <p:nvSpPr>
-          <p:cNvPr id="58371" name="Text Box 5"/>
-          <p:cNvSpPr txBox="1">
-            <a:spLocks noChangeArrowheads="1"/>
+          <p:cNvPr id="3" name="Content Placeholder 2"/>
+          <p:cNvSpPr>
+            <a:spLocks noGrp="1"/>
           </p:cNvSpPr>
-          <p:nvPr/>
+          <p:nvPr>
+            <p:ph idx="1"/>
+          </p:nvPr>
         </p:nvSpPr>
-        <p:spPr bwMode="auto">
-          <a:xfrm>
-            <a:off x="0" y="6553200"/>
-            <a:ext cx="9144000" cy="276225"/>
-          </a:xfrm>
-          <a:prstGeom prst="rect">
-            <a:avLst/>
-          </a:prstGeom>
-          <a:noFill/>
-          <a:ln>
-            <a:noFill/>
-          </a:ln>
-          <a:extLst>
-            <a:ext uri="{909E8E84-426E-40DD-AFC4-6F175D3DCCD1}">
-              <a14:hiddenFill xmlns:a14="http://schemas.microsoft.com/office/drawing/2010/main">
-                <a:solidFill>
-                  <a:srgbClr val="FFFFFF"/>
-                </a:solidFill>
-              </a14:hiddenFill>
-            </a:ext>
-            <a:ext uri="{91240B29-F687-4F45-9708-019B960494DF}">
-              <a14:hiddenLine xmlns:a14="http://schemas.microsoft.com/office/drawing/2010/main" w="9525">
-                <a:solidFill>
-                  <a:srgbClr val="000000"/>
-                </a:solidFill>
-                <a:miter lim="800000"/>
-                <a:headEnd/>
-                <a:tailEnd/>
-              </a14:hiddenLine>
-            </a:ext>
-          </a:extLst>
-        </p:spPr>
+        <p:spPr/>
         <p:txBody>
-          <a:bodyPr>
-            <a:spAutoFit/>
-          </a:bodyPr>
-          <a:lstStyle>
-            <a:lvl1pPr>
-              <a:defRPr>
-                <a:solidFill>
-                  <a:schemeClr val="tx1"/>
-                </a:solidFill>
-                <a:latin typeface="Arial" charset="0"/>
-              </a:defRPr>
-            </a:lvl1pPr>
-            <a:lvl2pPr marL="742950" indent="-285750">
-              <a:defRPr>
-                <a:solidFill>
-                  <a:schemeClr val="tx1"/>
-                </a:solidFill>
-                <a:latin typeface="Arial" charset="0"/>
-              </a:defRPr>
-            </a:lvl2pPr>
-            <a:lvl3pPr marL="1143000" indent="-228600">
-              <a:defRPr>
-                <a:solidFill>
-                  <a:schemeClr val="tx1"/>
-                </a:solidFill>
-                <a:latin typeface="Arial" charset="0"/>
-              </a:defRPr>
-            </a:lvl3pPr>
-            <a:lvl4pPr marL="1600200" indent="-228600">
-              <a:defRPr>
-                <a:solidFill>
-                  <a:schemeClr val="tx1"/>
-                </a:solidFill>
-                <a:latin typeface="Arial" charset="0"/>
-              </a:defRPr>
-            </a:lvl4pPr>
-            <a:lvl5pPr marL="2057400" indent="-228600">
-              <a:defRPr>
-                <a:solidFill>
-                  <a:schemeClr val="tx1"/>
-                </a:solidFill>
-                <a:latin typeface="Arial" charset="0"/>
-              </a:defRPr>
-            </a:lvl5pPr>
-            <a:lvl6pPr marL="2514600" indent="-228600" eaLnBrk="0" fontAlgn="base" hangingPunct="0">
-              <a:spcBef>
-                <a:spcPct val="0"/>
-              </a:spcBef>
-              <a:spcAft>
-                <a:spcPct val="0"/>
-              </a:spcAft>
-              <a:defRPr>
-                <a:solidFill>
-                  <a:schemeClr val="tx1"/>
-                </a:solidFill>
-                <a:latin typeface="Arial" charset="0"/>
-              </a:defRPr>
-            </a:lvl6pPr>
-            <a:lvl7pPr marL="2971800" indent="-228600" eaLnBrk="0" fontAlgn="base" hangingPunct="0">
-              <a:spcBef>
-                <a:spcPct val="0"/>
-              </a:spcBef>
-              <a:spcAft>
-                <a:spcPct val="0"/>
-              </a:spcAft>
-              <a:defRPr>
-                <a:solidFill>
-                  <a:schemeClr val="tx1"/>
-                </a:solidFill>
-                <a:latin typeface="Arial" charset="0"/>
-              </a:defRPr>
-            </a:lvl7pPr>
-            <a:lvl8pPr marL="3429000" indent="-228600" eaLnBrk="0" fontAlgn="base" hangingPunct="0">
-              <a:spcBef>
-                <a:spcPct val="0"/>
-              </a:spcBef>
-              <a:spcAft>
-                <a:spcPct val="0"/>
-              </a:spcAft>
-              <a:defRPr>
-                <a:solidFill>
-                  <a:schemeClr val="tx1"/>
-                </a:solidFill>
-                <a:latin typeface="Arial" charset="0"/>
-              </a:defRPr>
-            </a:lvl8pPr>
-            <a:lvl9pPr marL="3886200" indent="-228600" eaLnBrk="0" fontAlgn="base" hangingPunct="0">
-              <a:spcBef>
-                <a:spcPct val="0"/>
-              </a:spcBef>
-              <a:spcAft>
-                <a:spcPct val="0"/>
-              </a:spcAft>
-              <a:defRPr>
-                <a:solidFill>
-                  <a:schemeClr val="tx1"/>
-                </a:solidFill>
-                <a:latin typeface="Arial" charset="0"/>
-              </a:defRPr>
-            </a:lvl9pPr>
-          </a:lstStyle>
-          <a:p>
-            <a:pPr algn="r"/>
-            <a:r>
-              <a:rPr lang="en-US" sz="1200"/>
-              <a:t>Code from:  http://courses.engr.illinois.edu/ece498/al/textbook/Chapter2-CudaProgrammingModel.pdf </a:t>
-            </a:r>
-          </a:p>
-        </p:txBody>
-      </p:sp>
-      <p:pic>
-        <p:nvPicPr>
-          <p:cNvPr id="58372" name="Picture 2"/>
-          <p:cNvPicPr>
-            <a:picLocks noChangeAspect="1" noChangeArrowheads="1"/>
-          </p:cNvPicPr>
-          <p:nvPr/>
-        </p:nvPicPr>
-        <p:blipFill>
-          <a:blip r:embed="rId2">
-            <a:extLst>
-              <a:ext uri="{28A0092B-C50C-407E-A947-70E740481C1C}">
-                <a14:useLocalDpi xmlns:a14="http://schemas.microsoft.com/office/drawing/2010/main" val="0"/>
-              </a:ext>
-            </a:extLst>
-          </a:blip>
-          <a:srcRect/>
-          <a:stretch>
-            <a:fillRect/>
-          </a:stretch>
-        </p:blipFill>
-        <p:spPr bwMode="auto">
-          <a:xfrm>
-            <a:off x="1757363" y="1500188"/>
-            <a:ext cx="5629275" cy="5053012"/>
-          </a:xfrm>
-          <a:prstGeom prst="rect">
-            <a:avLst/>
-          </a:prstGeom>
-          <a:noFill/>
-          <a:ln>
-            <a:noFill/>
-          </a:ln>
-          <a:extLst>
-            <a:ext uri="{909E8E84-426E-40DD-AFC4-6F175D3DCCD1}">
-              <a14:hiddenFill xmlns:a14="http://schemas.microsoft.com/office/drawing/2010/main">
-                <a:solidFill>
-                  <a:srgbClr val="FFFFFF"/>
-                </a:solidFill>
-              </a14:hiddenFill>
-            </a:ext>
-            <a:ext uri="{91240B29-F687-4F45-9708-019B960494DF}">
-              <a14:hiddenLine xmlns:a14="http://schemas.microsoft.com/office/drawing/2010/main" w="9525">
-                <a:solidFill>
-                  <a:srgbClr val="000000"/>
-                </a:solidFill>
-                <a:miter lim="800000"/>
-                <a:headEnd/>
-                <a:tailEnd/>
-              </a14:hiddenLine>
-            </a:ext>
-          </a:extLst>
-        </p:spPr>
-      </p:pic>
-      <p:sp>
-        <p:nvSpPr>
-          <p:cNvPr id="58373" name="Rectangle 5"/>
-          <p:cNvSpPr>
-            <a:spLocks noChangeArrowheads="1"/>
-          </p:cNvSpPr>
-          <p:nvPr/>
-        </p:nvSpPr>
-        <p:spPr bwMode="auto">
-          <a:xfrm>
-            <a:off x="1828800" y="4648200"/>
-            <a:ext cx="4419600" cy="381000"/>
-          </a:xfrm>
-          <a:prstGeom prst="rect">
-            <a:avLst/>
-          </a:prstGeom>
-          <a:solidFill>
-            <a:srgbClr val="FFFF99">
-              <a:alpha val="50195"/>
-            </a:srgbClr>
-          </a:solidFill>
-          <a:ln w="9525">
-            <a:solidFill>
-              <a:schemeClr val="tx1"/>
-            </a:solidFill>
-            <a:miter lim="800000"/>
-            <a:headEnd/>
-            <a:tailEnd/>
-          </a:ln>
-        </p:spPr>
-        <p:txBody>
-          <a:bodyPr wrap="none" anchor="ctr"/>
+          <a:bodyPr/>
           <a:lstStyle/>
           <a:p>
-            <a:endParaRPr lang="en-US"/>
+            <a:pPr>
+              <a:defRPr/>
+            </a:pPr>
+            <a:r>
+              <a:rPr lang="en-US" dirty="0" smtClean="0"/>
+              <a:t>Step 2</a:t>
+            </a:r>
+          </a:p>
+          <a:p>
+            <a:pPr lvl="1">
+              <a:defRPr/>
+            </a:pPr>
+            <a:r>
+              <a:rPr lang="en-US" dirty="0" smtClean="0"/>
+              <a:t>Implement the </a:t>
+            </a:r>
+            <a:r>
+              <a:rPr lang="en-US" i="1" dirty="0" smtClean="0">
+                <a:solidFill>
+                  <a:schemeClr val="bg2">
+                    <a:lumMod val="40000"/>
+                    <a:lumOff val="60000"/>
+                  </a:schemeClr>
+                </a:solidFill>
+              </a:rPr>
+              <a:t>kernel</a:t>
+            </a:r>
+            <a:r>
+              <a:rPr lang="en-US" dirty="0" smtClean="0"/>
+              <a:t> in CUDA C</a:t>
+            </a:r>
+            <a:endParaRPr lang="en-US" dirty="0"/>
           </a:p>
         </p:txBody>
       </p:sp>
@@ -26558,923 +26204,6 @@
 </file>
 
 <file path=ppt/slides/slide51.xml><?xml version="1.0" encoding="utf-8"?>
-<p:sld xmlns:a="http://schemas.openxmlformats.org/drawingml/2006/main" xmlns:r="http://schemas.openxmlformats.org/officeDocument/2006/relationships" xmlns:p="http://schemas.openxmlformats.org/presentationml/2006/main">
-  <p:cSld>
-    <p:spTree>
-      <p:nvGrpSpPr>
-        <p:cNvPr id="1" name=""/>
-        <p:cNvGrpSpPr/>
-        <p:nvPr/>
-      </p:nvGrpSpPr>
-      <p:grpSpPr>
-        <a:xfrm>
-          <a:off x="0" y="0"/>
-          <a:ext cx="0" cy="0"/>
-          <a:chOff x="0" y="0"/>
-          <a:chExt cx="0" cy="0"/>
-        </a:xfrm>
-      </p:grpSpPr>
-      <p:sp>
-        <p:nvSpPr>
-          <p:cNvPr id="59394" name="Title 1"/>
-          <p:cNvSpPr>
-            <a:spLocks noGrp="1"/>
-          </p:cNvSpPr>
-          <p:nvPr>
-            <p:ph type="title"/>
-          </p:nvPr>
-        </p:nvSpPr>
-        <p:spPr/>
-        <p:txBody>
-          <a:bodyPr/>
-          <a:lstStyle/>
-          <a:p>
-            <a:r>
-              <a:rPr lang="en-US" smtClean="0"/>
-              <a:t>Matrix Multiply:  Data Transfer</a:t>
-            </a:r>
-          </a:p>
-        </p:txBody>
-      </p:sp>
-      <p:sp>
-        <p:nvSpPr>
-          <p:cNvPr id="59395" name="Text Box 5"/>
-          <p:cNvSpPr txBox="1">
-            <a:spLocks noChangeArrowheads="1"/>
-          </p:cNvSpPr>
-          <p:nvPr/>
-        </p:nvSpPr>
-        <p:spPr bwMode="auto">
-          <a:xfrm>
-            <a:off x="0" y="6553200"/>
-            <a:ext cx="9144000" cy="276225"/>
-          </a:xfrm>
-          <a:prstGeom prst="rect">
-            <a:avLst/>
-          </a:prstGeom>
-          <a:noFill/>
-          <a:ln>
-            <a:noFill/>
-          </a:ln>
-          <a:extLst>
-            <a:ext uri="{909E8E84-426E-40DD-AFC4-6F175D3DCCD1}">
-              <a14:hiddenFill xmlns:a14="http://schemas.microsoft.com/office/drawing/2010/main">
-                <a:solidFill>
-                  <a:srgbClr val="FFFFFF"/>
-                </a:solidFill>
-              </a14:hiddenFill>
-            </a:ext>
-            <a:ext uri="{91240B29-F687-4F45-9708-019B960494DF}">
-              <a14:hiddenLine xmlns:a14="http://schemas.microsoft.com/office/drawing/2010/main" w="9525">
-                <a:solidFill>
-                  <a:srgbClr val="000000"/>
-                </a:solidFill>
-                <a:miter lim="800000"/>
-                <a:headEnd/>
-                <a:tailEnd/>
-              </a14:hiddenLine>
-            </a:ext>
-          </a:extLst>
-        </p:spPr>
-        <p:txBody>
-          <a:bodyPr>
-            <a:spAutoFit/>
-          </a:bodyPr>
-          <a:lstStyle>
-            <a:lvl1pPr>
-              <a:defRPr>
-                <a:solidFill>
-                  <a:schemeClr val="tx1"/>
-                </a:solidFill>
-                <a:latin typeface="Arial" charset="0"/>
-              </a:defRPr>
-            </a:lvl1pPr>
-            <a:lvl2pPr marL="742950" indent="-285750">
-              <a:defRPr>
-                <a:solidFill>
-                  <a:schemeClr val="tx1"/>
-                </a:solidFill>
-                <a:latin typeface="Arial" charset="0"/>
-              </a:defRPr>
-            </a:lvl2pPr>
-            <a:lvl3pPr marL="1143000" indent="-228600">
-              <a:defRPr>
-                <a:solidFill>
-                  <a:schemeClr val="tx1"/>
-                </a:solidFill>
-                <a:latin typeface="Arial" charset="0"/>
-              </a:defRPr>
-            </a:lvl3pPr>
-            <a:lvl4pPr marL="1600200" indent="-228600">
-              <a:defRPr>
-                <a:solidFill>
-                  <a:schemeClr val="tx1"/>
-                </a:solidFill>
-                <a:latin typeface="Arial" charset="0"/>
-              </a:defRPr>
-            </a:lvl4pPr>
-            <a:lvl5pPr marL="2057400" indent="-228600">
-              <a:defRPr>
-                <a:solidFill>
-                  <a:schemeClr val="tx1"/>
-                </a:solidFill>
-                <a:latin typeface="Arial" charset="0"/>
-              </a:defRPr>
-            </a:lvl5pPr>
-            <a:lvl6pPr marL="2514600" indent="-228600" eaLnBrk="0" fontAlgn="base" hangingPunct="0">
-              <a:spcBef>
-                <a:spcPct val="0"/>
-              </a:spcBef>
-              <a:spcAft>
-                <a:spcPct val="0"/>
-              </a:spcAft>
-              <a:defRPr>
-                <a:solidFill>
-                  <a:schemeClr val="tx1"/>
-                </a:solidFill>
-                <a:latin typeface="Arial" charset="0"/>
-              </a:defRPr>
-            </a:lvl6pPr>
-            <a:lvl7pPr marL="2971800" indent="-228600" eaLnBrk="0" fontAlgn="base" hangingPunct="0">
-              <a:spcBef>
-                <a:spcPct val="0"/>
-              </a:spcBef>
-              <a:spcAft>
-                <a:spcPct val="0"/>
-              </a:spcAft>
-              <a:defRPr>
-                <a:solidFill>
-                  <a:schemeClr val="tx1"/>
-                </a:solidFill>
-                <a:latin typeface="Arial" charset="0"/>
-              </a:defRPr>
-            </a:lvl7pPr>
-            <a:lvl8pPr marL="3429000" indent="-228600" eaLnBrk="0" fontAlgn="base" hangingPunct="0">
-              <a:spcBef>
-                <a:spcPct val="0"/>
-              </a:spcBef>
-              <a:spcAft>
-                <a:spcPct val="0"/>
-              </a:spcAft>
-              <a:defRPr>
-                <a:solidFill>
-                  <a:schemeClr val="tx1"/>
-                </a:solidFill>
-                <a:latin typeface="Arial" charset="0"/>
-              </a:defRPr>
-            </a:lvl8pPr>
-            <a:lvl9pPr marL="3886200" indent="-228600" eaLnBrk="0" fontAlgn="base" hangingPunct="0">
-              <a:spcBef>
-                <a:spcPct val="0"/>
-              </a:spcBef>
-              <a:spcAft>
-                <a:spcPct val="0"/>
-              </a:spcAft>
-              <a:defRPr>
-                <a:solidFill>
-                  <a:schemeClr val="tx1"/>
-                </a:solidFill>
-                <a:latin typeface="Arial" charset="0"/>
-              </a:defRPr>
-            </a:lvl9pPr>
-          </a:lstStyle>
-          <a:p>
-            <a:pPr algn="r"/>
-            <a:r>
-              <a:rPr lang="en-US" sz="1200"/>
-              <a:t>Code from:  http://courses.engr.illinois.edu/ece498/al/textbook/Chapter2-CudaProgrammingModel.pdf </a:t>
-            </a:r>
-          </a:p>
-        </p:txBody>
-      </p:sp>
-      <p:pic>
-        <p:nvPicPr>
-          <p:cNvPr id="59396" name="Picture 2"/>
-          <p:cNvPicPr>
-            <a:picLocks noChangeAspect="1" noChangeArrowheads="1"/>
-          </p:cNvPicPr>
-          <p:nvPr/>
-        </p:nvPicPr>
-        <p:blipFill>
-          <a:blip r:embed="rId2">
-            <a:extLst>
-              <a:ext uri="{28A0092B-C50C-407E-A947-70E740481C1C}">
-                <a14:useLocalDpi xmlns:a14="http://schemas.microsoft.com/office/drawing/2010/main" val="0"/>
-              </a:ext>
-            </a:extLst>
-          </a:blip>
-          <a:srcRect/>
-          <a:stretch>
-            <a:fillRect/>
-          </a:stretch>
-        </p:blipFill>
-        <p:spPr bwMode="auto">
-          <a:xfrm>
-            <a:off x="1757363" y="1500188"/>
-            <a:ext cx="5629275" cy="5053012"/>
-          </a:xfrm>
-          <a:prstGeom prst="rect">
-            <a:avLst/>
-          </a:prstGeom>
-          <a:noFill/>
-          <a:ln>
-            <a:noFill/>
-          </a:ln>
-          <a:extLst>
-            <a:ext uri="{909E8E84-426E-40DD-AFC4-6F175D3DCCD1}">
-              <a14:hiddenFill xmlns:a14="http://schemas.microsoft.com/office/drawing/2010/main">
-                <a:solidFill>
-                  <a:srgbClr val="FFFFFF"/>
-                </a:solidFill>
-              </a14:hiddenFill>
-            </a:ext>
-            <a:ext uri="{91240B29-F687-4F45-9708-019B960494DF}">
-              <a14:hiddenLine xmlns:a14="http://schemas.microsoft.com/office/drawing/2010/main" w="9525">
-                <a:solidFill>
-                  <a:srgbClr val="000000"/>
-                </a:solidFill>
-                <a:miter lim="800000"/>
-                <a:headEnd/>
-                <a:tailEnd/>
-              </a14:hiddenLine>
-            </a:ext>
-          </a:extLst>
-        </p:spPr>
-      </p:pic>
-      <p:sp>
-        <p:nvSpPr>
-          <p:cNvPr id="59397" name="Rectangle 5"/>
-          <p:cNvSpPr>
-            <a:spLocks noChangeArrowheads="1"/>
-          </p:cNvSpPr>
-          <p:nvPr/>
-        </p:nvSpPr>
-        <p:spPr bwMode="auto">
-          <a:xfrm>
-            <a:off x="1905000" y="5105400"/>
-            <a:ext cx="5029200" cy="1066800"/>
-          </a:xfrm>
-          <a:prstGeom prst="rect">
-            <a:avLst/>
-          </a:prstGeom>
-          <a:solidFill>
-            <a:srgbClr val="FFFF99">
-              <a:alpha val="50195"/>
-            </a:srgbClr>
-          </a:solidFill>
-          <a:ln w="9525">
-            <a:solidFill>
-              <a:schemeClr val="tx1"/>
-            </a:solidFill>
-            <a:miter lim="800000"/>
-            <a:headEnd/>
-            <a:tailEnd/>
-          </a:ln>
-        </p:spPr>
-        <p:txBody>
-          <a:bodyPr wrap="none" anchor="ctr"/>
-          <a:lstStyle/>
-          <a:p>
-            <a:endParaRPr lang="en-US"/>
-          </a:p>
-        </p:txBody>
-      </p:sp>
-      <p:sp>
-        <p:nvSpPr>
-          <p:cNvPr id="59398" name="Text Box 6"/>
-          <p:cNvSpPr txBox="1">
-            <a:spLocks noChangeArrowheads="1"/>
-          </p:cNvSpPr>
-          <p:nvPr/>
-        </p:nvSpPr>
-        <p:spPr bwMode="auto">
-          <a:xfrm>
-            <a:off x="7391400" y="5334000"/>
-            <a:ext cx="1447800" cy="646113"/>
-          </a:xfrm>
-          <a:prstGeom prst="rect">
-            <a:avLst/>
-          </a:prstGeom>
-          <a:noFill/>
-          <a:ln w="9525">
-            <a:solidFill>
-              <a:srgbClr val="CC3300"/>
-            </a:solidFill>
-            <a:miter lim="800000"/>
-            <a:headEnd/>
-            <a:tailEnd/>
-          </a:ln>
-          <a:extLst>
-            <a:ext uri="{909E8E84-426E-40DD-AFC4-6F175D3DCCD1}">
-              <a14:hiddenFill xmlns:a14="http://schemas.microsoft.com/office/drawing/2010/main">
-                <a:solidFill>
-                  <a:srgbClr val="FFFFFF"/>
-                </a:solidFill>
-              </a14:hiddenFill>
-            </a:ext>
-          </a:extLst>
-        </p:spPr>
-        <p:txBody>
-          <a:bodyPr>
-            <a:spAutoFit/>
-          </a:bodyPr>
-          <a:lstStyle>
-            <a:lvl1pPr>
-              <a:defRPr>
-                <a:solidFill>
-                  <a:schemeClr val="tx1"/>
-                </a:solidFill>
-                <a:latin typeface="Arial" charset="0"/>
-              </a:defRPr>
-            </a:lvl1pPr>
-            <a:lvl2pPr marL="742950" indent="-285750">
-              <a:defRPr>
-                <a:solidFill>
-                  <a:schemeClr val="tx1"/>
-                </a:solidFill>
-                <a:latin typeface="Arial" charset="0"/>
-              </a:defRPr>
-            </a:lvl2pPr>
-            <a:lvl3pPr marL="1143000" indent="-228600">
-              <a:defRPr>
-                <a:solidFill>
-                  <a:schemeClr val="tx1"/>
-                </a:solidFill>
-                <a:latin typeface="Arial" charset="0"/>
-              </a:defRPr>
-            </a:lvl3pPr>
-            <a:lvl4pPr marL="1600200" indent="-228600">
-              <a:defRPr>
-                <a:solidFill>
-                  <a:schemeClr val="tx1"/>
-                </a:solidFill>
-                <a:latin typeface="Arial" charset="0"/>
-              </a:defRPr>
-            </a:lvl4pPr>
-            <a:lvl5pPr marL="2057400" indent="-228600">
-              <a:defRPr>
-                <a:solidFill>
-                  <a:schemeClr val="tx1"/>
-                </a:solidFill>
-                <a:latin typeface="Arial" charset="0"/>
-              </a:defRPr>
-            </a:lvl5pPr>
-            <a:lvl6pPr marL="2514600" indent="-228600" eaLnBrk="0" fontAlgn="base" hangingPunct="0">
-              <a:spcBef>
-                <a:spcPct val="0"/>
-              </a:spcBef>
-              <a:spcAft>
-                <a:spcPct val="0"/>
-              </a:spcAft>
-              <a:defRPr>
-                <a:solidFill>
-                  <a:schemeClr val="tx1"/>
-                </a:solidFill>
-                <a:latin typeface="Arial" charset="0"/>
-              </a:defRPr>
-            </a:lvl6pPr>
-            <a:lvl7pPr marL="2971800" indent="-228600" eaLnBrk="0" fontAlgn="base" hangingPunct="0">
-              <a:spcBef>
-                <a:spcPct val="0"/>
-              </a:spcBef>
-              <a:spcAft>
-                <a:spcPct val="0"/>
-              </a:spcAft>
-              <a:defRPr>
-                <a:solidFill>
-                  <a:schemeClr val="tx1"/>
-                </a:solidFill>
-                <a:latin typeface="Arial" charset="0"/>
-              </a:defRPr>
-            </a:lvl7pPr>
-            <a:lvl8pPr marL="3429000" indent="-228600" eaLnBrk="0" fontAlgn="base" hangingPunct="0">
-              <a:spcBef>
-                <a:spcPct val="0"/>
-              </a:spcBef>
-              <a:spcAft>
-                <a:spcPct val="0"/>
-              </a:spcAft>
-              <a:defRPr>
-                <a:solidFill>
-                  <a:schemeClr val="tx1"/>
-                </a:solidFill>
-                <a:latin typeface="Arial" charset="0"/>
-              </a:defRPr>
-            </a:lvl8pPr>
-            <a:lvl9pPr marL="3886200" indent="-228600" eaLnBrk="0" fontAlgn="base" hangingPunct="0">
-              <a:spcBef>
-                <a:spcPct val="0"/>
-              </a:spcBef>
-              <a:spcAft>
-                <a:spcPct val="0"/>
-              </a:spcAft>
-              <a:defRPr>
-                <a:solidFill>
-                  <a:schemeClr val="tx1"/>
-                </a:solidFill>
-                <a:latin typeface="Arial" charset="0"/>
-              </a:defRPr>
-            </a:lvl9pPr>
-          </a:lstStyle>
-          <a:p>
-            <a:r>
-              <a:rPr lang="en-US">
-                <a:solidFill>
-                  <a:srgbClr val="CC3300"/>
-                </a:solidFill>
-              </a:rPr>
-              <a:t>Read back from device</a:t>
-            </a:r>
-          </a:p>
-        </p:txBody>
-      </p:sp>
-      <p:sp>
-        <p:nvSpPr>
-          <p:cNvPr id="59399" name="Line 7"/>
-          <p:cNvSpPr>
-            <a:spLocks noChangeShapeType="1"/>
-          </p:cNvSpPr>
-          <p:nvPr/>
-        </p:nvSpPr>
-        <p:spPr bwMode="auto">
-          <a:xfrm flipH="1">
-            <a:off x="6934200" y="5627688"/>
-            <a:ext cx="457200" cy="0"/>
-          </a:xfrm>
-          <a:prstGeom prst="line">
-            <a:avLst/>
-          </a:prstGeom>
-          <a:noFill/>
-          <a:ln w="9525">
-            <a:solidFill>
-              <a:srgbClr val="CC3300"/>
-            </a:solidFill>
-            <a:round/>
-            <a:headEnd/>
-            <a:tailEnd type="triangle" w="med" len="med"/>
-          </a:ln>
-          <a:extLst>
-            <a:ext uri="{909E8E84-426E-40DD-AFC4-6F175D3DCCD1}">
-              <a14:hiddenFill xmlns:a14="http://schemas.microsoft.com/office/drawing/2010/main">
-                <a:noFill/>
-              </a14:hiddenFill>
-            </a:ext>
-          </a:extLst>
-        </p:spPr>
-        <p:txBody>
-          <a:bodyPr/>
-          <a:lstStyle/>
-          <a:p>
-            <a:endParaRPr lang="en-US"/>
-          </a:p>
-        </p:txBody>
-      </p:sp>
-    </p:spTree>
-  </p:cSld>
-  <p:clrMapOvr>
-    <a:masterClrMapping/>
-  </p:clrMapOvr>
-  <p:timing>
-    <p:tnLst>
-      <p:par>
-        <p:cTn id="1" dur="indefinite" restart="never" nodeType="tmRoot"/>
-      </p:par>
-    </p:tnLst>
-  </p:timing>
-</p:sld>
-</file>
-
-<file path=ppt/slides/slide52.xml><?xml version="1.0" encoding="utf-8"?>
-<p:sld xmlns:a="http://schemas.openxmlformats.org/drawingml/2006/main" xmlns:r="http://schemas.openxmlformats.org/officeDocument/2006/relationships" xmlns:p="http://schemas.openxmlformats.org/presentationml/2006/main">
-  <p:cSld>
-    <p:spTree>
-      <p:nvGrpSpPr>
-        <p:cNvPr id="1" name=""/>
-        <p:cNvGrpSpPr/>
-        <p:nvPr/>
-      </p:nvGrpSpPr>
-      <p:grpSpPr>
-        <a:xfrm>
-          <a:off x="0" y="0"/>
-          <a:ext cx="0" cy="0"/>
-          <a:chOff x="0" y="0"/>
-          <a:chExt cx="0" cy="0"/>
-        </a:xfrm>
-      </p:grpSpPr>
-      <p:sp>
-        <p:nvSpPr>
-          <p:cNvPr id="60418" name="Title 1"/>
-          <p:cNvSpPr>
-            <a:spLocks noGrp="1"/>
-          </p:cNvSpPr>
-          <p:nvPr>
-            <p:ph type="title"/>
-          </p:nvPr>
-        </p:nvSpPr>
-        <p:spPr/>
-        <p:txBody>
-          <a:bodyPr/>
-          <a:lstStyle/>
-          <a:p>
-            <a:r>
-              <a:rPr lang="en-US" smtClean="0"/>
-              <a:t>Matrix Multiply:  Data Transfer</a:t>
-            </a:r>
-          </a:p>
-        </p:txBody>
-      </p:sp>
-      <p:sp>
-        <p:nvSpPr>
-          <p:cNvPr id="60419" name="Text Box 5"/>
-          <p:cNvSpPr txBox="1">
-            <a:spLocks noChangeArrowheads="1"/>
-          </p:cNvSpPr>
-          <p:nvPr/>
-        </p:nvSpPr>
-        <p:spPr bwMode="auto">
-          <a:xfrm>
-            <a:off x="0" y="6553200"/>
-            <a:ext cx="9144000" cy="276225"/>
-          </a:xfrm>
-          <a:prstGeom prst="rect">
-            <a:avLst/>
-          </a:prstGeom>
-          <a:noFill/>
-          <a:ln>
-            <a:noFill/>
-          </a:ln>
-          <a:extLst>
-            <a:ext uri="{909E8E84-426E-40DD-AFC4-6F175D3DCCD1}">
-              <a14:hiddenFill xmlns:a14="http://schemas.microsoft.com/office/drawing/2010/main">
-                <a:solidFill>
-                  <a:srgbClr val="FFFFFF"/>
-                </a:solidFill>
-              </a14:hiddenFill>
-            </a:ext>
-            <a:ext uri="{91240B29-F687-4F45-9708-019B960494DF}">
-              <a14:hiddenLine xmlns:a14="http://schemas.microsoft.com/office/drawing/2010/main" w="9525">
-                <a:solidFill>
-                  <a:srgbClr val="000000"/>
-                </a:solidFill>
-                <a:miter lim="800000"/>
-                <a:headEnd/>
-                <a:tailEnd/>
-              </a14:hiddenLine>
-            </a:ext>
-          </a:extLst>
-        </p:spPr>
-        <p:txBody>
-          <a:bodyPr>
-            <a:spAutoFit/>
-          </a:bodyPr>
-          <a:lstStyle>
-            <a:lvl1pPr>
-              <a:defRPr>
-                <a:solidFill>
-                  <a:schemeClr val="tx1"/>
-                </a:solidFill>
-                <a:latin typeface="Arial" charset="0"/>
-              </a:defRPr>
-            </a:lvl1pPr>
-            <a:lvl2pPr marL="742950" indent="-285750">
-              <a:defRPr>
-                <a:solidFill>
-                  <a:schemeClr val="tx1"/>
-                </a:solidFill>
-                <a:latin typeface="Arial" charset="0"/>
-              </a:defRPr>
-            </a:lvl2pPr>
-            <a:lvl3pPr marL="1143000" indent="-228600">
-              <a:defRPr>
-                <a:solidFill>
-                  <a:schemeClr val="tx1"/>
-                </a:solidFill>
-                <a:latin typeface="Arial" charset="0"/>
-              </a:defRPr>
-            </a:lvl3pPr>
-            <a:lvl4pPr marL="1600200" indent="-228600">
-              <a:defRPr>
-                <a:solidFill>
-                  <a:schemeClr val="tx1"/>
-                </a:solidFill>
-                <a:latin typeface="Arial" charset="0"/>
-              </a:defRPr>
-            </a:lvl4pPr>
-            <a:lvl5pPr marL="2057400" indent="-228600">
-              <a:defRPr>
-                <a:solidFill>
-                  <a:schemeClr val="tx1"/>
-                </a:solidFill>
-                <a:latin typeface="Arial" charset="0"/>
-              </a:defRPr>
-            </a:lvl5pPr>
-            <a:lvl6pPr marL="2514600" indent="-228600" eaLnBrk="0" fontAlgn="base" hangingPunct="0">
-              <a:spcBef>
-                <a:spcPct val="0"/>
-              </a:spcBef>
-              <a:spcAft>
-                <a:spcPct val="0"/>
-              </a:spcAft>
-              <a:defRPr>
-                <a:solidFill>
-                  <a:schemeClr val="tx1"/>
-                </a:solidFill>
-                <a:latin typeface="Arial" charset="0"/>
-              </a:defRPr>
-            </a:lvl6pPr>
-            <a:lvl7pPr marL="2971800" indent="-228600" eaLnBrk="0" fontAlgn="base" hangingPunct="0">
-              <a:spcBef>
-                <a:spcPct val="0"/>
-              </a:spcBef>
-              <a:spcAft>
-                <a:spcPct val="0"/>
-              </a:spcAft>
-              <a:defRPr>
-                <a:solidFill>
-                  <a:schemeClr val="tx1"/>
-                </a:solidFill>
-                <a:latin typeface="Arial" charset="0"/>
-              </a:defRPr>
-            </a:lvl7pPr>
-            <a:lvl8pPr marL="3429000" indent="-228600" eaLnBrk="0" fontAlgn="base" hangingPunct="0">
-              <a:spcBef>
-                <a:spcPct val="0"/>
-              </a:spcBef>
-              <a:spcAft>
-                <a:spcPct val="0"/>
-              </a:spcAft>
-              <a:defRPr>
-                <a:solidFill>
-                  <a:schemeClr val="tx1"/>
-                </a:solidFill>
-                <a:latin typeface="Arial" charset="0"/>
-              </a:defRPr>
-            </a:lvl8pPr>
-            <a:lvl9pPr marL="3886200" indent="-228600" eaLnBrk="0" fontAlgn="base" hangingPunct="0">
-              <a:spcBef>
-                <a:spcPct val="0"/>
-              </a:spcBef>
-              <a:spcAft>
-                <a:spcPct val="0"/>
-              </a:spcAft>
-              <a:defRPr>
-                <a:solidFill>
-                  <a:schemeClr val="tx1"/>
-                </a:solidFill>
-                <a:latin typeface="Arial" charset="0"/>
-              </a:defRPr>
-            </a:lvl9pPr>
-          </a:lstStyle>
-          <a:p>
-            <a:pPr algn="r"/>
-            <a:r>
-              <a:rPr lang="en-US" sz="1200"/>
-              <a:t>Code from:  http://courses.engr.illinois.edu/ece498/al/textbook/Chapter2-CudaProgrammingModel.pdf </a:t>
-            </a:r>
-          </a:p>
-        </p:txBody>
-      </p:sp>
-      <p:pic>
-        <p:nvPicPr>
-          <p:cNvPr id="60420" name="Picture 2"/>
-          <p:cNvPicPr>
-            <a:picLocks noChangeAspect="1" noChangeArrowheads="1"/>
-          </p:cNvPicPr>
-          <p:nvPr/>
-        </p:nvPicPr>
-        <p:blipFill>
-          <a:blip r:embed="rId2">
-            <a:extLst>
-              <a:ext uri="{28A0092B-C50C-407E-A947-70E740481C1C}">
-                <a14:useLocalDpi xmlns:a14="http://schemas.microsoft.com/office/drawing/2010/main" val="0"/>
-              </a:ext>
-            </a:extLst>
-          </a:blip>
-          <a:srcRect/>
-          <a:stretch>
-            <a:fillRect/>
-          </a:stretch>
-        </p:blipFill>
-        <p:spPr bwMode="auto">
-          <a:xfrm>
-            <a:off x="2555875" y="1789113"/>
-            <a:ext cx="4033838" cy="3621087"/>
-          </a:xfrm>
-          <a:prstGeom prst="rect">
-            <a:avLst/>
-          </a:prstGeom>
-          <a:noFill/>
-          <a:ln>
-            <a:noFill/>
-          </a:ln>
-          <a:extLst>
-            <a:ext uri="{909E8E84-426E-40DD-AFC4-6F175D3DCCD1}">
-              <a14:hiddenFill xmlns:a14="http://schemas.microsoft.com/office/drawing/2010/main">
-                <a:solidFill>
-                  <a:srgbClr val="FFFFFF"/>
-                </a:solidFill>
-              </a14:hiddenFill>
-            </a:ext>
-            <a:ext uri="{91240B29-F687-4F45-9708-019B960494DF}">
-              <a14:hiddenLine xmlns:a14="http://schemas.microsoft.com/office/drawing/2010/main" w="9525">
-                <a:solidFill>
-                  <a:srgbClr val="000000"/>
-                </a:solidFill>
-                <a:miter lim="800000"/>
-                <a:headEnd/>
-                <a:tailEnd/>
-              </a14:hiddenLine>
-            </a:ext>
-          </a:extLst>
-        </p:spPr>
-      </p:pic>
-      <p:sp>
-        <p:nvSpPr>
-          <p:cNvPr id="9" name="Content Placeholder 2"/>
-          <p:cNvSpPr txBox="1">
-            <a:spLocks/>
-          </p:cNvSpPr>
-          <p:nvPr/>
-        </p:nvSpPr>
-        <p:spPr bwMode="auto">
-          <a:xfrm>
-            <a:off x="381000" y="5715000"/>
-            <a:ext cx="8610600" cy="685800"/>
-          </a:xfrm>
-          <a:prstGeom prst="rect">
-            <a:avLst/>
-          </a:prstGeom>
-          <a:noFill/>
-          <a:ln w="9525">
-            <a:noFill/>
-            <a:miter lim="800000"/>
-            <a:headEnd/>
-            <a:tailEnd/>
-          </a:ln>
-        </p:spPr>
-        <p:txBody>
-          <a:bodyPr/>
-          <a:lstStyle/>
-          <a:p>
-            <a:pPr marL="342900" indent="-342900">
-              <a:spcBef>
-                <a:spcPct val="20000"/>
-              </a:spcBef>
-              <a:buClr>
-                <a:schemeClr val="bg2"/>
-              </a:buClr>
-              <a:buSzPct val="75000"/>
-              <a:buFont typeface="Wingdings" pitchFamily="2" charset="2"/>
-              <a:buChar char="n"/>
-              <a:defRPr/>
-            </a:pPr>
-            <a:r>
-              <a:rPr lang="en-US" sz="3200" kern="0" dirty="0">
-                <a:latin typeface="+mn-lt"/>
-              </a:rPr>
-              <a:t>Similar to </a:t>
-            </a:r>
-            <a:r>
-              <a:rPr lang="en-US" sz="3200" kern="0" dirty="0">
-                <a:latin typeface="+mn-lt"/>
-              </a:rPr>
-              <a:t>GPGPU with </a:t>
-            </a:r>
-            <a:r>
-              <a:rPr lang="en-US" sz="3200" kern="0" dirty="0">
-                <a:latin typeface="+mn-lt"/>
-              </a:rPr>
-              <a:t>GLSL.</a:t>
-            </a:r>
-            <a:endParaRPr lang="en-US" sz="2800" i="1" kern="0" dirty="0">
-              <a:solidFill>
-                <a:srgbClr val="FF0000"/>
-              </a:solidFill>
-              <a:latin typeface="+mn-lt"/>
-            </a:endParaRPr>
-          </a:p>
-        </p:txBody>
-      </p:sp>
-    </p:spTree>
-  </p:cSld>
-  <p:clrMapOvr>
-    <a:masterClrMapping/>
-  </p:clrMapOvr>
-  <p:timing>
-    <p:tnLst>
-      <p:par>
-        <p:cTn id="1" dur="indefinite" restart="never" nodeType="tmRoot"/>
-      </p:par>
-    </p:tnLst>
-  </p:timing>
-</p:sld>
-</file>
-
-<file path=ppt/slides/slide53.xml><?xml version="1.0" encoding="utf-8"?>
-<p:sld xmlns:a="http://schemas.openxmlformats.org/drawingml/2006/main" xmlns:r="http://schemas.openxmlformats.org/officeDocument/2006/relationships" xmlns:p="http://schemas.openxmlformats.org/presentationml/2006/main">
-  <p:cSld>
-    <p:spTree>
-      <p:nvGrpSpPr>
-        <p:cNvPr id="1" name=""/>
-        <p:cNvGrpSpPr/>
-        <p:nvPr/>
-      </p:nvGrpSpPr>
-      <p:grpSpPr>
-        <a:xfrm>
-          <a:off x="0" y="0"/>
-          <a:ext cx="0" cy="0"/>
-          <a:chOff x="0" y="0"/>
-          <a:chExt cx="0" cy="0"/>
-        </a:xfrm>
-      </p:grpSpPr>
-      <p:sp>
-        <p:nvSpPr>
-          <p:cNvPr id="61442" name="Title 1"/>
-          <p:cNvSpPr>
-            <a:spLocks noGrp="1"/>
-          </p:cNvSpPr>
-          <p:nvPr>
-            <p:ph type="title"/>
-          </p:nvPr>
-        </p:nvSpPr>
-        <p:spPr/>
-        <p:txBody>
-          <a:bodyPr/>
-          <a:lstStyle/>
-          <a:p>
-            <a:r>
-              <a:rPr lang="en-US" smtClean="0"/>
-              <a:t>Matrix Multiply</a:t>
-            </a:r>
-          </a:p>
-        </p:txBody>
-      </p:sp>
-      <p:sp>
-        <p:nvSpPr>
-          <p:cNvPr id="3" name="Content Placeholder 2"/>
-          <p:cNvSpPr>
-            <a:spLocks noGrp="1"/>
-          </p:cNvSpPr>
-          <p:nvPr>
-            <p:ph idx="1"/>
-          </p:nvPr>
-        </p:nvSpPr>
-        <p:spPr/>
-        <p:txBody>
-          <a:bodyPr/>
-          <a:lstStyle/>
-          <a:p>
-            <a:pPr>
-              <a:defRPr/>
-            </a:pPr>
-            <a:r>
-              <a:rPr lang="en-US" dirty="0" smtClean="0"/>
-              <a:t>Step 2</a:t>
-            </a:r>
-          </a:p>
-          <a:p>
-            <a:pPr lvl="1">
-              <a:defRPr/>
-            </a:pPr>
-            <a:r>
-              <a:rPr lang="en-US" dirty="0" smtClean="0"/>
-              <a:t>Implement the </a:t>
-            </a:r>
-            <a:r>
-              <a:rPr lang="en-US" i="1" dirty="0" smtClean="0">
-                <a:solidFill>
-                  <a:schemeClr val="bg2">
-                    <a:lumMod val="40000"/>
-                    <a:lumOff val="60000"/>
-                  </a:schemeClr>
-                </a:solidFill>
-              </a:rPr>
-              <a:t>kernel</a:t>
-            </a:r>
-            <a:r>
-              <a:rPr lang="en-US" dirty="0" smtClean="0"/>
-              <a:t> in CUDA C</a:t>
-            </a:r>
-            <a:endParaRPr lang="en-US" dirty="0"/>
-          </a:p>
-        </p:txBody>
-      </p:sp>
-    </p:spTree>
-  </p:cSld>
-  <p:clrMapOvr>
-    <a:masterClrMapping/>
-  </p:clrMapOvr>
-  <p:timing>
-    <p:tnLst>
-      <p:par>
-        <p:cTn id="1" dur="indefinite" restart="never" nodeType="tmRoot"/>
-      </p:par>
-    </p:tnLst>
-  </p:timing>
-</p:sld>
-</file>
-
-<file path=ppt/slides/slide54.xml><?xml version="1.0" encoding="utf-8"?>
 <p:sld xmlns:a="http://schemas.openxmlformats.org/drawingml/2006/main" xmlns:r="http://schemas.openxmlformats.org/officeDocument/2006/relationships" xmlns:p="http://schemas.openxmlformats.org/presentationml/2006/main">
   <p:cSld>
     <p:spTree>
@@ -27961,7 +26690,7 @@
 </p:sld>
 </file>
 
-<file path=ppt/slides/slide55.xml><?xml version="1.0" encoding="utf-8"?>
+<file path=ppt/slides/slide52.xml><?xml version="1.0" encoding="utf-8"?>
 <p:sld xmlns:a="http://schemas.openxmlformats.org/drawingml/2006/main" xmlns:r="http://schemas.openxmlformats.org/officeDocument/2006/relationships" xmlns:p="http://schemas.openxmlformats.org/presentationml/2006/main">
   <p:cSld>
     <p:spTree>
@@ -28448,7 +27177,7 @@
 </p:sld>
 </file>
 
-<file path=ppt/slides/slide56.xml><?xml version="1.0" encoding="utf-8"?>
+<file path=ppt/slides/slide53.xml><?xml version="1.0" encoding="utf-8"?>
 <p:sld xmlns:a="http://schemas.openxmlformats.org/drawingml/2006/main" xmlns:r="http://schemas.openxmlformats.org/officeDocument/2006/relationships" xmlns:p="http://schemas.openxmlformats.org/presentationml/2006/main">
   <p:cSld>
     <p:spTree>
@@ -28935,7 +27664,7 @@
 </p:sld>
 </file>
 
-<file path=ppt/slides/slide57.xml><?xml version="1.0" encoding="utf-8"?>
+<file path=ppt/slides/slide54.xml><?xml version="1.0" encoding="utf-8"?>
 <p:sld xmlns:a="http://schemas.openxmlformats.org/drawingml/2006/main" xmlns:r="http://schemas.openxmlformats.org/officeDocument/2006/relationships" xmlns:p="http://schemas.openxmlformats.org/presentationml/2006/main">
   <p:cSld>
     <p:spTree>
@@ -29343,7 +28072,7 @@
 </p:sld>
 </file>
 
-<file path=ppt/slides/slide58.xml><?xml version="1.0" encoding="utf-8"?>
+<file path=ppt/slides/slide55.xml><?xml version="1.0" encoding="utf-8"?>
 <p:sld xmlns:a="http://schemas.openxmlformats.org/drawingml/2006/main" xmlns:r="http://schemas.openxmlformats.org/officeDocument/2006/relationships" xmlns:p="http://schemas.openxmlformats.org/presentationml/2006/main">
   <p:cSld>
     <p:spTree>
@@ -29447,7 +28176,7 @@
 </p:sld>
 </file>
 
-<file path=ppt/slides/slide59.xml><?xml version="1.0" encoding="utf-8"?>
+<file path=ppt/slides/slide56.xml><?xml version="1.0" encoding="utf-8"?>
 <p:sld xmlns:a="http://schemas.openxmlformats.org/drawingml/2006/main" xmlns:r="http://schemas.openxmlformats.org/officeDocument/2006/relationships" xmlns:p="http://schemas.openxmlformats.org/presentationml/2006/main">
   <p:cSld>
     <p:spTree>
@@ -29934,84 +28663,7 @@
 </p:sld>
 </file>
 
-<file path=ppt/slides/slide6.xml><?xml version="1.0" encoding="utf-8"?>
-<p:sld xmlns:a="http://schemas.openxmlformats.org/drawingml/2006/main" xmlns:r="http://schemas.openxmlformats.org/officeDocument/2006/relationships" xmlns:p="http://schemas.openxmlformats.org/presentationml/2006/main">
-  <p:cSld>
-    <p:spTree>
-      <p:nvGrpSpPr>
-        <p:cNvPr id="1" name=""/>
-        <p:cNvGrpSpPr/>
-        <p:nvPr/>
-      </p:nvGrpSpPr>
-      <p:grpSpPr>
-        <a:xfrm>
-          <a:off x="0" y="0"/>
-          <a:ext cx="0" cy="0"/>
-          <a:chOff x="0" y="0"/>
-          <a:chExt cx="0" cy="0"/>
-        </a:xfrm>
-      </p:grpSpPr>
-      <p:sp>
-        <p:nvSpPr>
-          <p:cNvPr id="14338" name="Title 1"/>
-          <p:cNvSpPr>
-            <a:spLocks noGrp="1"/>
-          </p:cNvSpPr>
-          <p:nvPr>
-            <p:ph type="title"/>
-          </p:nvPr>
-        </p:nvSpPr>
-        <p:spPr/>
-        <p:txBody>
-          <a:bodyPr/>
-          <a:lstStyle/>
-          <a:p>
-            <a:endParaRPr lang="en-US" smtClean="0"/>
-          </a:p>
-        </p:txBody>
-      </p:sp>
-      <p:sp>
-        <p:nvSpPr>
-          <p:cNvPr id="14339" name="Content Placeholder 2"/>
-          <p:cNvSpPr>
-            <a:spLocks noGrp="1"/>
-          </p:cNvSpPr>
-          <p:nvPr>
-            <p:ph idx="1"/>
-          </p:nvPr>
-        </p:nvSpPr>
-        <p:spPr/>
-        <p:txBody>
-          <a:bodyPr/>
-          <a:lstStyle/>
-          <a:p>
-            <a:pPr algn="ctr">
-              <a:buFont typeface="Wingdings" pitchFamily="2" charset="2"/>
-              <a:buNone/>
-            </a:pPr>
-            <a:r>
-              <a:rPr lang="en-US" sz="8800" smtClean="0"/>
-              <a:t>Let’s program this thing!</a:t>
-            </a:r>
-          </a:p>
-        </p:txBody>
-      </p:sp>
-    </p:spTree>
-  </p:cSld>
-  <p:clrMapOvr>
-    <a:masterClrMapping/>
-  </p:clrMapOvr>
-  <p:timing>
-    <p:tnLst>
-      <p:par>
-        <p:cTn id="1" dur="indefinite" restart="never" nodeType="tmRoot"/>
-      </p:par>
-    </p:tnLst>
-  </p:timing>
-</p:sld>
-</file>
-
-<file path=ppt/slides/slide60.xml><?xml version="1.0" encoding="utf-8"?>
+<file path=ppt/slides/slide57.xml><?xml version="1.0" encoding="utf-8"?>
 <p:sld xmlns:a="http://schemas.openxmlformats.org/drawingml/2006/main" xmlns:r="http://schemas.openxmlformats.org/officeDocument/2006/relationships" xmlns:p="http://schemas.openxmlformats.org/presentationml/2006/main">
   <p:cSld>
     <p:spTree>
@@ -30193,7 +28845,7 @@
                 <a:latin typeface="Arial Black" pitchFamily="34" charset="0"/>
               </a:rPr>
               <a:pPr/>
-              <a:t>60</a:t>
+              <a:t>57</a:t>
             </a:fld>
             <a:endParaRPr lang="en-US" smtClean="0">
               <a:latin typeface="Arial Black" pitchFamily="34" charset="0"/>
@@ -35015,7 +33667,7 @@
 </p:sld>
 </file>
 
-<file path=ppt/slides/slide61.xml><?xml version="1.0" encoding="utf-8"?>
+<file path=ppt/slides/slide58.xml><?xml version="1.0" encoding="utf-8"?>
 <p:sld xmlns:a="http://schemas.openxmlformats.org/drawingml/2006/main" xmlns:r="http://schemas.openxmlformats.org/officeDocument/2006/relationships" xmlns:p="http://schemas.openxmlformats.org/presentationml/2006/main">
   <p:cSld>
     <p:spTree>
@@ -35078,6 +33730,83 @@
             <a:r>
               <a:rPr lang="en-US" smtClean="0"/>
               <a:t>What is the major limitation?</a:t>
+            </a:r>
+          </a:p>
+        </p:txBody>
+      </p:sp>
+    </p:spTree>
+  </p:cSld>
+  <p:clrMapOvr>
+    <a:masterClrMapping/>
+  </p:clrMapOvr>
+  <p:timing>
+    <p:tnLst>
+      <p:par>
+        <p:cTn id="1" dur="indefinite" restart="never" nodeType="tmRoot"/>
+      </p:par>
+    </p:tnLst>
+  </p:timing>
+</p:sld>
+</file>
+
+<file path=ppt/slides/slide6.xml><?xml version="1.0" encoding="utf-8"?>
+<p:sld xmlns:a="http://schemas.openxmlformats.org/drawingml/2006/main" xmlns:r="http://schemas.openxmlformats.org/officeDocument/2006/relationships" xmlns:p="http://schemas.openxmlformats.org/presentationml/2006/main">
+  <p:cSld>
+    <p:spTree>
+      <p:nvGrpSpPr>
+        <p:cNvPr id="1" name=""/>
+        <p:cNvGrpSpPr/>
+        <p:nvPr/>
+      </p:nvGrpSpPr>
+      <p:grpSpPr>
+        <a:xfrm>
+          <a:off x="0" y="0"/>
+          <a:ext cx="0" cy="0"/>
+          <a:chOff x="0" y="0"/>
+          <a:chExt cx="0" cy="0"/>
+        </a:xfrm>
+      </p:grpSpPr>
+      <p:sp>
+        <p:nvSpPr>
+          <p:cNvPr id="14338" name="Title 1"/>
+          <p:cNvSpPr>
+            <a:spLocks noGrp="1"/>
+          </p:cNvSpPr>
+          <p:nvPr>
+            <p:ph type="title"/>
+          </p:nvPr>
+        </p:nvSpPr>
+        <p:spPr/>
+        <p:txBody>
+          <a:bodyPr/>
+          <a:lstStyle/>
+          <a:p>
+            <a:endParaRPr lang="en-US" smtClean="0"/>
+          </a:p>
+        </p:txBody>
+      </p:sp>
+      <p:sp>
+        <p:nvSpPr>
+          <p:cNvPr id="14339" name="Content Placeholder 2"/>
+          <p:cNvSpPr>
+            <a:spLocks noGrp="1"/>
+          </p:cNvSpPr>
+          <p:nvPr>
+            <p:ph idx="1"/>
+          </p:nvPr>
+        </p:nvSpPr>
+        <p:spPr/>
+        <p:txBody>
+          <a:bodyPr/>
+          <a:lstStyle/>
+          <a:p>
+            <a:pPr algn="ctr">
+              <a:buFont typeface="Wingdings" pitchFamily="2" charset="2"/>
+              <a:buNone/>
+            </a:pPr>
+            <a:r>
+              <a:rPr lang="en-US" sz="8800" smtClean="0"/>
+              <a:t>Let’s program this thing!</a:t>
             </a:r>
           </a:p>
         </p:txBody>
